--- a/files/slides/chapter_0_course_introduction.pptx
+++ b/files/slides/chapter_0_course_introduction.pptx
@@ -2,21 +2,22 @@
 <file path=ppt/presentation.xml><?xml version="1.0" encoding="utf-8"?>
 <p:presentation xmlns:a="http://schemas.openxmlformats.org/drawingml/2006/main" xmlns:r="http://schemas.openxmlformats.org/officeDocument/2006/relationships" xmlns:p="http://schemas.openxmlformats.org/presentationml/2006/main">
   <p:sldMasterIdLst>
-    <p:sldMasterId id="2147483744" r:id="rId1"/>
+    <p:sldMasterId id="2147483648" r:id="rId1"/>
   </p:sldMasterIdLst>
   <p:notesMasterIdLst>
-    <p:notesMasterId r:id="rId11"/>
+    <p:notesMasterId r:id="rId7"/>
   </p:notesMasterIdLst>
   <p:sldIdLst>
-    <p:sldId id="256" r:id="rId2"/>
-    <p:sldId id="262" r:id="rId3"/>
-    <p:sldId id="365" r:id="rId4"/>
-    <p:sldId id="366" r:id="rId5"/>
-    <p:sldId id="367" r:id="rId6"/>
-    <p:sldId id="368" r:id="rId7"/>
-    <p:sldId id="369" r:id="rId8"/>
-    <p:sldId id="370" r:id="rId9"/>
-    <p:sldId id="371" r:id="rId10"/>
+    <p:sldId id="256" r:id="rId3"/>
+    <p:sldId id="262" r:id="rId4"/>
+    <p:sldId id="372" r:id="rId5"/>
+    <p:sldId id="365" r:id="rId6"/>
+    <p:sldId id="366" r:id="rId8"/>
+    <p:sldId id="367" r:id="rId9"/>
+    <p:sldId id="368" r:id="rId10"/>
+    <p:sldId id="369" r:id="rId11"/>
+    <p:sldId id="370" r:id="rId12"/>
+    <p:sldId id="371" r:id="rId13"/>
   </p:sldIdLst>
   <p:sldSz cx="9144000" cy="6858000" type="screen4x3"/>
   <p:notesSz cx="6858000" cy="9144000"/>
@@ -145,22 +146,6 @@
       </a:defRPr>
     </a:lvl9pPr>
   </p:defaultTextStyle>
-  <p:extLst>
-    <p:ext uri="{EFAFB233-063F-42B5-8137-9DF3F51BA10A}">
-      <p15:sldGuideLst xmlns:p15="http://schemas.microsoft.com/office/powerpoint/2012/main">
-        <p15:guide id="1" orient="horz" pos="2121">
-          <p15:clr>
-            <a:srgbClr val="A4A3A4"/>
-          </p15:clr>
-        </p15:guide>
-        <p15:guide id="2" pos="2867">
-          <p15:clr>
-            <a:srgbClr val="A4A3A4"/>
-          </p15:clr>
-        </p15:guide>
-      </p15:sldGuideLst>
-    </p:ext>
-  </p:extLst>
 </p:presentation>
 </file>
 
@@ -193,7 +178,7 @@
         <p:nvSpPr>
           <p:cNvPr id="2" name="页眉占位符 1"/>
           <p:cNvSpPr>
-            <a:spLocks noGrp="1"/>
+            <a:spLocks noGrp="true"/>
           </p:cNvSpPr>
           <p:nvPr>
             <p:ph type="hdr" sz="quarter"/>
@@ -229,7 +214,7 @@
         <p:nvSpPr>
           <p:cNvPr id="3" name="日期占位符 2"/>
           <p:cNvSpPr>
-            <a:spLocks noGrp="1"/>
+            <a:spLocks noGrp="true"/>
           </p:cNvSpPr>
           <p:nvPr>
             <p:ph type="dt" idx="1"/>
@@ -259,7 +244,6 @@
             </a:pPr>
             <a:fld id="{0945B0D1-3BCD-457A-AAD6-4A921CE77393}" type="datetimeFigureOut">
               <a:rPr lang="zh-CN" altLang="en-US"/>
-              <a:t>2021/6/27 Sunday</a:t>
             </a:fld>
             <a:endParaRPr lang="zh-CN" altLang="en-US"/>
           </a:p>
@@ -269,7 +253,7 @@
         <p:nvSpPr>
           <p:cNvPr id="4" name="幻灯片图像占位符 3"/>
           <p:cNvSpPr>
-            <a:spLocks noGrp="1" noRot="1" noChangeAspect="1"/>
+            <a:spLocks noGrp="true" noRot="true" noChangeAspect="true"/>
           </p:cNvSpPr>
           <p:nvPr>
             <p:ph type="sldImg" idx="2"/>
@@ -303,7 +287,7 @@
         <p:nvSpPr>
           <p:cNvPr id="5" name="备注占位符 4"/>
           <p:cNvSpPr>
-            <a:spLocks noGrp="1"/>
+            <a:spLocks noGrp="true"/>
           </p:cNvSpPr>
           <p:nvPr>
             <p:ph type="body" sz="quarter" idx="3"/>
@@ -327,6 +311,7 @@
               <a:rPr lang="zh-CN" altLang="en-US" noProof="0" smtClean="0"/>
               <a:t>单击此处编辑母版文本样式</a:t>
             </a:r>
+            <a:endParaRPr lang="zh-CN" altLang="en-US" noProof="0" smtClean="0"/>
           </a:p>
           <a:p>
             <a:pPr lvl="1"/>
@@ -334,6 +319,7 @@
               <a:rPr lang="zh-CN" altLang="en-US" noProof="0" smtClean="0"/>
               <a:t>第二级</a:t>
             </a:r>
+            <a:endParaRPr lang="zh-CN" altLang="en-US" noProof="0" smtClean="0"/>
           </a:p>
           <a:p>
             <a:pPr lvl="2"/>
@@ -341,6 +327,7 @@
               <a:rPr lang="zh-CN" altLang="en-US" noProof="0" smtClean="0"/>
               <a:t>第三级</a:t>
             </a:r>
+            <a:endParaRPr lang="zh-CN" altLang="en-US" noProof="0" smtClean="0"/>
           </a:p>
           <a:p>
             <a:pPr lvl="3"/>
@@ -348,6 +335,7 @@
               <a:rPr lang="zh-CN" altLang="en-US" noProof="0" smtClean="0"/>
               <a:t>第四级</a:t>
             </a:r>
+            <a:endParaRPr lang="zh-CN" altLang="en-US" noProof="0" smtClean="0"/>
           </a:p>
           <a:p>
             <a:pPr lvl="4"/>
@@ -355,6 +343,7 @@
               <a:rPr lang="zh-CN" altLang="en-US" noProof="0" smtClean="0"/>
               <a:t>第五级</a:t>
             </a:r>
+            <a:endParaRPr lang="zh-CN" altLang="en-US" noProof="0" smtClean="0"/>
           </a:p>
         </p:txBody>
       </p:sp>
@@ -362,7 +351,7 @@
         <p:nvSpPr>
           <p:cNvPr id="6" name="页脚占位符 5"/>
           <p:cNvSpPr>
-            <a:spLocks noGrp="1"/>
+            <a:spLocks noGrp="true"/>
           </p:cNvSpPr>
           <p:nvPr>
             <p:ph type="ftr" sz="quarter" idx="4"/>
@@ -398,7 +387,7 @@
         <p:nvSpPr>
           <p:cNvPr id="7" name="灯片编号占位符 6"/>
           <p:cNvSpPr>
-            <a:spLocks noGrp="1"/>
+            <a:spLocks noGrp="true"/>
           </p:cNvSpPr>
           <p:nvPr>
             <p:ph type="sldNum" sz="quarter" idx="5"/>
@@ -428,18 +417,12 @@
             </a:pPr>
             <a:fld id="{E914721E-2EFC-4F24-BBA3-3C0B34814082}" type="slidenum">
               <a:rPr lang="zh-CN" altLang="en-US"/>
-              <a:t>‹#›</a:t>
             </a:fld>
             <a:endParaRPr lang="zh-CN" altLang="en-US"/>
           </a:p>
         </p:txBody>
       </p:sp>
     </p:spTree>
-    <p:extLst>
-      <p:ext uri="{BB962C8B-B14F-4D97-AF65-F5344CB8AC3E}">
-        <p14:creationId xmlns:p14="http://schemas.microsoft.com/office/powerpoint/2010/main" val="3093798243"/>
-      </p:ext>
-    </p:extLst>
   </p:cSld>
   <p:clrMap bg1="lt1" tx1="dk1" bg2="lt2" tx2="dk2" accent1="accent1" accent2="accent2" accent3="accent3" accent4="accent4" accent5="accent5" accent6="accent6" hlink="hlink" folHlink="folHlink"/>
   <p:notesStyle>
@@ -588,7 +571,7 @@
         <p:nvSpPr>
           <p:cNvPr id="2" name="幻灯片图像占位符 1"/>
           <p:cNvSpPr>
-            <a:spLocks noGrp="1" noRot="1" noChangeAspect="1"/>
+            <a:spLocks noGrp="true" noRot="true" noChangeAspect="true"/>
           </p:cNvSpPr>
           <p:nvPr>
             <p:ph type="sldImg"/>
@@ -600,7 +583,7 @@
         <p:nvSpPr>
           <p:cNvPr id="3" name="备注占位符 2"/>
           <p:cNvSpPr>
-            <a:spLocks noGrp="1"/>
+            <a:spLocks noGrp="true"/>
           </p:cNvSpPr>
           <p:nvPr>
             <p:ph type="body" idx="1"/>
@@ -619,7 +602,7 @@
         <p:nvSpPr>
           <p:cNvPr id="4" name="灯片编号占位符 3"/>
           <p:cNvSpPr>
-            <a:spLocks noGrp="1"/>
+            <a:spLocks noGrp="true"/>
           </p:cNvSpPr>
           <p:nvPr>
             <p:ph type="sldNum" sz="quarter" idx="10"/>
@@ -635,18 +618,12 @@
             </a:pPr>
             <a:fld id="{E914721E-2EFC-4F24-BBA3-3C0B34814082}" type="slidenum">
               <a:rPr lang="zh-CN" altLang="en-US" smtClean="0"/>
-              <a:t>3</a:t>
             </a:fld>
             <a:endParaRPr lang="zh-CN" altLang="en-US"/>
           </a:p>
         </p:txBody>
       </p:sp>
     </p:spTree>
-    <p:extLst>
-      <p:ext uri="{BB962C8B-B14F-4D97-AF65-F5344CB8AC3E}">
-        <p14:creationId xmlns:p14="http://schemas.microsoft.com/office/powerpoint/2010/main" val="1835165714"/>
-      </p:ext>
-    </p:extLst>
   </p:cSld>
   <p:clrMapOvr>
     <a:masterClrMapping/>
@@ -655,7 +632,7 @@
 </file>
 
 <file path=ppt/slideLayouts/slideLayout1.xml><?xml version="1.0" encoding="utf-8"?>
-<p:sldLayout xmlns:a="http://schemas.openxmlformats.org/drawingml/2006/main" xmlns:r="http://schemas.openxmlformats.org/officeDocument/2006/relationships" xmlns:p="http://schemas.openxmlformats.org/presentationml/2006/main" showMasterSp="0" type="title" preserve="1">
+<p:sldLayout xmlns:a="http://schemas.openxmlformats.org/drawingml/2006/main" xmlns:r="http://schemas.openxmlformats.org/officeDocument/2006/relationships" xmlns:p="http://schemas.openxmlformats.org/presentationml/2006/main" type="title" preserve="1" showMasterSp="0">
   <p:cSld name="标题幻灯片">
     <p:bg>
       <p:bgRef idx="1002">
@@ -690,7 +667,7 @@
           <a:prstGeom prst="rect">
             <a:avLst/>
           </a:prstGeom>
-          <a:blipFill dpi="0" rotWithShape="1">
+          <a:blipFill dpi="0" rotWithShape="true">
             <a:blip r:embed="rId2">
               <a:alphaModFix amt="45000"/>
               <a:duotone>
@@ -967,7 +944,7 @@
         <p:nvSpPr>
           <p:cNvPr id="2" name="Title 1"/>
           <p:cNvSpPr>
-            <a:spLocks noGrp="1"/>
+            <a:spLocks noGrp="true"/>
           </p:cNvSpPr>
           <p:nvPr>
             <p:ph type="ctrTitle"/>
@@ -1015,7 +992,7 @@
         <p:nvSpPr>
           <p:cNvPr id="3" name="Subtitle 2"/>
           <p:cNvSpPr>
-            <a:spLocks noGrp="1"/>
+            <a:spLocks noGrp="true"/>
           </p:cNvSpPr>
           <p:nvPr>
             <p:ph type="subTitle" idx="1"/>
@@ -1089,7 +1066,7 @@
         <p:nvSpPr>
           <p:cNvPr id="20" name="Date Placeholder 19"/>
           <p:cNvSpPr>
-            <a:spLocks noGrp="1"/>
+            <a:spLocks noGrp="true"/>
           </p:cNvSpPr>
           <p:nvPr>
             <p:ph type="dt" sz="half" idx="10"/>
@@ -1125,7 +1102,7 @@
         <p:nvSpPr>
           <p:cNvPr id="21" name="Footer Placeholder 20"/>
           <p:cNvSpPr>
-            <a:spLocks noGrp="1"/>
+            <a:spLocks noGrp="true"/>
           </p:cNvSpPr>
           <p:nvPr>
             <p:ph type="ftr" sz="quarter" idx="11"/>
@@ -1163,7 +1140,7 @@
         <p:nvSpPr>
           <p:cNvPr id="22" name="Slide Number Placeholder 21"/>
           <p:cNvSpPr>
-            <a:spLocks noGrp="1"/>
+            <a:spLocks noGrp="true"/>
           </p:cNvSpPr>
           <p:nvPr>
             <p:ph type="sldNum" sz="quarter" idx="12"/>
@@ -1195,22 +1172,17 @@
             </a:pPr>
             <a:fld id="{21C6FF18-EC1F-4050-B737-4B9EF58B00DB}" type="slidenum">
               <a:rPr lang="en-US" altLang="zh-CN" smtClean="0"/>
-              <a:t>‹#›</a:t>
             </a:fld>
             <a:endParaRPr lang="en-US" altLang="zh-CN"/>
           </a:p>
         </p:txBody>
       </p:sp>
     </p:spTree>
-    <p:extLst>
-      <p:ext uri="{BB962C8B-B14F-4D97-AF65-F5344CB8AC3E}">
-        <p14:creationId xmlns:p14="http://schemas.microsoft.com/office/powerpoint/2010/main" val="2437120146"/>
-      </p:ext>
-    </p:extLst>
   </p:cSld>
   <p:clrMapOvr>
     <a:overrideClrMapping bg1="lt1" tx1="dk1" bg2="lt2" tx2="dk2" accent1="accent1" accent2="accent2" accent3="accent3" accent4="accent4" accent5="accent5" accent6="accent6" hlink="hlink" folHlink="folHlink"/>
   </p:clrMapOvr>
+  <p:hf hdr="0" ftr="0" dt="0"/>
 </p:sldLayout>
 </file>
 
@@ -1235,7 +1207,7 @@
         <p:nvSpPr>
           <p:cNvPr id="2" name="Title 1"/>
           <p:cNvSpPr>
-            <a:spLocks noGrp="1"/>
+            <a:spLocks noGrp="true"/>
           </p:cNvSpPr>
           <p:nvPr>
             <p:ph type="title"/>
@@ -1258,7 +1230,7 @@
         <p:nvSpPr>
           <p:cNvPr id="3" name="Vertical Text Placeholder 2"/>
           <p:cNvSpPr>
-            <a:spLocks noGrp="1"/>
+            <a:spLocks noGrp="true"/>
           </p:cNvSpPr>
           <p:nvPr>
             <p:ph type="body" orient="vert" idx="1"/>
@@ -1274,6 +1246,7 @@
               <a:rPr lang="zh-CN" altLang="en-US" smtClean="0"/>
               <a:t>单击此处编辑母版文本样式</a:t>
             </a:r>
+            <a:endParaRPr lang="zh-CN" altLang="en-US" smtClean="0"/>
           </a:p>
           <a:p>
             <a:pPr lvl="1"/>
@@ -1281,6 +1254,7 @@
               <a:rPr lang="zh-CN" altLang="en-US" smtClean="0"/>
               <a:t>第二级</a:t>
             </a:r>
+            <a:endParaRPr lang="zh-CN" altLang="en-US" smtClean="0"/>
           </a:p>
           <a:p>
             <a:pPr lvl="2"/>
@@ -1288,6 +1262,7 @@
               <a:rPr lang="zh-CN" altLang="en-US" smtClean="0"/>
               <a:t>第三级</a:t>
             </a:r>
+            <a:endParaRPr lang="zh-CN" altLang="en-US" smtClean="0"/>
           </a:p>
           <a:p>
             <a:pPr lvl="3"/>
@@ -1295,6 +1270,7 @@
               <a:rPr lang="zh-CN" altLang="en-US" smtClean="0"/>
               <a:t>第四级</a:t>
             </a:r>
+            <a:endParaRPr lang="zh-CN" altLang="en-US" smtClean="0"/>
           </a:p>
           <a:p>
             <a:pPr lvl="4"/>
@@ -1310,7 +1286,7 @@
         <p:nvSpPr>
           <p:cNvPr id="4" name="Date Placeholder 3"/>
           <p:cNvSpPr>
-            <a:spLocks noGrp="1"/>
+            <a:spLocks noGrp="true"/>
           </p:cNvSpPr>
           <p:nvPr>
             <p:ph type="dt" sz="half" idx="10"/>
@@ -1332,7 +1308,7 @@
         <p:nvSpPr>
           <p:cNvPr id="5" name="Footer Placeholder 4"/>
           <p:cNvSpPr>
-            <a:spLocks noGrp="1"/>
+            <a:spLocks noGrp="true"/>
           </p:cNvSpPr>
           <p:nvPr>
             <p:ph type="ftr" sz="quarter" idx="11"/>
@@ -1354,7 +1330,7 @@
         <p:nvSpPr>
           <p:cNvPr id="6" name="Slide Number Placeholder 5"/>
           <p:cNvSpPr>
-            <a:spLocks noGrp="1"/>
+            <a:spLocks noGrp="true"/>
           </p:cNvSpPr>
           <p:nvPr>
             <p:ph type="sldNum" sz="quarter" idx="12"/>
@@ -1370,22 +1346,17 @@
             </a:pPr>
             <a:fld id="{D2A583AB-FE07-4937-992B-2581A8AC60D4}" type="slidenum">
               <a:rPr lang="en-US" altLang="zh-CN" smtClean="0"/>
-              <a:t>‹#›</a:t>
             </a:fld>
             <a:endParaRPr lang="en-US" altLang="zh-CN"/>
           </a:p>
         </p:txBody>
       </p:sp>
     </p:spTree>
-    <p:extLst>
-      <p:ext uri="{BB962C8B-B14F-4D97-AF65-F5344CB8AC3E}">
-        <p14:creationId xmlns:p14="http://schemas.microsoft.com/office/powerpoint/2010/main" val="2190928586"/>
-      </p:ext>
-    </p:extLst>
   </p:cSld>
   <p:clrMapOvr>
     <a:masterClrMapping/>
   </p:clrMapOvr>
+  <p:hf hdr="0" ftr="0" dt="0"/>
 </p:sldLayout>
 </file>
 
@@ -1410,7 +1381,7 @@
         <p:nvSpPr>
           <p:cNvPr id="2" name="Vertical Title 1"/>
           <p:cNvSpPr>
-            <a:spLocks noGrp="1"/>
+            <a:spLocks noGrp="true"/>
           </p:cNvSpPr>
           <p:nvPr>
             <p:ph type="title" orient="vert"/>
@@ -1438,7 +1409,7 @@
         <p:nvSpPr>
           <p:cNvPr id="3" name="Vertical Text Placeholder 2"/>
           <p:cNvSpPr>
-            <a:spLocks noGrp="1"/>
+            <a:spLocks noGrp="true"/>
           </p:cNvSpPr>
           <p:nvPr>
             <p:ph type="body" orient="vert" idx="1"/>
@@ -1459,6 +1430,7 @@
               <a:rPr lang="zh-CN" altLang="en-US" smtClean="0"/>
               <a:t>单击此处编辑母版文本样式</a:t>
             </a:r>
+            <a:endParaRPr lang="zh-CN" altLang="en-US" smtClean="0"/>
           </a:p>
           <a:p>
             <a:pPr lvl="1"/>
@@ -1466,6 +1438,7 @@
               <a:rPr lang="zh-CN" altLang="en-US" smtClean="0"/>
               <a:t>第二级</a:t>
             </a:r>
+            <a:endParaRPr lang="zh-CN" altLang="en-US" smtClean="0"/>
           </a:p>
           <a:p>
             <a:pPr lvl="2"/>
@@ -1473,6 +1446,7 @@
               <a:rPr lang="zh-CN" altLang="en-US" smtClean="0"/>
               <a:t>第三级</a:t>
             </a:r>
+            <a:endParaRPr lang="zh-CN" altLang="en-US" smtClean="0"/>
           </a:p>
           <a:p>
             <a:pPr lvl="3"/>
@@ -1480,6 +1454,7 @@
               <a:rPr lang="zh-CN" altLang="en-US" smtClean="0"/>
               <a:t>第四级</a:t>
             </a:r>
+            <a:endParaRPr lang="zh-CN" altLang="en-US" smtClean="0"/>
           </a:p>
           <a:p>
             <a:pPr lvl="4"/>
@@ -1495,7 +1470,7 @@
         <p:nvSpPr>
           <p:cNvPr id="4" name="Date Placeholder 3"/>
           <p:cNvSpPr>
-            <a:spLocks noGrp="1"/>
+            <a:spLocks noGrp="true"/>
           </p:cNvSpPr>
           <p:nvPr>
             <p:ph type="dt" sz="half" idx="10"/>
@@ -1517,7 +1492,7 @@
         <p:nvSpPr>
           <p:cNvPr id="5" name="Footer Placeholder 4"/>
           <p:cNvSpPr>
-            <a:spLocks noGrp="1"/>
+            <a:spLocks noGrp="true"/>
           </p:cNvSpPr>
           <p:nvPr>
             <p:ph type="ftr" sz="quarter" idx="11"/>
@@ -1539,7 +1514,7 @@
         <p:nvSpPr>
           <p:cNvPr id="6" name="Slide Number Placeholder 5"/>
           <p:cNvSpPr>
-            <a:spLocks noGrp="1"/>
+            <a:spLocks noGrp="true"/>
           </p:cNvSpPr>
           <p:nvPr>
             <p:ph type="sldNum" sz="quarter" idx="12"/>
@@ -1555,22 +1530,17 @@
             </a:pPr>
             <a:fld id="{DE0200C9-3D99-4FBA-89F7-326A73B810C8}" type="slidenum">
               <a:rPr lang="en-US" altLang="zh-CN" smtClean="0"/>
-              <a:t>‹#›</a:t>
             </a:fld>
             <a:endParaRPr lang="en-US" altLang="zh-CN"/>
           </a:p>
         </p:txBody>
       </p:sp>
     </p:spTree>
-    <p:extLst>
-      <p:ext uri="{BB962C8B-B14F-4D97-AF65-F5344CB8AC3E}">
-        <p14:creationId xmlns:p14="http://schemas.microsoft.com/office/powerpoint/2010/main" val="3717559420"/>
-      </p:ext>
-    </p:extLst>
   </p:cSld>
   <p:clrMapOvr>
     <a:masterClrMapping/>
   </p:clrMapOvr>
+  <p:hf hdr="0" ftr="0" dt="0"/>
 </p:sldLayout>
 </file>
 
@@ -1595,7 +1565,7 @@
         <p:nvSpPr>
           <p:cNvPr id="2" name="Title 1"/>
           <p:cNvSpPr>
-            <a:spLocks noGrp="1"/>
+            <a:spLocks noGrp="true"/>
           </p:cNvSpPr>
           <p:nvPr>
             <p:ph type="title"/>
@@ -1618,7 +1588,7 @@
         <p:nvSpPr>
           <p:cNvPr id="3" name="Content Placeholder 2"/>
           <p:cNvSpPr>
-            <a:spLocks noGrp="1"/>
+            <a:spLocks noGrp="true"/>
           </p:cNvSpPr>
           <p:nvPr>
             <p:ph idx="1"/>
@@ -1634,6 +1604,7 @@
               <a:rPr lang="zh-CN" altLang="en-US" smtClean="0"/>
               <a:t>单击此处编辑母版文本样式</a:t>
             </a:r>
+            <a:endParaRPr lang="zh-CN" altLang="en-US" smtClean="0"/>
           </a:p>
           <a:p>
             <a:pPr lvl="1"/>
@@ -1641,6 +1612,7 @@
               <a:rPr lang="zh-CN" altLang="en-US" smtClean="0"/>
               <a:t>第二级</a:t>
             </a:r>
+            <a:endParaRPr lang="zh-CN" altLang="en-US" smtClean="0"/>
           </a:p>
           <a:p>
             <a:pPr lvl="2"/>
@@ -1648,6 +1620,7 @@
               <a:rPr lang="zh-CN" altLang="en-US" smtClean="0"/>
               <a:t>第三级</a:t>
             </a:r>
+            <a:endParaRPr lang="zh-CN" altLang="en-US" smtClean="0"/>
           </a:p>
           <a:p>
             <a:pPr lvl="3"/>
@@ -1655,6 +1628,7 @@
               <a:rPr lang="zh-CN" altLang="en-US" smtClean="0"/>
               <a:t>第四级</a:t>
             </a:r>
+            <a:endParaRPr lang="zh-CN" altLang="en-US" smtClean="0"/>
           </a:p>
           <a:p>
             <a:pPr lvl="4"/>
@@ -1670,7 +1644,7 @@
         <p:nvSpPr>
           <p:cNvPr id="7" name="Date Placeholder 6"/>
           <p:cNvSpPr>
-            <a:spLocks noGrp="1"/>
+            <a:spLocks noGrp="true"/>
           </p:cNvSpPr>
           <p:nvPr>
             <p:ph type="dt" sz="half" idx="10"/>
@@ -1692,7 +1666,7 @@
         <p:nvSpPr>
           <p:cNvPr id="8" name="Footer Placeholder 7"/>
           <p:cNvSpPr>
-            <a:spLocks noGrp="1"/>
+            <a:spLocks noGrp="true"/>
           </p:cNvSpPr>
           <p:nvPr>
             <p:ph type="ftr" sz="quarter" idx="11"/>
@@ -1714,7 +1688,7 @@
         <p:nvSpPr>
           <p:cNvPr id="9" name="Slide Number Placeholder 8"/>
           <p:cNvSpPr>
-            <a:spLocks noGrp="1"/>
+            <a:spLocks noGrp="true"/>
           </p:cNvSpPr>
           <p:nvPr>
             <p:ph type="sldNum" sz="quarter" idx="12"/>
@@ -1730,27 +1704,22 @@
             </a:pPr>
             <a:fld id="{F70F104E-F0AE-4A8D-A6B9-2F4C2046D9BB}" type="slidenum">
               <a:rPr lang="en-US" altLang="zh-CN" smtClean="0"/>
-              <a:t>‹#›</a:t>
             </a:fld>
             <a:endParaRPr lang="en-US" altLang="zh-CN"/>
           </a:p>
         </p:txBody>
       </p:sp>
     </p:spTree>
-    <p:extLst>
-      <p:ext uri="{BB962C8B-B14F-4D97-AF65-F5344CB8AC3E}">
-        <p14:creationId xmlns:p14="http://schemas.microsoft.com/office/powerpoint/2010/main" val="2884203595"/>
-      </p:ext>
-    </p:extLst>
   </p:cSld>
   <p:clrMapOvr>
     <a:masterClrMapping/>
   </p:clrMapOvr>
+  <p:hf hdr="0" ftr="0" dt="0"/>
 </p:sldLayout>
 </file>
 
 <file path=ppt/slideLayouts/slideLayout3.xml><?xml version="1.0" encoding="utf-8"?>
-<p:sldLayout xmlns:a="http://schemas.openxmlformats.org/drawingml/2006/main" xmlns:r="http://schemas.openxmlformats.org/officeDocument/2006/relationships" xmlns:p="http://schemas.openxmlformats.org/presentationml/2006/main" showMasterSp="0" type="secHead" preserve="1">
+<p:sldLayout xmlns:a="http://schemas.openxmlformats.org/drawingml/2006/main" xmlns:r="http://schemas.openxmlformats.org/officeDocument/2006/relationships" xmlns:p="http://schemas.openxmlformats.org/presentationml/2006/main" type="secHead" preserve="1" showMasterSp="0">
   <p:cSld name="节标题">
     <p:bg>
       <p:bgRef idx="1002">
@@ -1785,7 +1754,7 @@
           <a:prstGeom prst="rect">
             <a:avLst/>
           </a:prstGeom>
-          <a:blipFill dpi="0" rotWithShape="1">
+          <a:blipFill dpi="0" rotWithShape="true">
             <a:blip r:embed="rId2">
               <a:alphaModFix amt="45000"/>
               <a:duotone>
@@ -2062,7 +2031,7 @@
         <p:nvSpPr>
           <p:cNvPr id="2" name="Title 1"/>
           <p:cNvSpPr>
-            <a:spLocks noGrp="1"/>
+            <a:spLocks noGrp="true"/>
           </p:cNvSpPr>
           <p:nvPr>
             <p:ph type="title"/>
@@ -2110,7 +2079,7 @@
         <p:nvSpPr>
           <p:cNvPr id="3" name="Text Placeholder 2"/>
           <p:cNvSpPr>
-            <a:spLocks noGrp="1"/>
+            <a:spLocks noGrp="true"/>
           </p:cNvSpPr>
           <p:nvPr>
             <p:ph type="body" idx="1"/>
@@ -2223,6 +2192,7 @@
               <a:rPr lang="zh-CN" altLang="en-US" smtClean="0"/>
               <a:t>单击此处编辑母版文本样式</a:t>
             </a:r>
+            <a:endParaRPr lang="zh-CN" altLang="en-US" smtClean="0"/>
           </a:p>
         </p:txBody>
       </p:sp>
@@ -2230,7 +2200,7 @@
         <p:nvSpPr>
           <p:cNvPr id="4" name="Date Placeholder 3"/>
           <p:cNvSpPr>
-            <a:spLocks noGrp="1"/>
+            <a:spLocks noGrp="true"/>
           </p:cNvSpPr>
           <p:nvPr>
             <p:ph type="dt" sz="half" idx="10"/>
@@ -2268,7 +2238,7 @@
         <p:nvSpPr>
           <p:cNvPr id="5" name="Footer Placeholder 4"/>
           <p:cNvSpPr>
-            <a:spLocks noGrp="1"/>
+            <a:spLocks noGrp="true"/>
           </p:cNvSpPr>
           <p:nvPr>
             <p:ph type="ftr" sz="quarter" idx="11"/>
@@ -2299,7 +2269,7 @@
         <p:nvSpPr>
           <p:cNvPr id="6" name="Slide Number Placeholder 5"/>
           <p:cNvSpPr>
-            <a:spLocks noGrp="1"/>
+            <a:spLocks noGrp="true"/>
           </p:cNvSpPr>
           <p:nvPr>
             <p:ph type="sldNum" sz="quarter" idx="12"/>
@@ -2320,22 +2290,17 @@
             </a:pPr>
             <a:fld id="{3F788B8A-5A56-4B22-8882-7CE03BD5E07A}" type="slidenum">
               <a:rPr lang="en-US" altLang="zh-CN" smtClean="0"/>
-              <a:t>‹#›</a:t>
             </a:fld>
             <a:endParaRPr lang="en-US" altLang="zh-CN"/>
           </a:p>
         </p:txBody>
       </p:sp>
     </p:spTree>
-    <p:extLst>
-      <p:ext uri="{BB962C8B-B14F-4D97-AF65-F5344CB8AC3E}">
-        <p14:creationId xmlns:p14="http://schemas.microsoft.com/office/powerpoint/2010/main" val="2854472072"/>
-      </p:ext>
-    </p:extLst>
   </p:cSld>
   <p:clrMapOvr>
     <a:overrideClrMapping bg1="lt1" tx1="dk1" bg2="lt2" tx2="dk2" accent1="accent1" accent2="accent2" accent3="accent3" accent4="accent4" accent5="accent5" accent6="accent6" hlink="hlink" folHlink="folHlink"/>
   </p:clrMapOvr>
+  <p:hf hdr="0" ftr="0" dt="0"/>
 </p:sldLayout>
 </file>
 
@@ -2360,7 +2325,7 @@
         <p:nvSpPr>
           <p:cNvPr id="2" name="Title 1"/>
           <p:cNvSpPr>
-            <a:spLocks noGrp="1"/>
+            <a:spLocks noGrp="true"/>
           </p:cNvSpPr>
           <p:nvPr>
             <p:ph type="title"/>
@@ -2383,7 +2348,7 @@
         <p:nvSpPr>
           <p:cNvPr id="3" name="Content Placeholder 2"/>
           <p:cNvSpPr>
-            <a:spLocks noGrp="1"/>
+            <a:spLocks noGrp="true"/>
           </p:cNvSpPr>
           <p:nvPr>
             <p:ph sz="half" idx="1"/>
@@ -2432,6 +2397,7 @@
               <a:rPr lang="zh-CN" altLang="en-US" smtClean="0"/>
               <a:t>单击此处编辑母版文本样式</a:t>
             </a:r>
+            <a:endParaRPr lang="zh-CN" altLang="en-US" smtClean="0"/>
           </a:p>
           <a:p>
             <a:pPr lvl="1"/>
@@ -2439,6 +2405,7 @@
               <a:rPr lang="zh-CN" altLang="en-US" smtClean="0"/>
               <a:t>第二级</a:t>
             </a:r>
+            <a:endParaRPr lang="zh-CN" altLang="en-US" smtClean="0"/>
           </a:p>
           <a:p>
             <a:pPr lvl="2"/>
@@ -2446,6 +2413,7 @@
               <a:rPr lang="zh-CN" altLang="en-US" smtClean="0"/>
               <a:t>第三级</a:t>
             </a:r>
+            <a:endParaRPr lang="zh-CN" altLang="en-US" smtClean="0"/>
           </a:p>
           <a:p>
             <a:pPr lvl="3"/>
@@ -2453,6 +2421,7 @@
               <a:rPr lang="zh-CN" altLang="en-US" smtClean="0"/>
               <a:t>第四级</a:t>
             </a:r>
+            <a:endParaRPr lang="zh-CN" altLang="en-US" smtClean="0"/>
           </a:p>
           <a:p>
             <a:pPr lvl="4"/>
@@ -2468,7 +2437,7 @@
         <p:nvSpPr>
           <p:cNvPr id="4" name="Content Placeholder 3"/>
           <p:cNvSpPr>
-            <a:spLocks noGrp="1"/>
+            <a:spLocks noGrp="true"/>
           </p:cNvSpPr>
           <p:nvPr>
             <p:ph sz="half" idx="2"/>
@@ -2517,6 +2486,7 @@
               <a:rPr lang="zh-CN" altLang="en-US" smtClean="0"/>
               <a:t>单击此处编辑母版文本样式</a:t>
             </a:r>
+            <a:endParaRPr lang="zh-CN" altLang="en-US" smtClean="0"/>
           </a:p>
           <a:p>
             <a:pPr lvl="1"/>
@@ -2524,6 +2494,7 @@
               <a:rPr lang="zh-CN" altLang="en-US" smtClean="0"/>
               <a:t>第二级</a:t>
             </a:r>
+            <a:endParaRPr lang="zh-CN" altLang="en-US" smtClean="0"/>
           </a:p>
           <a:p>
             <a:pPr lvl="2"/>
@@ -2531,6 +2502,7 @@
               <a:rPr lang="zh-CN" altLang="en-US" smtClean="0"/>
               <a:t>第三级</a:t>
             </a:r>
+            <a:endParaRPr lang="zh-CN" altLang="en-US" smtClean="0"/>
           </a:p>
           <a:p>
             <a:pPr lvl="3"/>
@@ -2538,6 +2510,7 @@
               <a:rPr lang="zh-CN" altLang="en-US" smtClean="0"/>
               <a:t>第四级</a:t>
             </a:r>
+            <a:endParaRPr lang="zh-CN" altLang="en-US" smtClean="0"/>
           </a:p>
           <a:p>
             <a:pPr lvl="4"/>
@@ -2553,7 +2526,7 @@
         <p:nvSpPr>
           <p:cNvPr id="5" name="Date Placeholder 4"/>
           <p:cNvSpPr>
-            <a:spLocks noGrp="1"/>
+            <a:spLocks noGrp="true"/>
           </p:cNvSpPr>
           <p:nvPr>
             <p:ph type="dt" sz="half" idx="10"/>
@@ -2575,7 +2548,7 @@
         <p:nvSpPr>
           <p:cNvPr id="6" name="Footer Placeholder 5"/>
           <p:cNvSpPr>
-            <a:spLocks noGrp="1"/>
+            <a:spLocks noGrp="true"/>
           </p:cNvSpPr>
           <p:nvPr>
             <p:ph type="ftr" sz="quarter" idx="11"/>
@@ -2597,7 +2570,7 @@
         <p:nvSpPr>
           <p:cNvPr id="7" name="Slide Number Placeholder 6"/>
           <p:cNvSpPr>
-            <a:spLocks noGrp="1"/>
+            <a:spLocks noGrp="true"/>
           </p:cNvSpPr>
           <p:nvPr>
             <p:ph type="sldNum" sz="quarter" idx="12"/>
@@ -2613,22 +2586,17 @@
             </a:pPr>
             <a:fld id="{8FBDECCC-FD78-4974-8325-47ACCCE6F262}" type="slidenum">
               <a:rPr lang="en-US" altLang="zh-CN" smtClean="0"/>
-              <a:t>‹#›</a:t>
             </a:fld>
             <a:endParaRPr lang="en-US" altLang="zh-CN"/>
           </a:p>
         </p:txBody>
       </p:sp>
     </p:spTree>
-    <p:extLst>
-      <p:ext uri="{BB962C8B-B14F-4D97-AF65-F5344CB8AC3E}">
-        <p14:creationId xmlns:p14="http://schemas.microsoft.com/office/powerpoint/2010/main" val="1105218946"/>
-      </p:ext>
-    </p:extLst>
   </p:cSld>
   <p:clrMapOvr>
     <a:masterClrMapping/>
   </p:clrMapOvr>
+  <p:hf hdr="0" ftr="0" dt="0"/>
 </p:sldLayout>
 </file>
 
@@ -2653,7 +2621,7 @@
         <p:nvSpPr>
           <p:cNvPr id="2" name="Title 1"/>
           <p:cNvSpPr>
-            <a:spLocks noGrp="1"/>
+            <a:spLocks noGrp="true"/>
           </p:cNvSpPr>
           <p:nvPr>
             <p:ph type="title"/>
@@ -2676,7 +2644,7 @@
         <p:nvSpPr>
           <p:cNvPr id="3" name="Text Placeholder 2"/>
           <p:cNvSpPr>
-            <a:spLocks noGrp="1"/>
+            <a:spLocks noGrp="true"/>
           </p:cNvSpPr>
           <p:nvPr>
             <p:ph type="body" idx="1"/>
@@ -2744,6 +2712,7 @@
               <a:rPr lang="zh-CN" altLang="en-US" smtClean="0"/>
               <a:t>单击此处编辑母版文本样式</a:t>
             </a:r>
+            <a:endParaRPr lang="zh-CN" altLang="en-US" smtClean="0"/>
           </a:p>
         </p:txBody>
       </p:sp>
@@ -2751,7 +2720,7 @@
         <p:nvSpPr>
           <p:cNvPr id="4" name="Content Placeholder 3"/>
           <p:cNvSpPr>
-            <a:spLocks noGrp="1"/>
+            <a:spLocks noGrp="true"/>
           </p:cNvSpPr>
           <p:nvPr>
             <p:ph sz="half" idx="2"/>
@@ -2800,6 +2769,7 @@
               <a:rPr lang="zh-CN" altLang="en-US" smtClean="0"/>
               <a:t>单击此处编辑母版文本样式</a:t>
             </a:r>
+            <a:endParaRPr lang="zh-CN" altLang="en-US" smtClean="0"/>
           </a:p>
           <a:p>
             <a:pPr lvl="1"/>
@@ -2807,6 +2777,7 @@
               <a:rPr lang="zh-CN" altLang="en-US" smtClean="0"/>
               <a:t>第二级</a:t>
             </a:r>
+            <a:endParaRPr lang="zh-CN" altLang="en-US" smtClean="0"/>
           </a:p>
           <a:p>
             <a:pPr lvl="2"/>
@@ -2814,6 +2785,7 @@
               <a:rPr lang="zh-CN" altLang="en-US" smtClean="0"/>
               <a:t>第三级</a:t>
             </a:r>
+            <a:endParaRPr lang="zh-CN" altLang="en-US" smtClean="0"/>
           </a:p>
           <a:p>
             <a:pPr lvl="3"/>
@@ -2821,6 +2793,7 @@
               <a:rPr lang="zh-CN" altLang="en-US" smtClean="0"/>
               <a:t>第四级</a:t>
             </a:r>
+            <a:endParaRPr lang="zh-CN" altLang="en-US" smtClean="0"/>
           </a:p>
           <a:p>
             <a:pPr lvl="4"/>
@@ -2836,7 +2809,7 @@
         <p:nvSpPr>
           <p:cNvPr id="5" name="Text Placeholder 4"/>
           <p:cNvSpPr>
-            <a:spLocks noGrp="1"/>
+            <a:spLocks noGrp="true"/>
           </p:cNvSpPr>
           <p:nvPr>
             <p:ph type="body" sz="quarter" idx="3"/>
@@ -2903,6 +2876,7 @@
               <a:rPr lang="zh-CN" altLang="en-US" smtClean="0"/>
               <a:t>单击此处编辑母版文本样式</a:t>
             </a:r>
+            <a:endParaRPr lang="zh-CN" altLang="en-US" smtClean="0"/>
           </a:p>
         </p:txBody>
       </p:sp>
@@ -2910,7 +2884,7 @@
         <p:nvSpPr>
           <p:cNvPr id="6" name="Content Placeholder 5"/>
           <p:cNvSpPr>
-            <a:spLocks noGrp="1"/>
+            <a:spLocks noGrp="true"/>
           </p:cNvSpPr>
           <p:nvPr>
             <p:ph sz="quarter" idx="4"/>
@@ -2959,6 +2933,7 @@
               <a:rPr lang="zh-CN" altLang="en-US" smtClean="0"/>
               <a:t>单击此处编辑母版文本样式</a:t>
             </a:r>
+            <a:endParaRPr lang="zh-CN" altLang="en-US" smtClean="0"/>
           </a:p>
           <a:p>
             <a:pPr lvl="1"/>
@@ -2966,6 +2941,7 @@
               <a:rPr lang="zh-CN" altLang="en-US" smtClean="0"/>
               <a:t>第二级</a:t>
             </a:r>
+            <a:endParaRPr lang="zh-CN" altLang="en-US" smtClean="0"/>
           </a:p>
           <a:p>
             <a:pPr lvl="2"/>
@@ -2973,6 +2949,7 @@
               <a:rPr lang="zh-CN" altLang="en-US" smtClean="0"/>
               <a:t>第三级</a:t>
             </a:r>
+            <a:endParaRPr lang="zh-CN" altLang="en-US" smtClean="0"/>
           </a:p>
           <a:p>
             <a:pPr lvl="3"/>
@@ -2980,6 +2957,7 @@
               <a:rPr lang="zh-CN" altLang="en-US" smtClean="0"/>
               <a:t>第四级</a:t>
             </a:r>
+            <a:endParaRPr lang="zh-CN" altLang="en-US" smtClean="0"/>
           </a:p>
           <a:p>
             <a:pPr lvl="4"/>
@@ -2995,7 +2973,7 @@
         <p:nvSpPr>
           <p:cNvPr id="7" name="Date Placeholder 6"/>
           <p:cNvSpPr>
-            <a:spLocks noGrp="1"/>
+            <a:spLocks noGrp="true"/>
           </p:cNvSpPr>
           <p:nvPr>
             <p:ph type="dt" sz="half" idx="10"/>
@@ -3017,7 +2995,7 @@
         <p:nvSpPr>
           <p:cNvPr id="8" name="Footer Placeholder 7"/>
           <p:cNvSpPr>
-            <a:spLocks noGrp="1"/>
+            <a:spLocks noGrp="true"/>
           </p:cNvSpPr>
           <p:nvPr>
             <p:ph type="ftr" sz="quarter" idx="11"/>
@@ -3039,7 +3017,7 @@
         <p:nvSpPr>
           <p:cNvPr id="9" name="Slide Number Placeholder 8"/>
           <p:cNvSpPr>
-            <a:spLocks noGrp="1"/>
+            <a:spLocks noGrp="true"/>
           </p:cNvSpPr>
           <p:nvPr>
             <p:ph type="sldNum" sz="quarter" idx="12"/>
@@ -3055,22 +3033,17 @@
             </a:pPr>
             <a:fld id="{E816352B-7396-48F6-904D-835A6D52BCCF}" type="slidenum">
               <a:rPr lang="en-US" altLang="zh-CN" smtClean="0"/>
-              <a:t>‹#›</a:t>
             </a:fld>
             <a:endParaRPr lang="en-US" altLang="zh-CN"/>
           </a:p>
         </p:txBody>
       </p:sp>
     </p:spTree>
-    <p:extLst>
-      <p:ext uri="{BB962C8B-B14F-4D97-AF65-F5344CB8AC3E}">
-        <p14:creationId xmlns:p14="http://schemas.microsoft.com/office/powerpoint/2010/main" val="825378636"/>
-      </p:ext>
-    </p:extLst>
   </p:cSld>
   <p:clrMapOvr>
     <a:masterClrMapping/>
   </p:clrMapOvr>
+  <p:hf hdr="0" ftr="0" dt="0"/>
 </p:sldLayout>
 </file>
 
@@ -3095,7 +3068,7 @@
         <p:nvSpPr>
           <p:cNvPr id="2" name="Title 1"/>
           <p:cNvSpPr>
-            <a:spLocks noGrp="1"/>
+            <a:spLocks noGrp="true"/>
           </p:cNvSpPr>
           <p:nvPr>
             <p:ph type="title"/>
@@ -3118,7 +3091,7 @@
         <p:nvSpPr>
           <p:cNvPr id="3" name="Date Placeholder 2"/>
           <p:cNvSpPr>
-            <a:spLocks noGrp="1"/>
+            <a:spLocks noGrp="true"/>
           </p:cNvSpPr>
           <p:nvPr>
             <p:ph type="dt" sz="half" idx="10"/>
@@ -3140,7 +3113,7 @@
         <p:nvSpPr>
           <p:cNvPr id="4" name="Footer Placeholder 3"/>
           <p:cNvSpPr>
-            <a:spLocks noGrp="1"/>
+            <a:spLocks noGrp="true"/>
           </p:cNvSpPr>
           <p:nvPr>
             <p:ph type="ftr" sz="quarter" idx="11"/>
@@ -3162,7 +3135,7 @@
         <p:nvSpPr>
           <p:cNvPr id="5" name="Slide Number Placeholder 4"/>
           <p:cNvSpPr>
-            <a:spLocks noGrp="1"/>
+            <a:spLocks noGrp="true"/>
           </p:cNvSpPr>
           <p:nvPr>
             <p:ph type="sldNum" sz="quarter" idx="12"/>
@@ -3178,22 +3151,17 @@
             </a:pPr>
             <a:fld id="{E6E74DAC-FAE6-4EC0-8CB9-262F50A56691}" type="slidenum">
               <a:rPr lang="en-US" altLang="zh-CN" smtClean="0"/>
-              <a:t>‹#›</a:t>
             </a:fld>
             <a:endParaRPr lang="en-US" altLang="zh-CN"/>
           </a:p>
         </p:txBody>
       </p:sp>
     </p:spTree>
-    <p:extLst>
-      <p:ext uri="{BB962C8B-B14F-4D97-AF65-F5344CB8AC3E}">
-        <p14:creationId xmlns:p14="http://schemas.microsoft.com/office/powerpoint/2010/main" val="1778796300"/>
-      </p:ext>
-    </p:extLst>
   </p:cSld>
   <p:clrMapOvr>
     <a:masterClrMapping/>
   </p:clrMapOvr>
+  <p:hf hdr="0" ftr="0" dt="0"/>
 </p:sldLayout>
 </file>
 
@@ -3218,7 +3186,7 @@
         <p:nvSpPr>
           <p:cNvPr id="2" name="Date Placeholder 1"/>
           <p:cNvSpPr>
-            <a:spLocks noGrp="1"/>
+            <a:spLocks noGrp="true"/>
           </p:cNvSpPr>
           <p:nvPr>
             <p:ph type="dt" sz="half" idx="10"/>
@@ -3240,7 +3208,7 @@
         <p:nvSpPr>
           <p:cNvPr id="3" name="Footer Placeholder 2"/>
           <p:cNvSpPr>
-            <a:spLocks noGrp="1"/>
+            <a:spLocks noGrp="true"/>
           </p:cNvSpPr>
           <p:nvPr>
             <p:ph type="ftr" sz="quarter" idx="11"/>
@@ -3262,7 +3230,7 @@
         <p:nvSpPr>
           <p:cNvPr id="4" name="Slide Number Placeholder 3"/>
           <p:cNvSpPr>
-            <a:spLocks noGrp="1"/>
+            <a:spLocks noGrp="true"/>
           </p:cNvSpPr>
           <p:nvPr>
             <p:ph type="sldNum" sz="quarter" idx="12"/>
@@ -3278,27 +3246,22 @@
             </a:pPr>
             <a:fld id="{4010C490-5906-4669-B6CF-A8A27A978043}" type="slidenum">
               <a:rPr lang="en-US" altLang="zh-CN" smtClean="0"/>
-              <a:t>‹#›</a:t>
             </a:fld>
             <a:endParaRPr lang="en-US" altLang="zh-CN"/>
           </a:p>
         </p:txBody>
       </p:sp>
     </p:spTree>
-    <p:extLst>
-      <p:ext uri="{BB962C8B-B14F-4D97-AF65-F5344CB8AC3E}">
-        <p14:creationId xmlns:p14="http://schemas.microsoft.com/office/powerpoint/2010/main" val="3515854841"/>
-      </p:ext>
-    </p:extLst>
   </p:cSld>
   <p:clrMapOvr>
     <a:masterClrMapping/>
   </p:clrMapOvr>
+  <p:hf hdr="0" ftr="0" dt="0"/>
 </p:sldLayout>
 </file>
 
 <file path=ppt/slideLayouts/slideLayout8.xml><?xml version="1.0" encoding="utf-8"?>
-<p:sldLayout xmlns:a="http://schemas.openxmlformats.org/drawingml/2006/main" xmlns:r="http://schemas.openxmlformats.org/officeDocument/2006/relationships" xmlns:p="http://schemas.openxmlformats.org/presentationml/2006/main" showMasterSp="0" type="objTx" preserve="1">
+<p:sldLayout xmlns:a="http://schemas.openxmlformats.org/drawingml/2006/main" xmlns:r="http://schemas.openxmlformats.org/officeDocument/2006/relationships" xmlns:p="http://schemas.openxmlformats.org/presentationml/2006/main" type="objTx" preserve="1" showMasterSp="0">
   <p:cSld name="内容与标题">
     <p:spTree>
       <p:nvGrpSpPr>
@@ -3394,7 +3357,7 @@
         <p:nvSpPr>
           <p:cNvPr id="2" name="Title 1"/>
           <p:cNvSpPr>
-            <a:spLocks noGrp="1"/>
+            <a:spLocks noGrp="true"/>
           </p:cNvSpPr>
           <p:nvPr>
             <p:ph type="title"/>
@@ -3443,7 +3406,7 @@
         <p:nvSpPr>
           <p:cNvPr id="3" name="Content Placeholder 2"/>
           <p:cNvSpPr>
-            <a:spLocks noGrp="1"/>
+            <a:spLocks noGrp="true"/>
           </p:cNvSpPr>
           <p:nvPr>
             <p:ph idx="1"/>
@@ -3492,6 +3455,7 @@
               <a:rPr lang="zh-CN" altLang="en-US" smtClean="0"/>
               <a:t>单击此处编辑母版文本样式</a:t>
             </a:r>
+            <a:endParaRPr lang="zh-CN" altLang="en-US" smtClean="0"/>
           </a:p>
           <a:p>
             <a:pPr lvl="1"/>
@@ -3499,6 +3463,7 @@
               <a:rPr lang="zh-CN" altLang="en-US" smtClean="0"/>
               <a:t>第二级</a:t>
             </a:r>
+            <a:endParaRPr lang="zh-CN" altLang="en-US" smtClean="0"/>
           </a:p>
           <a:p>
             <a:pPr lvl="2"/>
@@ -3506,6 +3471,7 @@
               <a:rPr lang="zh-CN" altLang="en-US" smtClean="0"/>
               <a:t>第三级</a:t>
             </a:r>
+            <a:endParaRPr lang="zh-CN" altLang="en-US" smtClean="0"/>
           </a:p>
           <a:p>
             <a:pPr lvl="3"/>
@@ -3513,6 +3479,7 @@
               <a:rPr lang="zh-CN" altLang="en-US" smtClean="0"/>
               <a:t>第四级</a:t>
             </a:r>
+            <a:endParaRPr lang="zh-CN" altLang="en-US" smtClean="0"/>
           </a:p>
           <a:p>
             <a:pPr lvl="4"/>
@@ -3528,7 +3495,7 @@
         <p:nvSpPr>
           <p:cNvPr id="4" name="Text Placeholder 3"/>
           <p:cNvSpPr>
-            <a:spLocks noGrp="1"/>
+            <a:spLocks noGrp="true"/>
           </p:cNvSpPr>
           <p:nvPr>
             <p:ph type="body" sz="half" idx="2"/>
@@ -3598,6 +3565,7 @@
               <a:rPr lang="zh-CN" altLang="en-US" smtClean="0"/>
               <a:t>单击此处编辑母版文本样式</a:t>
             </a:r>
+            <a:endParaRPr lang="zh-CN" altLang="en-US" smtClean="0"/>
           </a:p>
         </p:txBody>
       </p:sp>
@@ -3605,7 +3573,7 @@
         <p:nvSpPr>
           <p:cNvPr id="8" name="Date Placeholder 7"/>
           <p:cNvSpPr>
-            <a:spLocks noGrp="1"/>
+            <a:spLocks noGrp="true"/>
           </p:cNvSpPr>
           <p:nvPr>
             <p:ph type="dt" sz="half" idx="10"/>
@@ -3627,7 +3595,7 @@
         <p:nvSpPr>
           <p:cNvPr id="9" name="Footer Placeholder 8"/>
           <p:cNvSpPr>
-            <a:spLocks noGrp="1"/>
+            <a:spLocks noGrp="true"/>
           </p:cNvSpPr>
           <p:nvPr>
             <p:ph type="ftr" sz="quarter" idx="11"/>
@@ -3653,7 +3621,7 @@
         <p:nvSpPr>
           <p:cNvPr id="11" name="Slide Number Placeholder 10"/>
           <p:cNvSpPr>
-            <a:spLocks noGrp="1"/>
+            <a:spLocks noGrp="true"/>
           </p:cNvSpPr>
           <p:nvPr>
             <p:ph type="sldNum" sz="quarter" idx="12"/>
@@ -3682,7 +3650,6 @@
             </a:pPr>
             <a:fld id="{49326B0E-320E-421B-8F09-9433E70C3D38}" type="slidenum">
               <a:rPr lang="en-US" altLang="zh-CN" smtClean="0"/>
-              <a:t>‹#›</a:t>
             </a:fld>
             <a:endParaRPr lang="en-US" altLang="zh-CN"/>
           </a:p>
@@ -3728,20 +3695,16 @@
         </p:style>
       </p:sp>
     </p:spTree>
-    <p:extLst>
-      <p:ext uri="{BB962C8B-B14F-4D97-AF65-F5344CB8AC3E}">
-        <p14:creationId xmlns:p14="http://schemas.microsoft.com/office/powerpoint/2010/main" val="1327401620"/>
-      </p:ext>
-    </p:extLst>
   </p:cSld>
   <p:clrMapOvr>
     <a:masterClrMapping/>
   </p:clrMapOvr>
+  <p:hf hdr="0" ftr="0" dt="0"/>
 </p:sldLayout>
 </file>
 
 <file path=ppt/slideLayouts/slideLayout9.xml><?xml version="1.0" encoding="utf-8"?>
-<p:sldLayout xmlns:a="http://schemas.openxmlformats.org/drawingml/2006/main" xmlns:r="http://schemas.openxmlformats.org/officeDocument/2006/relationships" xmlns:p="http://schemas.openxmlformats.org/presentationml/2006/main" showMasterSp="0" type="picTx" preserve="1">
+<p:sldLayout xmlns:a="http://schemas.openxmlformats.org/drawingml/2006/main" xmlns:r="http://schemas.openxmlformats.org/officeDocument/2006/relationships" xmlns:p="http://schemas.openxmlformats.org/presentationml/2006/main" type="picTx" preserve="1" showMasterSp="0">
   <p:cSld name="图片与标题">
     <p:spTree>
       <p:nvGrpSpPr>
@@ -3799,7 +3762,7 @@
         <p:nvSpPr>
           <p:cNvPr id="2" name="Title 1"/>
           <p:cNvSpPr>
-            <a:spLocks noGrp="1"/>
+            <a:spLocks noGrp="true"/>
           </p:cNvSpPr>
           <p:nvPr>
             <p:ph type="title"/>
@@ -3838,7 +3801,7 @@
         <p:nvSpPr>
           <p:cNvPr id="3" name="Picture Placeholder 2"/>
           <p:cNvSpPr>
-            <a:spLocks noGrp="1" noChangeAspect="1"/>
+            <a:spLocks noGrp="true" noChangeAspect="true"/>
           </p:cNvSpPr>
           <p:nvPr>
             <p:ph type="pic" idx="1"/>
@@ -3912,7 +3875,7 @@
         <p:nvSpPr>
           <p:cNvPr id="4" name="Text Placeholder 3"/>
           <p:cNvSpPr>
-            <a:spLocks noGrp="1"/>
+            <a:spLocks noGrp="true"/>
           </p:cNvSpPr>
           <p:nvPr>
             <p:ph type="body" sz="half" idx="2"/>
@@ -3982,6 +3945,7 @@
               <a:rPr lang="zh-CN" altLang="en-US" smtClean="0"/>
               <a:t>单击此处编辑母版文本样式</a:t>
             </a:r>
+            <a:endParaRPr lang="zh-CN" altLang="en-US" smtClean="0"/>
           </a:p>
         </p:txBody>
       </p:sp>
@@ -3989,7 +3953,7 @@
         <p:nvSpPr>
           <p:cNvPr id="5" name="Date Placeholder 4"/>
           <p:cNvSpPr>
-            <a:spLocks noGrp="1"/>
+            <a:spLocks noGrp="true"/>
           </p:cNvSpPr>
           <p:nvPr>
             <p:ph type="dt" sz="half" idx="10"/>
@@ -4026,7 +3990,7 @@
         <p:nvSpPr>
           <p:cNvPr id="6" name="Footer Placeholder 5"/>
           <p:cNvSpPr>
-            <a:spLocks noGrp="1"/>
+            <a:spLocks noGrp="true"/>
           </p:cNvSpPr>
           <p:nvPr>
             <p:ph type="ftr" sz="quarter" idx="11"/>
@@ -4066,7 +4030,7 @@
         <p:nvSpPr>
           <p:cNvPr id="7" name="Slide Number Placeholder 6"/>
           <p:cNvSpPr>
-            <a:spLocks noGrp="1"/>
+            <a:spLocks noGrp="true"/>
           </p:cNvSpPr>
           <p:nvPr>
             <p:ph type="sldNum" sz="quarter" idx="12"/>
@@ -4095,7 +4059,6 @@
             </a:pPr>
             <a:fld id="{6980B74E-D1EF-4FC0-9815-9DE8D5A57706}" type="slidenum">
               <a:rPr lang="en-US" altLang="zh-CN" smtClean="0"/>
-              <a:t>‹#›</a:t>
             </a:fld>
             <a:endParaRPr lang="en-US" altLang="zh-CN"/>
           </a:p>
@@ -4141,15 +4104,11 @@
         </p:style>
       </p:sp>
     </p:spTree>
-    <p:extLst>
-      <p:ext uri="{BB962C8B-B14F-4D97-AF65-F5344CB8AC3E}">
-        <p14:creationId xmlns:p14="http://schemas.microsoft.com/office/powerpoint/2010/main" val="1932109144"/>
-      </p:ext>
-    </p:extLst>
   </p:cSld>
   <p:clrMapOvr>
     <a:masterClrMapping/>
   </p:clrMapOvr>
+  <p:hf hdr="0" ftr="0" dt="0"/>
 </p:sldLayout>
 </file>
 
@@ -4208,7 +4167,7 @@
         <p:nvSpPr>
           <p:cNvPr id="2" name="Title Placeholder 1"/>
           <p:cNvSpPr>
-            <a:spLocks noGrp="1"/>
+            <a:spLocks noGrp="true"/>
           </p:cNvSpPr>
           <p:nvPr>
             <p:ph type="title"/>
@@ -4241,7 +4200,7 @@
         <p:nvSpPr>
           <p:cNvPr id="3" name="Text Placeholder 2"/>
           <p:cNvSpPr>
-            <a:spLocks noGrp="1"/>
+            <a:spLocks noGrp="true"/>
           </p:cNvSpPr>
           <p:nvPr>
             <p:ph type="body" idx="1"/>
@@ -4267,6 +4226,7 @@
               <a:rPr lang="zh-CN" altLang="en-US" smtClean="0"/>
               <a:t>单击此处编辑母版文本样式</a:t>
             </a:r>
+            <a:endParaRPr lang="zh-CN" altLang="en-US" smtClean="0"/>
           </a:p>
           <a:p>
             <a:pPr lvl="1"/>
@@ -4274,6 +4234,7 @@
               <a:rPr lang="zh-CN" altLang="en-US" smtClean="0"/>
               <a:t>第二级</a:t>
             </a:r>
+            <a:endParaRPr lang="zh-CN" altLang="en-US" smtClean="0"/>
           </a:p>
           <a:p>
             <a:pPr lvl="2"/>
@@ -4281,6 +4242,7 @@
               <a:rPr lang="zh-CN" altLang="en-US" smtClean="0"/>
               <a:t>第三级</a:t>
             </a:r>
+            <a:endParaRPr lang="zh-CN" altLang="en-US" smtClean="0"/>
           </a:p>
           <a:p>
             <a:pPr lvl="3"/>
@@ -4288,6 +4250,7 @@
               <a:rPr lang="zh-CN" altLang="en-US" smtClean="0"/>
               <a:t>第四级</a:t>
             </a:r>
+            <a:endParaRPr lang="zh-CN" altLang="en-US" smtClean="0"/>
           </a:p>
           <a:p>
             <a:pPr lvl="4"/>
@@ -4303,7 +4266,7 @@
         <p:nvSpPr>
           <p:cNvPr id="4" name="Date Placeholder 3"/>
           <p:cNvSpPr>
-            <a:spLocks noGrp="1"/>
+            <a:spLocks noGrp="true"/>
           </p:cNvSpPr>
           <p:nvPr>
             <p:ph type="dt" sz="half" idx="2"/>
@@ -4344,7 +4307,7 @@
         <p:nvSpPr>
           <p:cNvPr id="5" name="Footer Placeholder 4"/>
           <p:cNvSpPr>
-            <a:spLocks noGrp="1"/>
+            <a:spLocks noGrp="true"/>
           </p:cNvSpPr>
           <p:nvPr>
             <p:ph type="ftr" sz="quarter" idx="3"/>
@@ -4385,7 +4348,7 @@
         <p:nvSpPr>
           <p:cNvPr id="6" name="Slide Number Placeholder 5"/>
           <p:cNvSpPr>
-            <a:spLocks noGrp="1"/>
+            <a:spLocks noGrp="true"/>
           </p:cNvSpPr>
           <p:nvPr>
             <p:ph type="sldNum" sz="quarter" idx="4"/>
@@ -4420,33 +4383,28 @@
             </a:pPr>
             <a:fld id="{DE0200C9-3D99-4FBA-89F7-326A73B810C8}" type="slidenum">
               <a:rPr lang="en-US" altLang="zh-CN" smtClean="0"/>
-              <a:t>‹#›</a:t>
             </a:fld>
             <a:endParaRPr lang="en-US" altLang="zh-CN"/>
           </a:p>
         </p:txBody>
       </p:sp>
     </p:spTree>
-    <p:extLst>
-      <p:ext uri="{BB962C8B-B14F-4D97-AF65-F5344CB8AC3E}">
-        <p14:creationId xmlns:p14="http://schemas.microsoft.com/office/powerpoint/2010/main" val="631930276"/>
-      </p:ext>
-    </p:extLst>
   </p:cSld>
   <p:clrMap bg1="lt1" tx1="dk1" bg2="lt2" tx2="dk2" accent1="accent1" accent2="accent2" accent3="accent3" accent4="accent4" accent5="accent5" accent6="accent6" hlink="hlink" folHlink="folHlink"/>
   <p:sldLayoutIdLst>
-    <p:sldLayoutId id="2147483745" r:id="rId1"/>
-    <p:sldLayoutId id="2147483746" r:id="rId2"/>
-    <p:sldLayoutId id="2147483747" r:id="rId3"/>
-    <p:sldLayoutId id="2147483748" r:id="rId4"/>
-    <p:sldLayoutId id="2147483749" r:id="rId5"/>
-    <p:sldLayoutId id="2147483750" r:id="rId6"/>
-    <p:sldLayoutId id="2147483751" r:id="rId7"/>
-    <p:sldLayoutId id="2147483752" r:id="rId8"/>
-    <p:sldLayoutId id="2147483753" r:id="rId9"/>
-    <p:sldLayoutId id="2147483754" r:id="rId10"/>
-    <p:sldLayoutId id="2147483755" r:id="rId11"/>
+    <p:sldLayoutId id="2147483649" r:id="rId1"/>
+    <p:sldLayoutId id="2147483650" r:id="rId2"/>
+    <p:sldLayoutId id="2147483651" r:id="rId3"/>
+    <p:sldLayoutId id="2147483652" r:id="rId4"/>
+    <p:sldLayoutId id="2147483653" r:id="rId5"/>
+    <p:sldLayoutId id="2147483654" r:id="rId6"/>
+    <p:sldLayoutId id="2147483655" r:id="rId7"/>
+    <p:sldLayoutId id="2147483656" r:id="rId8"/>
+    <p:sldLayoutId id="2147483657" r:id="rId9"/>
+    <p:sldLayoutId id="2147483658" r:id="rId10"/>
+    <p:sldLayoutId id="2147483659" r:id="rId11"/>
   </p:sldLayoutIdLst>
+  <p:hf hdr="0" ftr="0" dt="0"/>
   <p:txStyles>
     <p:titleStyle>
       <a:lvl1pPr algn="l" defTabSz="914400" rtl="0" eaLnBrk="1" latinLnBrk="0" hangingPunct="1">
@@ -4488,7 +4446,7 @@
             <a:lumOff val="15000"/>
           </a:schemeClr>
         </a:buClr>
-        <a:buFont typeface="Garamond" pitchFamily="18" charset="0"/>
+        <a:buFont typeface="Garamond" panose="02020404030301010803" pitchFamily="18" charset="0"/>
         <a:buChar char="◦"/>
         <a:defRPr sz="1800" kern="1200">
           <a:solidFill>
@@ -4512,7 +4470,7 @@
             <a:lumOff val="15000"/>
           </a:schemeClr>
         </a:buClr>
-        <a:buFont typeface="Garamond" pitchFamily="18" charset="0"/>
+        <a:buFont typeface="Garamond" panose="02020404030301010803" pitchFamily="18" charset="0"/>
         <a:buChar char="◦"/>
         <a:defRPr sz="1600" kern="1200">
           <a:solidFill>
@@ -4536,7 +4494,7 @@
             <a:lumOff val="15000"/>
           </a:schemeClr>
         </a:buClr>
-        <a:buFont typeface="Garamond" pitchFamily="18" charset="0"/>
+        <a:buFont typeface="Garamond" panose="02020404030301010803" pitchFamily="18" charset="0"/>
         <a:buChar char="◦"/>
         <a:defRPr sz="1400" kern="1200">
           <a:solidFill>
@@ -4560,7 +4518,7 @@
             <a:lumOff val="15000"/>
           </a:schemeClr>
         </a:buClr>
-        <a:buFont typeface="Garamond" pitchFamily="18" charset="0"/>
+        <a:buFont typeface="Garamond" panose="02020404030301010803" pitchFamily="18" charset="0"/>
         <a:buChar char="◦"/>
         <a:defRPr sz="1400" kern="1200">
           <a:solidFill>
@@ -4584,7 +4542,7 @@
             <a:lumOff val="15000"/>
           </a:schemeClr>
         </a:buClr>
-        <a:buFont typeface="Garamond" pitchFamily="18" charset="0"/>
+        <a:buFont typeface="Garamond" panose="02020404030301010803" pitchFamily="18" charset="0"/>
         <a:buChar char="◦"/>
         <a:defRPr sz="1400" kern="1200">
           <a:solidFill>
@@ -4595,7 +4553,7 @@
           <a:cs typeface="+mn-cs"/>
         </a:defRPr>
       </a:lvl5pPr>
-      <a:lvl6pPr marL="1600000" indent="-228600" algn="l" defTabSz="914400" rtl="0" eaLnBrk="1" latinLnBrk="0" hangingPunct="1">
+      <a:lvl6pPr marL="1600200" indent="-228600" algn="l" defTabSz="914400" rtl="0" eaLnBrk="1" latinLnBrk="0" hangingPunct="1">
         <a:lnSpc>
           <a:spcPct val="100000"/>
         </a:lnSpc>
@@ -4608,7 +4566,7 @@
             <a:lumOff val="15000"/>
           </a:schemeClr>
         </a:buClr>
-        <a:buFont typeface="Garamond" pitchFamily="18" charset="0"/>
+        <a:buFont typeface="Garamond" panose="02020404030301010803" pitchFamily="18" charset="0"/>
         <a:buChar char="◦"/>
         <a:defRPr sz="1400" kern="1200">
           <a:solidFill>
@@ -4619,7 +4577,7 @@
           <a:cs typeface="+mn-cs"/>
         </a:defRPr>
       </a:lvl6pPr>
-      <a:lvl7pPr marL="1900000" indent="-228600" algn="l" defTabSz="914400" rtl="0" eaLnBrk="1" latinLnBrk="0" hangingPunct="1">
+      <a:lvl7pPr marL="1899920" indent="-228600" algn="l" defTabSz="914400" rtl="0" eaLnBrk="1" latinLnBrk="0" hangingPunct="1">
         <a:lnSpc>
           <a:spcPct val="100000"/>
         </a:lnSpc>
@@ -4632,7 +4590,7 @@
             <a:lumOff val="15000"/>
           </a:schemeClr>
         </a:buClr>
-        <a:buFont typeface="Garamond" pitchFamily="18" charset="0"/>
+        <a:buFont typeface="Garamond" panose="02020404030301010803" pitchFamily="18" charset="0"/>
         <a:buChar char="◦"/>
         <a:defRPr sz="1400" kern="1200">
           <a:solidFill>
@@ -4643,7 +4601,7 @@
           <a:cs typeface="+mn-cs"/>
         </a:defRPr>
       </a:lvl7pPr>
-      <a:lvl8pPr marL="2200000" indent="-228600" algn="l" defTabSz="914400" rtl="0" eaLnBrk="1" latinLnBrk="0" hangingPunct="1">
+      <a:lvl8pPr marL="2200275" indent="-228600" algn="l" defTabSz="914400" rtl="0" eaLnBrk="1" latinLnBrk="0" hangingPunct="1">
         <a:lnSpc>
           <a:spcPct val="100000"/>
         </a:lnSpc>
@@ -4656,7 +4614,7 @@
             <a:lumOff val="15000"/>
           </a:schemeClr>
         </a:buClr>
-        <a:buFont typeface="Garamond" pitchFamily="18" charset="0"/>
+        <a:buFont typeface="Garamond" panose="02020404030301010803" pitchFamily="18" charset="0"/>
         <a:buChar char="◦"/>
         <a:defRPr sz="1400" kern="1200">
           <a:solidFill>
@@ -4667,7 +4625,7 @@
           <a:cs typeface="+mn-cs"/>
         </a:defRPr>
       </a:lvl8pPr>
-      <a:lvl9pPr marL="2500000" indent="-228600" algn="l" defTabSz="914400" rtl="0" eaLnBrk="1" latinLnBrk="0" hangingPunct="1">
+      <a:lvl9pPr marL="2499995" indent="-228600" algn="l" defTabSz="914400" rtl="0" eaLnBrk="1" latinLnBrk="0" hangingPunct="1">
         <a:lnSpc>
           <a:spcPct val="100000"/>
         </a:lnSpc>
@@ -4680,7 +4638,7 @@
             <a:lumOff val="15000"/>
           </a:schemeClr>
         </a:buClr>
-        <a:buFont typeface="Garamond" pitchFamily="18" charset="0"/>
+        <a:buFont typeface="Garamond" panose="02020404030301010803" pitchFamily="18" charset="0"/>
         <a:buChar char="◦"/>
         <a:defRPr sz="1400" kern="1200">
           <a:solidFill>
@@ -4825,7 +4783,7 @@
         <p:nvSpPr>
           <p:cNvPr id="8194" name="Rectangle 2"/>
           <p:cNvSpPr>
-            <a:spLocks noGrp="1" noChangeArrowheads="1"/>
+            <a:spLocks noGrp="true" noChangeArrowheads="true"/>
           </p:cNvSpPr>
           <p:nvPr>
             <p:ph type="ctrTitle"/>
@@ -4852,6 +4810,7 @@
               <a:rPr lang="zh-CN" altLang="en-US" sz="6000" dirty="0" smtClean="0"/>
               <a:t>程序设计</a:t>
             </a:r>
+            <a:endParaRPr lang="zh-CN" altLang="en-US" sz="6000" dirty="0" smtClean="0"/>
           </a:p>
         </p:txBody>
       </p:sp>
@@ -4859,7 +4818,7 @@
         <p:nvSpPr>
           <p:cNvPr id="8195" name="Rectangle 3"/>
           <p:cNvSpPr>
-            <a:spLocks noGrp="1" noChangeArrowheads="1"/>
+            <a:spLocks noGrp="true" noChangeArrowheads="true"/>
           </p:cNvSpPr>
           <p:nvPr>
             <p:ph type="subTitle" idx="1"/>
@@ -4910,6 +4869,229 @@
               <a:rPr lang="zh-CN" altLang="en-US" sz="2400" dirty="0" smtClean="0"/>
               <a:t>程序设计基础教研组</a:t>
             </a:r>
+            <a:endParaRPr lang="zh-CN" altLang="en-US" sz="2400" dirty="0" smtClean="0"/>
+          </a:p>
+        </p:txBody>
+      </p:sp>
+    </p:spTree>
+  </p:cSld>
+  <p:clrMapOvr>
+    <a:masterClrMapping/>
+  </p:clrMapOvr>
+  <p:timing>
+    <p:tnLst>
+      <p:par>
+        <p:cTn id="1" dur="indefinite" restart="never" nodeType="tmRoot"/>
+      </p:par>
+    </p:tnLst>
+  </p:timing>
+</p:sld>
+</file>
+
+<file path=ppt/slides/slide10.xml><?xml version="1.0" encoding="utf-8"?>
+<p:sld xmlns:a="http://schemas.openxmlformats.org/drawingml/2006/main" xmlns:r="http://schemas.openxmlformats.org/officeDocument/2006/relationships" xmlns:p="http://schemas.openxmlformats.org/presentationml/2006/main">
+  <p:cSld>
+    <p:spTree>
+      <p:nvGrpSpPr>
+        <p:cNvPr id="1" name=""/>
+        <p:cNvGrpSpPr/>
+        <p:nvPr/>
+      </p:nvGrpSpPr>
+      <p:grpSpPr>
+        <a:xfrm>
+          <a:off x="0" y="0"/>
+          <a:ext cx="0" cy="0"/>
+          <a:chOff x="0" y="0"/>
+          <a:chExt cx="0" cy="0"/>
+        </a:xfrm>
+      </p:grpSpPr>
+      <p:sp>
+        <p:nvSpPr>
+          <p:cNvPr id="3" name="标题 2"/>
+          <p:cNvSpPr>
+            <a:spLocks noGrp="true"/>
+          </p:cNvSpPr>
+          <p:nvPr>
+            <p:ph type="title"/>
+          </p:nvPr>
+        </p:nvSpPr>
+        <p:spPr/>
+        <p:txBody>
+          <a:bodyPr/>
+          <a:lstStyle/>
+          <a:p>
+            <a:r>
+              <a:rPr lang="zh-CN" altLang="en-US" dirty="0" smtClean="0"/>
+              <a:t>为什么选择</a:t>
+            </a:r>
+            <a:r>
+              <a:rPr lang="en-US" altLang="zh-CN" dirty="0" smtClean="0"/>
+              <a:t>Python</a:t>
+            </a:r>
+            <a:endParaRPr lang="zh-CN" altLang="en-US" dirty="0"/>
+          </a:p>
+        </p:txBody>
+      </p:sp>
+      <p:sp>
+        <p:nvSpPr>
+          <p:cNvPr id="2" name="内容占位符 1"/>
+          <p:cNvSpPr>
+            <a:spLocks noGrp="true"/>
+          </p:cNvSpPr>
+          <p:nvPr>
+            <p:ph idx="1"/>
+          </p:nvPr>
+        </p:nvSpPr>
+        <p:spPr>
+          <a:xfrm>
+            <a:off x="731520" y="1916832"/>
+            <a:ext cx="8088952" cy="4392488"/>
+          </a:xfrm>
+        </p:spPr>
+        <p:txBody>
+          <a:bodyPr>
+            <a:noAutofit/>
+          </a:bodyPr>
+          <a:lstStyle/>
+          <a:p>
+            <a:pPr>
+              <a:lnSpc>
+                <a:spcPts val="3500"/>
+              </a:lnSpc>
+            </a:pPr>
+            <a:r>
+              <a:rPr lang="zh-CN" altLang="en-US" sz="2800" dirty="0" smtClean="0"/>
+              <a:t>可移植性强</a:t>
+            </a:r>
+            <a:endParaRPr lang="en-US" altLang="zh-CN" sz="2800" dirty="0" smtClean="0"/>
+          </a:p>
+          <a:p>
+            <a:pPr lvl="1">
+              <a:lnSpc>
+                <a:spcPts val="3500"/>
+              </a:lnSpc>
+            </a:pPr>
+            <a:r>
+              <a:rPr lang="zh-CN" altLang="en-US" sz="2000" dirty="0"/>
+              <a:t>开源本质，</a:t>
+            </a:r>
+            <a:r>
+              <a:rPr lang="en-US" altLang="zh-CN" sz="2000" dirty="0"/>
+              <a:t>Python</a:t>
+            </a:r>
+            <a:r>
+              <a:rPr lang="zh-CN" altLang="en-US" sz="2000" dirty="0"/>
+              <a:t>已经被移植在许多平台</a:t>
+            </a:r>
+            <a:endParaRPr lang="en-US" altLang="zh-CN" sz="2000" dirty="0" smtClean="0"/>
+          </a:p>
+          <a:p>
+            <a:pPr>
+              <a:lnSpc>
+                <a:spcPts val="3500"/>
+              </a:lnSpc>
+            </a:pPr>
+            <a:r>
+              <a:rPr lang="zh-CN" altLang="en-US" sz="2800" dirty="0" smtClean="0"/>
+              <a:t>庞大的标准库与丰富的第三方生态库</a:t>
+            </a:r>
+            <a:endParaRPr lang="en-US" altLang="zh-CN" sz="2800" dirty="0"/>
+          </a:p>
+          <a:p>
+            <a:pPr lvl="1">
+              <a:lnSpc>
+                <a:spcPts val="3500"/>
+              </a:lnSpc>
+            </a:pPr>
+            <a:r>
+              <a:rPr lang="zh-CN" altLang="en-US" sz="2000" dirty="0" smtClean="0"/>
+              <a:t>编程语言</a:t>
+            </a:r>
+            <a:r>
+              <a:rPr lang="zh-CN" altLang="en-US" sz="2000" dirty="0"/>
+              <a:t>生态链的顶级</a:t>
+            </a:r>
+            <a:r>
+              <a:rPr lang="zh-CN" altLang="en-US" sz="2000" dirty="0" smtClean="0"/>
+              <a:t>位置</a:t>
+            </a:r>
+            <a:endParaRPr lang="en-US" altLang="zh-CN" sz="2000" dirty="0" smtClean="0"/>
+          </a:p>
+          <a:p>
+            <a:pPr lvl="1">
+              <a:lnSpc>
+                <a:spcPts val="3500"/>
+              </a:lnSpc>
+            </a:pPr>
+            <a:r>
+              <a:rPr lang="zh-CN" altLang="en-US" sz="2000" dirty="0"/>
+              <a:t>包含网站</a:t>
+            </a:r>
+            <a:r>
+              <a:rPr lang="en-US" altLang="zh-CN" sz="2000" dirty="0"/>
+              <a:t>Web</a:t>
+            </a:r>
+            <a:r>
+              <a:rPr lang="zh-CN" altLang="en-US" sz="2000" dirty="0"/>
+              <a:t>、搜索引擎、云计算、大数据、人工智能、科学计算</a:t>
+            </a:r>
+            <a:endParaRPr lang="en-US" altLang="zh-CN" sz="2000" dirty="0"/>
+          </a:p>
+          <a:p>
+            <a:pPr>
+              <a:lnSpc>
+                <a:spcPts val="3500"/>
+              </a:lnSpc>
+            </a:pPr>
+            <a:r>
+              <a:rPr lang="zh-CN" altLang="en-US" sz="2800" dirty="0" smtClean="0"/>
+              <a:t>简洁</a:t>
+            </a:r>
+            <a:r>
+              <a:rPr lang="zh-CN" altLang="en-US" sz="2800" dirty="0"/>
+              <a:t>高效</a:t>
+            </a:r>
+            <a:endParaRPr lang="en-US" altLang="zh-CN" sz="2800" dirty="0"/>
+          </a:p>
+          <a:p>
+            <a:pPr lvl="1">
+              <a:lnSpc>
+                <a:spcPts val="3500"/>
+              </a:lnSpc>
+            </a:pPr>
+            <a:r>
+              <a:rPr lang="zh-CN" altLang="en-US" sz="2000" dirty="0"/>
+              <a:t>代码量小，开发调试效率</a:t>
+            </a:r>
+            <a:r>
+              <a:rPr lang="zh-CN" altLang="en-US" sz="2000" dirty="0" smtClean="0"/>
+              <a:t>高</a:t>
+            </a:r>
+            <a:endParaRPr lang="zh-CN" altLang="en-US" sz="2000" dirty="0"/>
+          </a:p>
+        </p:txBody>
+      </p:sp>
+      <p:sp>
+        <p:nvSpPr>
+          <p:cNvPr id="4" name="灯片编号占位符 3"/>
+          <p:cNvSpPr>
+            <a:spLocks noGrp="true"/>
+          </p:cNvSpPr>
+          <p:nvPr>
+            <p:ph type="sldNum" sz="quarter" idx="12"/>
+          </p:nvPr>
+        </p:nvSpPr>
+        <p:spPr/>
+        <p:txBody>
+          <a:bodyPr/>
+          <a:p>
+            <a:pPr>
+              <a:defRPr/>
+            </a:pPr>
+            <a:fld id="{F70F104E-F0AE-4A8D-A6B9-2F4C2046D9BB}" type="slidenum">
+              <a:rPr lang="en-US" altLang="zh-CN" smtClean="0"/>
+            </a:fld>
+            <a:endParaRPr lang="en-US" altLang="zh-CN"/>
           </a:p>
         </p:txBody>
       </p:sp>
@@ -4947,135 +5129,9 @@
       </p:grpSpPr>
       <p:sp>
         <p:nvSpPr>
-          <p:cNvPr id="8" name="Rectangle 6"/>
-          <p:cNvSpPr txBox="1">
-            <a:spLocks noGrp="1" noChangeArrowheads="1"/>
-          </p:cNvSpPr>
-          <p:nvPr/>
-        </p:nvSpPr>
-        <p:spPr bwMode="auto">
-          <a:xfrm>
-            <a:off x="6553200" y="6400800"/>
-            <a:ext cx="1905000" cy="304800"/>
-          </a:xfrm>
-          <a:prstGeom prst="rect">
-            <a:avLst/>
-          </a:prstGeom>
-          <a:noFill/>
-          <a:ln>
-            <a:miter lim="800000"/>
-          </a:ln>
-        </p:spPr>
-        <p:txBody>
-          <a:bodyPr/>
-          <a:lstStyle/>
-          <a:p>
-            <a:pPr algn="r">
-              <a:defRPr/>
-            </a:pPr>
-            <a:fld id="{10948745-0FAD-4C03-93BF-49602380AE3D}" type="slidenum">
-              <a:rPr kumimoji="1" lang="en-US" altLang="zh-CN" sz="1400">
-                <a:latin typeface="Times New Roman" panose="02020603050405020304" pitchFamily="18" charset="0"/>
-                <a:ea typeface="+mn-ea"/>
-              </a:rPr>
-              <a:t>2</a:t>
-            </a:fld>
-            <a:endParaRPr kumimoji="1" lang="en-US" altLang="zh-CN" sz="1400">
-              <a:latin typeface="Times New Roman" panose="02020603050405020304" pitchFamily="18" charset="0"/>
-              <a:ea typeface="+mn-ea"/>
-            </a:endParaRPr>
-          </a:p>
-        </p:txBody>
-      </p:sp>
-      <p:sp>
-        <p:nvSpPr>
-          <p:cNvPr id="6" name="Rectangle 6"/>
-          <p:cNvSpPr txBox="1">
-            <a:spLocks noGrp="1" noChangeArrowheads="1"/>
-          </p:cNvSpPr>
-          <p:nvPr/>
-        </p:nvSpPr>
-        <p:spPr bwMode="auto">
-          <a:xfrm>
-            <a:off x="6553200" y="6400800"/>
-            <a:ext cx="1905000" cy="304800"/>
-          </a:xfrm>
-          <a:prstGeom prst="rect">
-            <a:avLst/>
-          </a:prstGeom>
-          <a:noFill/>
-          <a:ln>
-            <a:miter lim="800000"/>
-          </a:ln>
-        </p:spPr>
-        <p:txBody>
-          <a:bodyPr/>
-          <a:lstStyle/>
-          <a:p>
-            <a:pPr algn="r">
-              <a:defRPr/>
-            </a:pPr>
-            <a:fld id="{9A2ABAD0-C6E5-4519-A1C8-73500FD0ACB8}" type="slidenum">
-              <a:rPr kumimoji="1" lang="en-US" altLang="zh-CN" sz="1400">
-                <a:latin typeface="Times New Roman" panose="02020603050405020304" pitchFamily="18" charset="0"/>
-                <a:ea typeface="+mn-ea"/>
-              </a:rPr>
-              <a:t>2</a:t>
-            </a:fld>
-            <a:endParaRPr kumimoji="1" lang="en-US" altLang="zh-CN" sz="1400">
-              <a:latin typeface="Times New Roman" panose="02020603050405020304" pitchFamily="18" charset="0"/>
-              <a:ea typeface="+mn-ea"/>
-            </a:endParaRPr>
-          </a:p>
-        </p:txBody>
-      </p:sp>
-      <p:sp>
-        <p:nvSpPr>
-          <p:cNvPr id="4" name="灯片编号占位符 4"/>
-          <p:cNvSpPr txBox="1">
-            <a:spLocks noGrp="1"/>
-          </p:cNvSpPr>
-          <p:nvPr/>
-        </p:nvSpPr>
-        <p:spPr bwMode="auto">
-          <a:xfrm>
-            <a:off x="6553200" y="6400800"/>
-            <a:ext cx="1905000" cy="304800"/>
-          </a:xfrm>
-          <a:prstGeom prst="rect">
-            <a:avLst/>
-          </a:prstGeom>
-          <a:noFill/>
-          <a:ln>
-            <a:miter lim="800000"/>
-          </a:ln>
-        </p:spPr>
-        <p:txBody>
-          <a:bodyPr/>
-          <a:lstStyle/>
-          <a:p>
-            <a:pPr algn="r">
-              <a:defRPr/>
-            </a:pPr>
-            <a:fld id="{EC3BE228-A9E1-43BC-AEE4-09140CB7FA32}" type="slidenum">
-              <a:rPr kumimoji="1" lang="en-US" altLang="zh-CN" sz="1400">
-                <a:latin typeface="Times New Roman" panose="02020603050405020304" pitchFamily="18" charset="0"/>
-                <a:ea typeface="+mn-ea"/>
-              </a:rPr>
-              <a:t>2</a:t>
-            </a:fld>
-            <a:endParaRPr kumimoji="1" lang="en-US" altLang="zh-CN" sz="1400">
-              <a:latin typeface="Times New Roman" panose="02020603050405020304" pitchFamily="18" charset="0"/>
-              <a:ea typeface="+mn-ea"/>
-            </a:endParaRPr>
-          </a:p>
-        </p:txBody>
-      </p:sp>
-      <p:sp>
-        <p:nvSpPr>
           <p:cNvPr id="13317" name="Rectangle 2"/>
           <p:cNvSpPr>
-            <a:spLocks noGrp="1" noChangeArrowheads="1"/>
+            <a:spLocks noGrp="true" noChangeArrowheads="true"/>
           </p:cNvSpPr>
           <p:nvPr>
             <p:ph type="title" idx="4294967295"/>
@@ -5100,6 +5156,11 @@
               </a:rPr>
               <a:t>关于课程</a:t>
             </a:r>
+            <a:endParaRPr lang="zh-CN" altLang="en-US" dirty="0" smtClean="0">
+              <a:solidFill>
+                <a:schemeClr val="tx1"/>
+              </a:solidFill>
+            </a:endParaRPr>
           </a:p>
         </p:txBody>
       </p:sp>
@@ -5107,7 +5168,7 @@
         <p:nvSpPr>
           <p:cNvPr id="13318" name="Rectangle 3"/>
           <p:cNvSpPr>
-            <a:spLocks noGrp="1" noChangeArrowheads="1"/>
+            <a:spLocks noGrp="true" noChangeArrowheads="true"/>
           </p:cNvSpPr>
           <p:nvPr>
             <p:ph type="body" idx="4294967295"/>
@@ -5160,6 +5221,9 @@
               </a:rPr>
               <a:t>》</a:t>
             </a:r>
+            <a:endParaRPr lang="en-US" altLang="zh-CN" sz="2400" dirty="0" smtClean="0">
+              <a:latin typeface="宋体" panose="02010600030101010101" pitchFamily="2" charset="-122"/>
+            </a:endParaRPr>
           </a:p>
           <a:p>
             <a:pPr algn="just">
@@ -5169,7 +5233,7 @@
             </a:pPr>
             <a:r>
               <a:rPr lang="zh-CN" altLang="en-US" sz="2400" dirty="0" smtClean="0"/>
-              <a:t>需要学习掌握一门计算机语言</a:t>
+              <a:t>需要学习掌握一门计算机编程语言</a:t>
             </a:r>
             <a:endParaRPr lang="en-US" altLang="zh-CN" sz="2400" dirty="0" smtClean="0"/>
           </a:p>
@@ -5181,7 +5245,7 @@
             </a:pPr>
             <a:r>
               <a:rPr lang="zh-CN" altLang="en-US" sz="2400" dirty="0" smtClean="0"/>
-              <a:t>借助于计算机来</a:t>
+              <a:t>借助于计算机来高效</a:t>
             </a:r>
             <a:r>
               <a:rPr lang="zh-CN" altLang="en-US" sz="2400" dirty="0" smtClean="0">
@@ -5214,6 +5278,30 @@
               <a:t>计算思维”</a:t>
             </a:r>
             <a:endParaRPr lang="en-US" altLang="zh-CN" sz="2400" dirty="0" smtClean="0"/>
+          </a:p>
+        </p:txBody>
+      </p:sp>
+      <p:sp>
+        <p:nvSpPr>
+          <p:cNvPr id="3" name="灯片编号占位符 2"/>
+          <p:cNvSpPr>
+            <a:spLocks noGrp="true"/>
+          </p:cNvSpPr>
+          <p:nvPr>
+            <p:ph type="sldNum" sz="quarter" idx="12"/>
+          </p:nvPr>
+        </p:nvSpPr>
+        <p:spPr/>
+        <p:txBody>
+          <a:bodyPr/>
+          <a:p>
+            <a:pPr>
+              <a:defRPr/>
+            </a:pPr>
+            <a:fld id="{4010C490-5906-4669-B6CF-A8A27A978043}" type="slidenum">
+              <a:rPr lang="en-US" altLang="zh-CN" smtClean="0"/>
+            </a:fld>
+            <a:endParaRPr lang="en-US" altLang="zh-CN"/>
           </a:p>
         </p:txBody>
       </p:sp>
@@ -5251,252 +5339,171 @@
       </p:grpSpPr>
       <p:sp>
         <p:nvSpPr>
-          <p:cNvPr id="3" name="标题 2"/>
-          <p:cNvSpPr>
-            <a:spLocks noGrp="1"/>
-          </p:cNvSpPr>
-          <p:nvPr>
-            <p:ph type="title"/>
+          <p:cNvPr id="13317" name="Rectangle 2"/>
+          <p:cNvSpPr>
+            <a:spLocks noGrp="true" noChangeArrowheads="true"/>
+          </p:cNvSpPr>
+          <p:nvPr>
+            <p:ph type="title" idx="4294967295"/>
           </p:nvPr>
         </p:nvSpPr>
         <p:spPr>
           <a:xfrm>
-            <a:off x="350181" y="312373"/>
-            <a:ext cx="8229600" cy="1143000"/>
+            <a:off x="179512" y="201541"/>
+            <a:ext cx="7543800" cy="1431925"/>
           </a:xfrm>
         </p:spPr>
         <p:txBody>
           <a:bodyPr/>
           <a:lstStyle/>
           <a:p>
-            <a:r>
-              <a:rPr lang="zh-CN" altLang="en-US" dirty="0" smtClean="0"/>
-              <a:t>计算机与计算机语言</a:t>
-            </a:r>
-            <a:endParaRPr lang="zh-CN" altLang="en-US" dirty="0"/>
-          </a:p>
-        </p:txBody>
-      </p:sp>
-      <p:sp>
-        <p:nvSpPr>
-          <p:cNvPr id="2" name="内容占位符 1"/>
-          <p:cNvSpPr>
-            <a:spLocks noGrp="1"/>
-          </p:cNvSpPr>
-          <p:nvPr>
-            <p:ph idx="1"/>
+            <a:pPr eaLnBrk="1" hangingPunct="1"/>
+            <a:r>
+              <a:rPr lang="zh-CN" altLang="en-US" dirty="0" smtClean="0">
+                <a:solidFill>
+                  <a:schemeClr val="tx1"/>
+                </a:solidFill>
+              </a:rPr>
+              <a:t>计算思维</a:t>
+            </a:r>
+            <a:endParaRPr lang="zh-CN" altLang="en-US" dirty="0" smtClean="0">
+              <a:solidFill>
+                <a:schemeClr val="tx1"/>
+              </a:solidFill>
+            </a:endParaRPr>
+          </a:p>
+        </p:txBody>
+      </p:sp>
+      <p:sp>
+        <p:nvSpPr>
+          <p:cNvPr id="13318" name="Rectangle 3"/>
+          <p:cNvSpPr>
+            <a:spLocks noGrp="true" noChangeArrowheads="true"/>
+          </p:cNvSpPr>
+          <p:nvPr>
+            <p:ph type="body" idx="4294967295"/>
           </p:nvPr>
         </p:nvSpPr>
         <p:spPr>
           <a:xfrm>
-            <a:off x="323528" y="1498781"/>
-            <a:ext cx="8640960" cy="4666523"/>
+            <a:off x="755576" y="1670144"/>
+            <a:ext cx="7993062" cy="4114800"/>
           </a:xfrm>
         </p:spPr>
         <p:txBody>
           <a:bodyPr>
-            <a:normAutofit/>
+            <a:normAutofit fontScale="70000"/>
           </a:bodyPr>
           <a:lstStyle/>
           <a:p>
+            <a:pPr algn="just">
+              <a:lnSpc>
+                <a:spcPct val="200000"/>
+              </a:lnSpc>
+            </a:pPr>
+            <a:r>
+              <a:rPr sz="2400" dirty="0">
+                <a:latin typeface="宋体" panose="02010600030101010101" pitchFamily="2" charset="-122"/>
+              </a:rPr>
+              <a:t>计算机科学家在用计算机解决问题时也有自己独特的思维方式和解决方法，我们统称之为计算思维（computational thinking）</a:t>
+            </a:r>
+            <a:r>
+              <a:rPr lang="zh-CN" sz="2400" dirty="0">
+                <a:latin typeface="宋体" panose="02010600030101010101" pitchFamily="2" charset="-122"/>
+              </a:rPr>
+              <a:t>。</a:t>
+            </a:r>
+            <a:endParaRPr sz="2400" dirty="0">
+              <a:latin typeface="宋体" panose="02010600030101010101" pitchFamily="2" charset="-122"/>
+            </a:endParaRPr>
+          </a:p>
+          <a:p>
+            <a:pPr algn="just">
+              <a:lnSpc>
+                <a:spcPct val="200000"/>
+              </a:lnSpc>
+            </a:pPr>
+            <a:r>
+              <a:rPr lang="zh-CN" altLang="en-US" sz="2400" dirty="0" smtClean="0"/>
+              <a:t>基本原则：既要充分利用计算机的计算和存储能力，又不能超出计算机的能力范围。</a:t>
+            </a:r>
+            <a:endParaRPr lang="zh-CN" altLang="en-US" sz="2400" dirty="0" smtClean="0"/>
+          </a:p>
+          <a:p>
+            <a:pPr algn="just" eaLnBrk="1" hangingPunct="1">
+              <a:lnSpc>
+                <a:spcPct val="200000"/>
+              </a:lnSpc>
+            </a:pPr>
+            <a:r>
+              <a:rPr lang="zh-CN" altLang="en-US" sz="2400" dirty="0" smtClean="0"/>
+              <a:t>不同阶段：问题表示</a:t>
+            </a:r>
+            <a:r>
+              <a:rPr lang="en-US" altLang="zh-CN" sz="2400" dirty="0" smtClean="0"/>
+              <a:t>-算法设计-编程技术-可计算性与算法复杂性</a:t>
+            </a:r>
+            <a:r>
+              <a:rPr lang="zh-CN" altLang="en-US" sz="2400" dirty="0" smtClean="0"/>
+              <a:t>。</a:t>
+            </a:r>
+            <a:endParaRPr lang="en-US" altLang="zh-CN" sz="2400" dirty="0" smtClean="0"/>
+          </a:p>
+          <a:p>
+            <a:pPr algn="just" eaLnBrk="1" hangingPunct="1">
+              <a:lnSpc>
+                <a:spcPct val="200000"/>
+              </a:lnSpc>
+            </a:pPr>
+            <a:r>
+              <a:rPr lang="zh-CN" sz="2400" dirty="0" smtClean="0"/>
+              <a:t>实例：</a:t>
+            </a:r>
+            <a:r>
+              <a:rPr sz="2400" dirty="0" smtClean="0"/>
+              <a:t>根据</a:t>
+            </a:r>
+            <a:r>
+              <a:rPr lang="zh-CN" sz="2400" dirty="0" smtClean="0"/>
+              <a:t>词</a:t>
+            </a:r>
+            <a:r>
+              <a:rPr sz="2400" dirty="0" smtClean="0"/>
+              <a:t>典是有序排列的事实，快速地定位单词词条</a:t>
+            </a:r>
+            <a:r>
+              <a:rPr lang="zh-CN" sz="2400" dirty="0" smtClean="0"/>
+              <a:t>；借鉴索引技术，根据目录快速定位到特定章节。</a:t>
+            </a:r>
+            <a:endParaRPr lang="zh-CN" sz="2400" dirty="0" smtClean="0"/>
+          </a:p>
+        </p:txBody>
+      </p:sp>
+      <p:sp>
+        <p:nvSpPr>
+          <p:cNvPr id="3" name="灯片编号占位符 2"/>
+          <p:cNvSpPr>
+            <a:spLocks noGrp="true"/>
+          </p:cNvSpPr>
+          <p:nvPr>
+            <p:ph type="sldNum" sz="quarter" idx="12"/>
+          </p:nvPr>
+        </p:nvSpPr>
+        <p:spPr/>
+        <p:txBody>
+          <a:bodyPr/>
+          <a:p>
             <a:pPr>
-              <a:lnSpc>
-                <a:spcPct val="160000"/>
-              </a:lnSpc>
-            </a:pPr>
-            <a:r>
-              <a:rPr lang="zh-CN" altLang="en-US" sz="2400" dirty="0" smtClean="0"/>
-              <a:t>功能性与可编程性</a:t>
-            </a:r>
-            <a:endParaRPr lang="en-US" altLang="zh-CN" sz="2400" dirty="0"/>
-          </a:p>
-          <a:p>
-            <a:pPr lvl="1">
-              <a:lnSpc>
-                <a:spcPct val="160000"/>
-              </a:lnSpc>
-            </a:pPr>
-            <a:r>
-              <a:rPr lang="zh-CN" altLang="en-US" sz="2000" dirty="0" smtClean="0"/>
-              <a:t>计算机</a:t>
-            </a:r>
-            <a:r>
-              <a:rPr lang="zh-CN" altLang="en-US" sz="2000" dirty="0"/>
-              <a:t>是一种能够按照事先存储的</a:t>
-            </a:r>
-            <a:r>
-              <a:rPr lang="zh-CN" altLang="en-US" sz="2000" dirty="0" smtClean="0"/>
-              <a:t>程序，自动</a:t>
-            </a:r>
-            <a:r>
-              <a:rPr lang="zh-CN" altLang="en-US" sz="2000" dirty="0"/>
-              <a:t>、高速地对数据进行输入、处理、输出和</a:t>
-            </a:r>
-            <a:r>
-              <a:rPr lang="zh-CN" altLang="en-US" sz="2000" dirty="0" smtClean="0"/>
-              <a:t>存储</a:t>
-            </a:r>
-            <a:r>
-              <a:rPr lang="zh-CN" altLang="en-US" sz="2000" dirty="0"/>
-              <a:t>的</a:t>
-            </a:r>
-            <a:r>
-              <a:rPr lang="zh-CN" altLang="en-US" sz="2000" dirty="0" smtClean="0"/>
-              <a:t>系统</a:t>
-            </a:r>
-          </a:p>
-          <a:p>
-            <a:pPr>
-              <a:lnSpc>
-                <a:spcPct val="160000"/>
-              </a:lnSpc>
-            </a:pPr>
-            <a:r>
-              <a:rPr lang="zh-CN" altLang="en-US" sz="2400" dirty="0"/>
-              <a:t>计算机</a:t>
-            </a:r>
-            <a:r>
-              <a:rPr lang="zh-CN" altLang="en-US" sz="2400" dirty="0" smtClean="0"/>
-              <a:t>语言</a:t>
-            </a:r>
-            <a:endParaRPr lang="en-US" altLang="zh-CN" sz="2400" dirty="0" smtClean="0"/>
-          </a:p>
-          <a:p>
-            <a:pPr lvl="1">
-              <a:lnSpc>
-                <a:spcPct val="160000"/>
-              </a:lnSpc>
-            </a:pPr>
-            <a:r>
-              <a:rPr lang="zh-CN" altLang="en-US" sz="2000" dirty="0" smtClean="0"/>
-              <a:t>指</a:t>
-            </a:r>
-            <a:r>
-              <a:rPr lang="zh-CN" altLang="en-US" sz="2000" dirty="0"/>
-              <a:t>用于人与计算机之间通讯的</a:t>
-            </a:r>
-            <a:r>
-              <a:rPr lang="zh-CN" altLang="en-US" sz="2000" dirty="0" smtClean="0"/>
-              <a:t>语言</a:t>
-            </a:r>
-            <a:endParaRPr lang="en-US" altLang="zh-CN" sz="2000" dirty="0" smtClean="0"/>
-          </a:p>
-          <a:p>
-            <a:pPr lvl="1">
-              <a:lnSpc>
-                <a:spcPct val="160000"/>
-              </a:lnSpc>
-            </a:pPr>
-            <a:r>
-              <a:rPr lang="zh-CN" altLang="en-US" sz="2000" dirty="0" smtClean="0"/>
-              <a:t>一</a:t>
-            </a:r>
-            <a:r>
-              <a:rPr lang="zh-CN" altLang="en-US" sz="2000" dirty="0"/>
-              <a:t>套用以编写计算机程序的数字、字符和语法</a:t>
-            </a:r>
-            <a:r>
-              <a:rPr lang="zh-CN" altLang="en-US" sz="2000" dirty="0" smtClean="0"/>
-              <a:t>规划</a:t>
-            </a:r>
-            <a:endParaRPr lang="en-US" altLang="zh-CN" sz="2000" dirty="0"/>
-          </a:p>
-          <a:p>
-            <a:pPr lvl="1">
-              <a:lnSpc>
-                <a:spcPct val="160000"/>
-              </a:lnSpc>
-            </a:pPr>
-            <a:r>
-              <a:rPr lang="zh-CN" altLang="en-US" sz="2000" dirty="0" smtClean="0"/>
-              <a:t>是</a:t>
-            </a:r>
-            <a:r>
-              <a:rPr lang="zh-CN" altLang="en-US" sz="2000" dirty="0"/>
-              <a:t>计算机程序的实现</a:t>
-            </a:r>
-            <a:r>
-              <a:rPr lang="zh-CN" altLang="en-US" sz="2000" dirty="0" smtClean="0"/>
-              <a:t>方式</a:t>
-            </a:r>
-            <a:endParaRPr lang="en-US" altLang="zh-CN" sz="2000" dirty="0" smtClean="0"/>
-          </a:p>
-          <a:p>
-            <a:pPr lvl="1">
-              <a:lnSpc>
-                <a:spcPct val="160000"/>
-              </a:lnSpc>
-            </a:pPr>
-            <a:r>
-              <a:rPr lang="zh-CN" altLang="en-US" sz="2000" dirty="0" smtClean="0"/>
-              <a:t>计算机</a:t>
-            </a:r>
-            <a:r>
-              <a:rPr lang="zh-CN" altLang="en-US" sz="2000" dirty="0"/>
-              <a:t>语言比自然语言更为简单、精确和</a:t>
-            </a:r>
-            <a:r>
-              <a:rPr lang="zh-CN" altLang="en-US" sz="2000" dirty="0" smtClean="0"/>
-              <a:t>严谨</a:t>
-            </a:r>
-            <a:endParaRPr lang="zh-CN" altLang="en-US" sz="2000" dirty="0"/>
-          </a:p>
-        </p:txBody>
-      </p:sp>
-      <p:pic>
-        <p:nvPicPr>
-          <p:cNvPr id="4" name="图片 3"/>
-          <p:cNvPicPr>
-            <a:picLocks noChangeAspect="1"/>
-          </p:cNvPicPr>
-          <p:nvPr/>
-        </p:nvPicPr>
-        <p:blipFill>
-          <a:blip r:embed="rId3"/>
-          <a:stretch>
-            <a:fillRect/>
-          </a:stretch>
-        </p:blipFill>
-        <p:spPr>
-          <a:xfrm>
-            <a:off x="5688805" y="18883"/>
-            <a:ext cx="3451550" cy="2185982"/>
-          </a:xfrm>
-          <a:prstGeom prst="rect">
-            <a:avLst/>
-          </a:prstGeom>
-        </p:spPr>
-      </p:pic>
-      <p:pic>
-        <p:nvPicPr>
-          <p:cNvPr id="5" name="图片 4"/>
-          <p:cNvPicPr>
-            <a:picLocks noChangeAspect="1"/>
-          </p:cNvPicPr>
-          <p:nvPr/>
-        </p:nvPicPr>
-        <p:blipFill>
-          <a:blip r:embed="rId4"/>
-          <a:stretch>
-            <a:fillRect/>
-          </a:stretch>
-        </p:blipFill>
-        <p:spPr>
-          <a:xfrm>
-            <a:off x="5830989" y="4644960"/>
-            <a:ext cx="3316511" cy="2213040"/>
-          </a:xfrm>
-          <a:prstGeom prst="rect">
-            <a:avLst/>
-          </a:prstGeom>
-        </p:spPr>
-      </p:pic>
+              <a:defRPr/>
+            </a:pPr>
+            <a:fld id="{4010C490-5906-4669-B6CF-A8A27A978043}" type="slidenum">
+              <a:rPr lang="en-US" altLang="zh-CN" smtClean="0"/>
+            </a:fld>
+            <a:endParaRPr lang="en-US" altLang="zh-CN"/>
+          </a:p>
+        </p:txBody>
+      </p:sp>
     </p:spTree>
-    <p:extLst>
-      <p:ext uri="{BB962C8B-B14F-4D97-AF65-F5344CB8AC3E}">
-        <p14:creationId xmlns:p14="http://schemas.microsoft.com/office/powerpoint/2010/main" val="2283699350"/>
-      </p:ext>
-    </p:extLst>
   </p:cSld>
   <p:clrMapOvr>
     <a:masterClrMapping/>
@@ -5532,7 +5539,7 @@
         <p:nvSpPr>
           <p:cNvPr id="3" name="标题 2"/>
           <p:cNvSpPr>
-            <a:spLocks noGrp="1"/>
+            <a:spLocks noGrp="true"/>
           </p:cNvSpPr>
           <p:nvPr>
             <p:ph type="title"/>
@@ -5540,8 +5547,8 @@
         </p:nvSpPr>
         <p:spPr>
           <a:xfrm>
-            <a:off x="323528" y="443107"/>
-            <a:ext cx="7680960" cy="1371600"/>
+            <a:off x="350181" y="312373"/>
+            <a:ext cx="8229600" cy="1143000"/>
           </a:xfrm>
         </p:spPr>
         <p:txBody>
@@ -5550,7 +5557,7 @@
           <a:p>
             <a:r>
               <a:rPr lang="zh-CN" altLang="en-US" dirty="0" smtClean="0"/>
-              <a:t>编译和解释</a:t>
+              <a:t>计算机与计算机语言</a:t>
             </a:r>
             <a:endParaRPr lang="zh-CN" altLang="en-US" dirty="0"/>
           </a:p>
@@ -5560,7 +5567,7 @@
         <p:nvSpPr>
           <p:cNvPr id="2" name="内容占位符 1"/>
           <p:cNvSpPr>
-            <a:spLocks noGrp="1"/>
+            <a:spLocks noGrp="true"/>
           </p:cNvSpPr>
           <p:nvPr>
             <p:ph idx="1"/>
@@ -5568,156 +5575,234 @@
         </p:nvSpPr>
         <p:spPr>
           <a:xfrm>
-            <a:off x="731520" y="1844824"/>
-            <a:ext cx="7680960" cy="4190216"/>
+            <a:off x="323528" y="1498781"/>
+            <a:ext cx="8640960" cy="4666523"/>
           </a:xfrm>
         </p:spPr>
         <p:txBody>
           <a:bodyPr>
-            <a:normAutofit fontScale="55000" lnSpcReduction="20000"/>
+            <a:normAutofit/>
           </a:bodyPr>
           <a:lstStyle/>
           <a:p>
             <a:pPr>
               <a:lnSpc>
-                <a:spcPct val="150000"/>
+                <a:spcPct val="160000"/>
               </a:lnSpc>
-              <a:buFont typeface="Wingdings" panose="05000000000000000000" pitchFamily="2" charset="2"/>
-              <a:buChar char="Ø"/>
-            </a:pPr>
-            <a:r>
-              <a:rPr lang="zh-CN" altLang="en-US" sz="3800" dirty="0" smtClean="0"/>
-              <a:t>源代码</a:t>
-            </a:r>
-            <a:endParaRPr lang="en-US" altLang="zh-CN" sz="3800" dirty="0" smtClean="0"/>
-          </a:p>
-          <a:p>
-            <a:pPr marL="109855" indent="0">
+            </a:pPr>
+            <a:r>
+              <a:rPr lang="zh-CN" altLang="en-US" sz="2400" dirty="0" smtClean="0"/>
+              <a:t>功能性与可编程性</a:t>
+            </a:r>
+            <a:endParaRPr lang="en-US" altLang="zh-CN" sz="2400" dirty="0"/>
+          </a:p>
+          <a:p>
+            <a:pPr lvl="1">
               <a:lnSpc>
-                <a:spcPct val="150000"/>
+                <a:spcPct val="160000"/>
               </a:lnSpc>
-              <a:buNone/>
-            </a:pPr>
-            <a:r>
-              <a:rPr lang="zh-CN" altLang="en-US" sz="3100" dirty="0" smtClean="0"/>
-              <a:t>采用某种编程语言编写的计算机程序，人类可读</a:t>
-            </a:r>
-            <a:endParaRPr lang="en-US" altLang="zh-CN" sz="3100" dirty="0" smtClean="0"/>
+            </a:pPr>
+            <a:r>
+              <a:rPr lang="zh-CN" altLang="en-US" sz="2000" dirty="0" smtClean="0"/>
+              <a:t>计算机</a:t>
+            </a:r>
+            <a:r>
+              <a:rPr lang="zh-CN" altLang="en-US" sz="2000" dirty="0"/>
+              <a:t>是一种能够按照事先存储的</a:t>
+            </a:r>
+            <a:r>
+              <a:rPr lang="zh-CN" altLang="en-US" sz="2000" dirty="0" smtClean="0"/>
+              <a:t>程序，自动</a:t>
+            </a:r>
+            <a:r>
+              <a:rPr lang="zh-CN" altLang="en-US" sz="2000" dirty="0"/>
+              <a:t>、高速地对数据进行输入、处理、输出和</a:t>
+            </a:r>
+            <a:r>
+              <a:rPr lang="zh-CN" altLang="en-US" sz="2000" dirty="0" smtClean="0"/>
+              <a:t>存储</a:t>
+            </a:r>
+            <a:r>
+              <a:rPr lang="zh-CN" altLang="en-US" sz="2000" dirty="0"/>
+              <a:t>的</a:t>
+            </a:r>
+            <a:r>
+              <a:rPr lang="zh-CN" altLang="en-US" sz="2000" dirty="0" smtClean="0"/>
+              <a:t>系统。</a:t>
+            </a:r>
+            <a:endParaRPr lang="zh-CN" altLang="en-US" sz="2000" dirty="0" smtClean="0"/>
           </a:p>
           <a:p>
             <a:pPr>
               <a:lnSpc>
-                <a:spcPct val="150000"/>
+                <a:spcPct val="160000"/>
               </a:lnSpc>
-              <a:buFont typeface="Wingdings" panose="05000000000000000000" pitchFamily="2" charset="2"/>
-              <a:buChar char="Ø"/>
-            </a:pPr>
-            <a:r>
-              <a:rPr lang="zh-CN" altLang="en-US" sz="3800" dirty="0" smtClean="0"/>
-              <a:t>目标代码</a:t>
-            </a:r>
-            <a:endParaRPr lang="en-US" altLang="zh-CN" sz="3800" dirty="0" smtClean="0"/>
-          </a:p>
-          <a:p>
-            <a:pPr marL="109855" indent="0">
+            </a:pPr>
+            <a:r>
+              <a:rPr lang="zh-CN" altLang="en-US" sz="2400" dirty="0"/>
+              <a:t>计算机</a:t>
+            </a:r>
+            <a:r>
+              <a:rPr lang="zh-CN" altLang="en-US" sz="2400" dirty="0" smtClean="0"/>
+              <a:t>语言</a:t>
+            </a:r>
+            <a:endParaRPr lang="en-US" altLang="zh-CN" sz="2400" dirty="0" smtClean="0"/>
+          </a:p>
+          <a:p>
+            <a:pPr lvl="1">
               <a:lnSpc>
-                <a:spcPct val="150000"/>
+                <a:spcPct val="160000"/>
               </a:lnSpc>
-              <a:buNone/>
-            </a:pPr>
-            <a:r>
-              <a:rPr lang="zh-CN" altLang="en-US" sz="3100" dirty="0"/>
-              <a:t>计算机可以直接执行的代码，人类不可读（专家除外）</a:t>
-            </a:r>
-            <a:endParaRPr lang="en-US" altLang="zh-CN" sz="3100" dirty="0"/>
-          </a:p>
+            </a:pPr>
+            <a:r>
+              <a:rPr lang="zh-CN" altLang="en-US" sz="2000" dirty="0" smtClean="0"/>
+              <a:t>指</a:t>
+            </a:r>
+            <a:r>
+              <a:rPr lang="zh-CN" altLang="en-US" sz="2000" dirty="0"/>
+              <a:t>用于人与计算机之间通讯的</a:t>
+            </a:r>
+            <a:r>
+              <a:rPr lang="zh-CN" altLang="en-US" sz="2000" dirty="0" smtClean="0"/>
+              <a:t>语言；</a:t>
+            </a:r>
+            <a:endParaRPr lang="en-US" altLang="zh-CN" sz="2000" dirty="0" smtClean="0"/>
+          </a:p>
+          <a:p>
+            <a:pPr lvl="1">
+              <a:lnSpc>
+                <a:spcPct val="160000"/>
+              </a:lnSpc>
+            </a:pPr>
+            <a:r>
+              <a:rPr lang="zh-CN" altLang="en-US" sz="2000" dirty="0" smtClean="0"/>
+              <a:t>一</a:t>
+            </a:r>
+            <a:r>
+              <a:rPr lang="zh-CN" altLang="en-US" sz="2000" dirty="0"/>
+              <a:t>套用以编写计算机程序的数字、字符和语法</a:t>
+            </a:r>
+            <a:r>
+              <a:rPr lang="zh-CN" altLang="en-US" sz="2000" dirty="0" smtClean="0"/>
+              <a:t>规划；</a:t>
+            </a:r>
+            <a:endParaRPr lang="en-US" altLang="zh-CN" sz="2000" dirty="0"/>
+          </a:p>
+          <a:p>
+            <a:pPr lvl="1">
+              <a:lnSpc>
+                <a:spcPct val="160000"/>
+              </a:lnSpc>
+            </a:pPr>
+            <a:r>
+              <a:rPr lang="zh-CN" altLang="en-US" sz="2000" dirty="0" smtClean="0"/>
+              <a:t>是</a:t>
+            </a:r>
+            <a:r>
+              <a:rPr lang="zh-CN" altLang="en-US" sz="2000" dirty="0"/>
+              <a:t>计算机程序的实现</a:t>
+            </a:r>
+            <a:r>
+              <a:rPr lang="zh-CN" altLang="en-US" sz="2000" dirty="0" smtClean="0"/>
+              <a:t>方式；</a:t>
+            </a:r>
+            <a:endParaRPr lang="en-US" altLang="zh-CN" sz="2000" dirty="0" smtClean="0"/>
+          </a:p>
+          <a:p>
+            <a:pPr lvl="1">
+              <a:lnSpc>
+                <a:spcPct val="160000"/>
+              </a:lnSpc>
+            </a:pPr>
+            <a:r>
+              <a:rPr lang="zh-CN" altLang="en-US" sz="2000" dirty="0" smtClean="0"/>
+              <a:t>计算机</a:t>
+            </a:r>
+            <a:r>
+              <a:rPr lang="zh-CN" altLang="en-US" sz="2000" dirty="0"/>
+              <a:t>语言比自然语言更为简单、精确和</a:t>
+            </a:r>
+            <a:r>
+              <a:rPr lang="zh-CN" altLang="en-US" sz="2000" dirty="0" smtClean="0"/>
+              <a:t>严谨。</a:t>
+            </a:r>
+            <a:endParaRPr lang="zh-CN" altLang="en-US" sz="2000" dirty="0"/>
+          </a:p>
+        </p:txBody>
+      </p:sp>
+      <p:pic>
+        <p:nvPicPr>
+          <p:cNvPr id="4" name="图片 3"/>
+          <p:cNvPicPr>
+            <a:picLocks noChangeAspect="true"/>
+          </p:cNvPicPr>
+          <p:nvPr/>
+        </p:nvPicPr>
+        <p:blipFill>
+          <a:blip r:embed="rId1"/>
+          <a:stretch>
+            <a:fillRect/>
+          </a:stretch>
+        </p:blipFill>
+        <p:spPr>
+          <a:xfrm>
+            <a:off x="5688805" y="18883"/>
+            <a:ext cx="3451550" cy="2185982"/>
+          </a:xfrm>
+          <a:prstGeom prst="rect">
+            <a:avLst/>
+          </a:prstGeom>
+        </p:spPr>
+      </p:pic>
+      <p:pic>
+        <p:nvPicPr>
+          <p:cNvPr id="5" name="图片 4"/>
+          <p:cNvPicPr>
+            <a:picLocks noChangeAspect="true"/>
+          </p:cNvPicPr>
+          <p:nvPr/>
+        </p:nvPicPr>
+        <p:blipFill>
+          <a:blip r:embed="rId2"/>
+          <a:stretch>
+            <a:fillRect/>
+          </a:stretch>
+        </p:blipFill>
+        <p:spPr>
+          <a:xfrm>
+            <a:off x="5830989" y="4644960"/>
+            <a:ext cx="3316511" cy="2213040"/>
+          </a:xfrm>
+          <a:prstGeom prst="rect">
+            <a:avLst/>
+          </a:prstGeom>
+        </p:spPr>
+      </p:pic>
+      <p:sp>
+        <p:nvSpPr>
+          <p:cNvPr id="6" name="灯片编号占位符 5"/>
+          <p:cNvSpPr>
+            <a:spLocks noGrp="true"/>
+          </p:cNvSpPr>
+          <p:nvPr>
+            <p:ph type="sldNum" sz="quarter" idx="12"/>
+          </p:nvPr>
+        </p:nvSpPr>
+        <p:spPr/>
+        <p:txBody>
+          <a:bodyPr/>
           <a:p>
             <a:pPr>
-              <a:lnSpc>
-                <a:spcPct val="150000"/>
-              </a:lnSpc>
-              <a:buFont typeface="Wingdings" panose="05000000000000000000" pitchFamily="2" charset="2"/>
-              <a:buChar char="Ø"/>
-            </a:pPr>
-            <a:r>
-              <a:rPr lang="zh-CN" altLang="en-US" sz="4400" dirty="0" smtClean="0"/>
-              <a:t>编译</a:t>
-            </a:r>
-            <a:endParaRPr lang="en-US" altLang="zh-CN" sz="4400" dirty="0"/>
-          </a:p>
-          <a:p>
-            <a:pPr marL="109855" indent="0">
-              <a:lnSpc>
-                <a:spcPct val="150000"/>
-              </a:lnSpc>
-              <a:buNone/>
-            </a:pPr>
-            <a:r>
-              <a:rPr lang="zh-CN" altLang="en-US" sz="3100" dirty="0" smtClean="0"/>
-              <a:t>借助于编译器将</a:t>
-            </a:r>
-            <a:r>
-              <a:rPr lang="zh-CN" altLang="en-US" sz="3100" dirty="0"/>
-              <a:t>代码一次性转换成目标代码的</a:t>
-            </a:r>
-            <a:r>
-              <a:rPr lang="zh-CN" altLang="en-US" sz="3100" dirty="0" smtClean="0"/>
-              <a:t>过程</a:t>
-            </a:r>
-            <a:endParaRPr lang="en-US" altLang="zh-CN" sz="3100" dirty="0" smtClean="0"/>
-          </a:p>
-          <a:p>
-            <a:pPr>
-              <a:lnSpc>
-                <a:spcPct val="150000"/>
-              </a:lnSpc>
-              <a:buFont typeface="Wingdings" panose="05000000000000000000" pitchFamily="2" charset="2"/>
-              <a:buChar char="Ø"/>
-            </a:pPr>
-            <a:r>
-              <a:rPr lang="zh-CN" altLang="en-US" sz="4400" dirty="0" smtClean="0"/>
-              <a:t>解释</a:t>
-            </a:r>
-            <a:endParaRPr lang="en-US" altLang="zh-CN" sz="4400" dirty="0" smtClean="0"/>
-          </a:p>
-          <a:p>
-            <a:pPr marL="109855" indent="0">
-              <a:lnSpc>
-                <a:spcPct val="150000"/>
-              </a:lnSpc>
-              <a:buNone/>
-            </a:pPr>
-            <a:r>
-              <a:rPr lang="zh-CN" altLang="en-US" sz="3100" dirty="0" smtClean="0"/>
-              <a:t>借助于解释器将源代码逐条转换成目标代码并逐条运行的过程</a:t>
-            </a:r>
-            <a:endParaRPr lang="zh-CN" altLang="en-US" sz="3100" dirty="0"/>
-          </a:p>
-          <a:p>
-            <a:pPr>
-              <a:lnSpc>
-                <a:spcPct val="150000"/>
-              </a:lnSpc>
-            </a:pPr>
-            <a:endParaRPr lang="en-US" altLang="zh-CN" dirty="0" smtClean="0"/>
-          </a:p>
-          <a:p>
-            <a:pPr marL="109855" indent="0">
-              <a:lnSpc>
-                <a:spcPct val="150000"/>
-              </a:lnSpc>
-              <a:buNone/>
-            </a:pPr>
-            <a:endParaRPr lang="zh-CN" altLang="en-US" sz="2400" dirty="0"/>
+              <a:defRPr/>
+            </a:pPr>
+            <a:fld id="{F70F104E-F0AE-4A8D-A6B9-2F4C2046D9BB}" type="slidenum">
+              <a:rPr lang="en-US" altLang="zh-CN" smtClean="0"/>
+            </a:fld>
+            <a:endParaRPr lang="en-US" altLang="zh-CN"/>
           </a:p>
         </p:txBody>
       </p:sp>
     </p:spTree>
-    <p:extLst>
-      <p:ext uri="{BB962C8B-B14F-4D97-AF65-F5344CB8AC3E}">
-        <p14:creationId xmlns:p14="http://schemas.microsoft.com/office/powerpoint/2010/main" val="3522043811"/>
-      </p:ext>
-    </p:extLst>
   </p:cSld>
   <p:clrMapOvr>
     <a:masterClrMapping/>
@@ -5753,20 +5838,25 @@
         <p:nvSpPr>
           <p:cNvPr id="3" name="标题 2"/>
           <p:cNvSpPr>
-            <a:spLocks noGrp="1"/>
+            <a:spLocks noGrp="true"/>
           </p:cNvSpPr>
           <p:nvPr>
             <p:ph type="title"/>
           </p:nvPr>
         </p:nvSpPr>
-        <p:spPr/>
+        <p:spPr>
+          <a:xfrm>
+            <a:off x="323528" y="443107"/>
+            <a:ext cx="7680960" cy="1371600"/>
+          </a:xfrm>
+        </p:spPr>
         <p:txBody>
           <a:bodyPr/>
           <a:lstStyle/>
           <a:p>
             <a:r>
               <a:rPr lang="zh-CN" altLang="en-US" dirty="0" smtClean="0"/>
-              <a:t>静态语言和脚本语言</a:t>
+              <a:t>编译和解释</a:t>
             </a:r>
             <a:endParaRPr lang="zh-CN" altLang="en-US" dirty="0"/>
           </a:p>
@@ -5776,7 +5866,7 @@
         <p:nvSpPr>
           <p:cNvPr id="2" name="内容占位符 1"/>
           <p:cNvSpPr>
-            <a:spLocks noGrp="1"/>
+            <a:spLocks noGrp="true"/>
           </p:cNvSpPr>
           <p:nvPr>
             <p:ph idx="1"/>
@@ -5784,13 +5874,13 @@
         </p:nvSpPr>
         <p:spPr>
           <a:xfrm>
-            <a:off x="723982" y="2014194"/>
-            <a:ext cx="7680960" cy="3931920"/>
+            <a:off x="731520" y="1844824"/>
+            <a:ext cx="7680960" cy="4190216"/>
           </a:xfrm>
         </p:spPr>
         <p:txBody>
           <a:bodyPr>
-            <a:normAutofit/>
+            <a:normAutofit fontScale="55000" lnSpcReduction="20000"/>
           </a:bodyPr>
           <a:lstStyle/>
           <a:p>
@@ -5798,12 +5888,14 @@
               <a:lnSpc>
                 <a:spcPct val="150000"/>
               </a:lnSpc>
-            </a:pPr>
-            <a:r>
-              <a:rPr lang="zh-CN" altLang="en-US" sz="2800" dirty="0" smtClean="0"/>
-              <a:t>静态语言</a:t>
-            </a:r>
-            <a:endParaRPr lang="en-US" altLang="zh-CN" sz="2800" dirty="0" smtClean="0"/>
+              <a:buFont typeface="Wingdings" panose="05000000000000000000" pitchFamily="2" charset="2"/>
+              <a:buChar char="Ø"/>
+            </a:pPr>
+            <a:r>
+              <a:rPr lang="zh-CN" altLang="en-US" sz="3800" dirty="0" smtClean="0"/>
+              <a:t>源代码</a:t>
+            </a:r>
+            <a:endParaRPr lang="en-US" altLang="zh-CN" sz="3800" dirty="0" smtClean="0"/>
           </a:p>
           <a:p>
             <a:pPr marL="109855" indent="0">
@@ -5813,14 +5905,24 @@
               <a:buNone/>
             </a:pPr>
             <a:r>
-              <a:rPr lang="en-US" altLang="zh-CN" dirty="0" smtClean="0"/>
-              <a:t>1</a:t>
-            </a:r>
-            <a:r>
-              <a:rPr lang="zh-CN" altLang="en-US" dirty="0" smtClean="0"/>
-              <a:t>：使用编译执行的编程语言</a:t>
-            </a:r>
-            <a:endParaRPr lang="en-US" altLang="zh-CN" dirty="0"/>
+              <a:rPr lang="zh-CN" altLang="en-US" sz="3100" dirty="0" smtClean="0"/>
+              <a:t>采用某种编程语言编写的计算机程序，人类可读</a:t>
+            </a:r>
+            <a:endParaRPr lang="en-US" altLang="zh-CN" sz="3100" dirty="0" smtClean="0"/>
+          </a:p>
+          <a:p>
+            <a:pPr>
+              <a:lnSpc>
+                <a:spcPct val="150000"/>
+              </a:lnSpc>
+              <a:buFont typeface="Wingdings" panose="05000000000000000000" pitchFamily="2" charset="2"/>
+              <a:buChar char="Ø"/>
+            </a:pPr>
+            <a:r>
+              <a:rPr lang="zh-CN" altLang="en-US" sz="3800" dirty="0" smtClean="0"/>
+              <a:t>目标代码</a:t>
+            </a:r>
+            <a:endParaRPr lang="en-US" altLang="zh-CN" sz="3800" dirty="0" smtClean="0"/>
           </a:p>
           <a:p>
             <a:pPr marL="109855" indent="0">
@@ -5830,26 +5932,24 @@
               <a:buNone/>
             </a:pPr>
             <a:r>
-              <a:rPr lang="en-US" altLang="zh-CN" dirty="0" smtClean="0"/>
-              <a:t>2</a:t>
-            </a:r>
-            <a:r>
-              <a:rPr lang="zh-CN" altLang="en-US" dirty="0" smtClean="0"/>
-              <a:t>：一次性生成目标代码，优化充分，执行效率高</a:t>
-            </a:r>
-            <a:endParaRPr lang="en-US" altLang="zh-CN" dirty="0" smtClean="0"/>
+              <a:rPr lang="zh-CN" altLang="en-US" sz="3100" dirty="0"/>
+              <a:t>计算机可以直接执行的代码，人类不可读（专家除外）</a:t>
+            </a:r>
+            <a:endParaRPr lang="en-US" altLang="zh-CN" sz="3100" dirty="0"/>
           </a:p>
           <a:p>
             <a:pPr>
               <a:lnSpc>
                 <a:spcPct val="150000"/>
               </a:lnSpc>
-            </a:pPr>
-            <a:r>
-              <a:rPr lang="zh-CN" altLang="en-US" sz="2800" dirty="0" smtClean="0"/>
-              <a:t>脚本语言</a:t>
-            </a:r>
-            <a:endParaRPr lang="en-US" altLang="zh-CN" sz="2800" dirty="0" smtClean="0"/>
+              <a:buFont typeface="Wingdings" panose="05000000000000000000" pitchFamily="2" charset="2"/>
+              <a:buChar char="Ø"/>
+            </a:pPr>
+            <a:r>
+              <a:rPr lang="zh-CN" altLang="en-US" sz="4400" dirty="0" smtClean="0"/>
+              <a:t>编译</a:t>
+            </a:r>
+            <a:endParaRPr lang="en-US" altLang="zh-CN" sz="4400" dirty="0"/>
           </a:p>
           <a:p>
             <a:pPr marL="109855" indent="0">
@@ -5859,14 +5959,40 @@
               <a:buNone/>
             </a:pPr>
             <a:r>
-              <a:rPr lang="en-US" altLang="zh-CN" dirty="0" smtClean="0"/>
-              <a:t>1</a:t>
-            </a:r>
-            <a:r>
-              <a:rPr lang="zh-CN" altLang="en-US" dirty="0" smtClean="0"/>
-              <a:t>：使用解释执行的编程语言</a:t>
-            </a:r>
-            <a:endParaRPr lang="en-US" altLang="zh-CN" dirty="0" smtClean="0"/>
+              <a:rPr lang="zh-CN" altLang="en-US" sz="3100" dirty="0" smtClean="0"/>
+              <a:t>借助于编译器将</a:t>
+            </a:r>
+            <a:r>
+              <a:rPr lang="zh-CN" altLang="en-US" sz="3100" dirty="0"/>
+              <a:t>代码</a:t>
+            </a:r>
+            <a:r>
+              <a:rPr lang="zh-CN" altLang="en-US" sz="3100" b="1" dirty="0"/>
+              <a:t>一次性转换</a:t>
+            </a:r>
+            <a:r>
+              <a:rPr lang="zh-CN" altLang="en-US" sz="3100" dirty="0"/>
+              <a:t>成目标代码的</a:t>
+            </a:r>
+            <a:r>
+              <a:rPr lang="zh-CN" altLang="en-US" sz="3100" dirty="0" smtClean="0"/>
+              <a:t>过程</a:t>
+            </a:r>
+            <a:endParaRPr lang="en-US" altLang="zh-CN" sz="3100" dirty="0" smtClean="0"/>
+          </a:p>
+          <a:p>
+            <a:pPr>
+              <a:lnSpc>
+                <a:spcPct val="150000"/>
+              </a:lnSpc>
+              <a:buFont typeface="Wingdings" panose="05000000000000000000" pitchFamily="2" charset="2"/>
+              <a:buChar char="Ø"/>
+            </a:pPr>
+            <a:r>
+              <a:rPr lang="zh-CN" altLang="en-US" sz="4400" dirty="0" smtClean="0"/>
+              <a:t>解释</a:t>
+            </a:r>
+            <a:endParaRPr lang="en-US" altLang="zh-CN" sz="4400" dirty="0" smtClean="0"/>
           </a:p>
           <a:p>
             <a:pPr marL="109855" indent="0">
@@ -5876,22 +6002,71 @@
               <a:buNone/>
             </a:pPr>
             <a:r>
-              <a:rPr lang="en-US" altLang="zh-CN" dirty="0" smtClean="0"/>
-              <a:t>2</a:t>
-            </a:r>
-            <a:r>
-              <a:rPr lang="zh-CN" altLang="en-US" dirty="0"/>
-              <a:t>：简化了“开发、部署、测试和调试”的周期过程</a:t>
-            </a:r>
+              <a:rPr lang="zh-CN" altLang="en-US" sz="3100" dirty="0" smtClean="0"/>
+              <a:t>借助于解释器将源代码</a:t>
+            </a:r>
+            <a:r>
+              <a:rPr lang="zh-CN" altLang="en-US" sz="3100" b="1" dirty="0" smtClean="0"/>
+              <a:t>逐条转换</a:t>
+            </a:r>
+            <a:r>
+              <a:rPr lang="zh-CN" altLang="en-US" sz="3100" dirty="0" smtClean="0"/>
+              <a:t>成目标代码并</a:t>
+            </a:r>
+            <a:r>
+              <a:rPr lang="zh-CN" altLang="en-US" sz="3100" b="1" dirty="0" smtClean="0"/>
+              <a:t>逐条运行</a:t>
+            </a:r>
+            <a:r>
+              <a:rPr lang="zh-CN" altLang="en-US" sz="3100" dirty="0" smtClean="0"/>
+              <a:t>的过程</a:t>
+            </a:r>
+            <a:endParaRPr lang="zh-CN" altLang="en-US" sz="3100" dirty="0"/>
+          </a:p>
+          <a:p>
+            <a:pPr>
+              <a:lnSpc>
+                <a:spcPct val="150000"/>
+              </a:lnSpc>
+            </a:pPr>
+            <a:endParaRPr lang="en-US" altLang="zh-CN" dirty="0" smtClean="0"/>
+          </a:p>
+          <a:p>
+            <a:pPr marL="109855" indent="0">
+              <a:lnSpc>
+                <a:spcPct val="150000"/>
+              </a:lnSpc>
+              <a:buNone/>
+            </a:pPr>
+            <a:endParaRPr lang="zh-CN" altLang="en-US" sz="2400" dirty="0"/>
+          </a:p>
+        </p:txBody>
+      </p:sp>
+      <p:sp>
+        <p:nvSpPr>
+          <p:cNvPr id="4" name="灯片编号占位符 3"/>
+          <p:cNvSpPr>
+            <a:spLocks noGrp="true"/>
+          </p:cNvSpPr>
+          <p:nvPr>
+            <p:ph type="sldNum" sz="quarter" idx="12"/>
+          </p:nvPr>
+        </p:nvSpPr>
+        <p:spPr/>
+        <p:txBody>
+          <a:bodyPr/>
+          <a:p>
+            <a:pPr>
+              <a:defRPr/>
+            </a:pPr>
+            <a:fld id="{F70F104E-F0AE-4A8D-A6B9-2F4C2046D9BB}" type="slidenum">
+              <a:rPr lang="en-US" altLang="zh-CN" smtClean="0"/>
+            </a:fld>
+            <a:endParaRPr lang="en-US" altLang="zh-CN"/>
           </a:p>
         </p:txBody>
       </p:sp>
     </p:spTree>
-    <p:extLst>
-      <p:ext uri="{BB962C8B-B14F-4D97-AF65-F5344CB8AC3E}">
-        <p14:creationId xmlns:p14="http://schemas.microsoft.com/office/powerpoint/2010/main" val="3459578664"/>
-      </p:ext>
-    </p:extLst>
   </p:cSld>
   <p:clrMapOvr>
     <a:masterClrMapping/>
@@ -5927,48 +6102,45 @@
         <p:nvSpPr>
           <p:cNvPr id="3" name="标题 2"/>
           <p:cNvSpPr>
-            <a:spLocks noGrp="1"/>
+            <a:spLocks noGrp="true"/>
           </p:cNvSpPr>
           <p:nvPr>
             <p:ph type="title"/>
+          </p:nvPr>
+        </p:nvSpPr>
+        <p:spPr/>
+        <p:txBody>
+          <a:bodyPr/>
+          <a:lstStyle/>
+          <a:p>
+            <a:r>
+              <a:rPr lang="zh-CN" altLang="en-US" dirty="0" smtClean="0"/>
+              <a:t>静态语言和脚本语言</a:t>
+            </a:r>
+            <a:endParaRPr lang="zh-CN" altLang="en-US" dirty="0"/>
+          </a:p>
+        </p:txBody>
+      </p:sp>
+      <p:sp>
+        <p:nvSpPr>
+          <p:cNvPr id="2" name="内容占位符 1"/>
+          <p:cNvSpPr>
+            <a:spLocks noGrp="true"/>
+          </p:cNvSpPr>
+          <p:nvPr>
+            <p:ph idx="1"/>
           </p:nvPr>
         </p:nvSpPr>
         <p:spPr>
           <a:xfrm>
-            <a:off x="457200" y="404664"/>
-            <a:ext cx="7680960" cy="1371600"/>
+            <a:off x="723982" y="2014194"/>
+            <a:ext cx="7680960" cy="3931920"/>
           </a:xfrm>
         </p:spPr>
         <p:txBody>
-          <a:bodyPr/>
-          <a:lstStyle/>
-          <a:p>
-            <a:r>
-              <a:rPr lang="zh-CN" altLang="en-US" dirty="0" smtClean="0"/>
-              <a:t>计算机编程的基本原则</a:t>
-            </a:r>
-            <a:endParaRPr lang="zh-CN" altLang="en-US" dirty="0"/>
-          </a:p>
-        </p:txBody>
-      </p:sp>
-      <p:sp>
-        <p:nvSpPr>
-          <p:cNvPr id="2" name="内容占位符 1"/>
-          <p:cNvSpPr>
-            <a:spLocks noGrp="1"/>
-          </p:cNvSpPr>
-          <p:nvPr>
-            <p:ph idx="1"/>
-          </p:nvPr>
-        </p:nvSpPr>
-        <p:spPr>
-          <a:xfrm>
-            <a:off x="539552" y="1988840"/>
-            <a:ext cx="8229600" cy="3771062"/>
-          </a:xfrm>
-        </p:spPr>
-        <p:txBody>
-          <a:bodyPr/>
+          <a:bodyPr>
+            <a:normAutofit/>
+          </a:bodyPr>
           <a:lstStyle/>
           <a:p>
             <a:pPr>
@@ -5977,10 +6149,52 @@
               </a:lnSpc>
             </a:pPr>
             <a:r>
-              <a:rPr lang="zh-CN" altLang="en-US" sz="2400" dirty="0" smtClean="0"/>
-              <a:t>精确无歧义</a:t>
-            </a:r>
-            <a:endParaRPr lang="en-US" altLang="zh-CN" sz="2400" dirty="0" smtClean="0"/>
+              <a:rPr lang="zh-CN" altLang="en-US" sz="2800" dirty="0" smtClean="0"/>
+              <a:t>静态语言</a:t>
+            </a:r>
+            <a:endParaRPr lang="en-US" altLang="zh-CN" sz="2800" dirty="0" smtClean="0"/>
+          </a:p>
+          <a:p>
+            <a:pPr marL="109855" indent="0">
+              <a:lnSpc>
+                <a:spcPct val="150000"/>
+              </a:lnSpc>
+              <a:buNone/>
+            </a:pPr>
+            <a:r>
+              <a:rPr lang="en-US" altLang="zh-CN" dirty="0" smtClean="0"/>
+              <a:t>1</a:t>
+            </a:r>
+            <a:r>
+              <a:rPr lang="zh-CN" altLang="en-US" dirty="0" smtClean="0"/>
+              <a:t>：使用</a:t>
+            </a:r>
+            <a:r>
+              <a:rPr lang="zh-CN" altLang="en-US" b="1" dirty="0" smtClean="0"/>
+              <a:t>编译执行</a:t>
+            </a:r>
+            <a:r>
+              <a:rPr lang="zh-CN" altLang="en-US" dirty="0" smtClean="0"/>
+              <a:t>的编程语言</a:t>
+            </a:r>
+            <a:endParaRPr lang="en-US" altLang="zh-CN" dirty="0"/>
+          </a:p>
+          <a:p>
+            <a:pPr marL="109855" indent="0">
+              <a:lnSpc>
+                <a:spcPct val="150000"/>
+              </a:lnSpc>
+              <a:buNone/>
+            </a:pPr>
+            <a:r>
+              <a:rPr lang="en-US" altLang="zh-CN" dirty="0" smtClean="0"/>
+              <a:t>2</a:t>
+            </a:r>
+            <a:r>
+              <a:rPr lang="zh-CN" altLang="en-US" dirty="0" smtClean="0"/>
+              <a:t>：一次性生成目标代码，优化充分，执行效率高</a:t>
+            </a:r>
+            <a:endParaRPr lang="en-US" altLang="zh-CN" dirty="0" smtClean="0"/>
           </a:p>
           <a:p>
             <a:pPr>
@@ -5989,72 +6203,80 @@
               </a:lnSpc>
             </a:pPr>
             <a:r>
-              <a:rPr lang="zh-CN" altLang="en-US" sz="2400" dirty="0" smtClean="0"/>
-              <a:t>建立</a:t>
-            </a:r>
-            <a:r>
-              <a:rPr lang="zh-CN" altLang="en-US" sz="2400" dirty="0"/>
-              <a:t>在由人或机器执行的计算过程的能力和限制之上</a:t>
-            </a:r>
-          </a:p>
-          <a:p>
-            <a:pPr>
+              <a:rPr lang="zh-CN" altLang="en-US" sz="2800" dirty="0" smtClean="0"/>
+              <a:t>脚本语言</a:t>
+            </a:r>
+            <a:endParaRPr lang="en-US" altLang="zh-CN" sz="2800" dirty="0" smtClean="0"/>
+          </a:p>
+          <a:p>
+            <a:pPr marL="109855" indent="0">
               <a:lnSpc>
                 <a:spcPct val="150000"/>
               </a:lnSpc>
-            </a:pPr>
-            <a:r>
-              <a:rPr lang="zh-CN" altLang="en-US" sz="2400" dirty="0"/>
-              <a:t>了解计算机的能力，并充分利用</a:t>
-            </a:r>
-          </a:p>
-          <a:p>
-            <a:pPr>
+              <a:buNone/>
+            </a:pPr>
+            <a:r>
+              <a:rPr lang="en-US" altLang="zh-CN" dirty="0" smtClean="0"/>
+              <a:t>1</a:t>
+            </a:r>
+            <a:r>
+              <a:rPr lang="zh-CN" altLang="en-US" dirty="0" smtClean="0"/>
+              <a:t>：使用</a:t>
+            </a:r>
+            <a:r>
+              <a:rPr lang="zh-CN" altLang="en-US" b="1" dirty="0" smtClean="0"/>
+              <a:t>解释执行</a:t>
+            </a:r>
+            <a:r>
+              <a:rPr lang="zh-CN" altLang="en-US" dirty="0" smtClean="0"/>
+              <a:t>的编程语言</a:t>
+            </a:r>
+            <a:endParaRPr lang="en-US" altLang="zh-CN" dirty="0" smtClean="0"/>
+          </a:p>
+          <a:p>
+            <a:pPr marL="109855" indent="0">
               <a:lnSpc>
                 <a:spcPct val="150000"/>
               </a:lnSpc>
-            </a:pPr>
-            <a:r>
-              <a:rPr lang="zh-CN" altLang="en-US" sz="2400" dirty="0"/>
-              <a:t>计算机只能按照给定的指令一步步做，无跳跃</a:t>
-            </a:r>
-            <a:r>
-              <a:rPr lang="en-US" altLang="zh-CN" sz="2400" dirty="0"/>
-              <a:t>(</a:t>
-            </a:r>
-            <a:r>
-              <a:rPr lang="zh-CN" altLang="en-US" sz="2400" dirty="0"/>
-              <a:t>机械执行</a:t>
-            </a:r>
-            <a:r>
-              <a:rPr lang="en-US" altLang="zh-CN" sz="2400" dirty="0"/>
-              <a:t>)</a:t>
-            </a:r>
-          </a:p>
+              <a:buNone/>
+            </a:pPr>
+            <a:r>
+              <a:rPr lang="en-US" altLang="zh-CN" dirty="0" smtClean="0"/>
+              <a:t>2</a:t>
+            </a:r>
+            <a:r>
+              <a:rPr lang="zh-CN" altLang="en-US" dirty="0"/>
+              <a:t>：简化了“开发、部署、测试和调试”的周期过程</a:t>
+            </a:r>
+            <a:endParaRPr lang="zh-CN" altLang="en-US" dirty="0"/>
+          </a:p>
+        </p:txBody>
+      </p:sp>
+      <p:sp>
+        <p:nvSpPr>
+          <p:cNvPr id="4" name="灯片编号占位符 3"/>
+          <p:cNvSpPr>
+            <a:spLocks noGrp="true"/>
+          </p:cNvSpPr>
+          <p:nvPr>
+            <p:ph type="sldNum" sz="quarter" idx="12"/>
+          </p:nvPr>
+        </p:nvSpPr>
+        <p:spPr/>
+        <p:txBody>
+          <a:bodyPr/>
           <a:p>
             <a:pPr>
-              <a:lnSpc>
-                <a:spcPct val="150000"/>
-              </a:lnSpc>
-            </a:pPr>
-            <a:r>
-              <a:rPr lang="zh-CN" altLang="en-US" sz="2400" dirty="0"/>
-              <a:t>按照计算机的特点去</a:t>
-            </a:r>
-            <a:r>
-              <a:rPr lang="zh-CN" altLang="en-US" sz="2400" dirty="0" smtClean="0"/>
-              <a:t>思考</a:t>
-            </a:r>
-            <a:endParaRPr lang="zh-CN" altLang="en-US" sz="2400" dirty="0"/>
+              <a:defRPr/>
+            </a:pPr>
+            <a:fld id="{F70F104E-F0AE-4A8D-A6B9-2F4C2046D9BB}" type="slidenum">
+              <a:rPr lang="en-US" altLang="zh-CN" smtClean="0"/>
+            </a:fld>
+            <a:endParaRPr lang="en-US" altLang="zh-CN"/>
           </a:p>
         </p:txBody>
       </p:sp>
     </p:spTree>
-    <p:extLst>
-      <p:ext uri="{BB962C8B-B14F-4D97-AF65-F5344CB8AC3E}">
-        <p14:creationId xmlns:p14="http://schemas.microsoft.com/office/powerpoint/2010/main" val="3845020112"/>
-      </p:ext>
-    </p:extLst>
   </p:cSld>
   <p:clrMapOvr>
     <a:masterClrMapping/>
@@ -6090,7 +6312,7 @@
         <p:nvSpPr>
           <p:cNvPr id="3" name="标题 2"/>
           <p:cNvSpPr>
-            <a:spLocks noGrp="1"/>
+            <a:spLocks noGrp="true"/>
           </p:cNvSpPr>
           <p:nvPr>
             <p:ph type="title"/>
@@ -6098,7 +6320,7 @@
         </p:nvSpPr>
         <p:spPr>
           <a:xfrm>
-            <a:off x="323528" y="404664"/>
+            <a:off x="457200" y="404664"/>
             <a:ext cx="7680960" cy="1371600"/>
           </a:xfrm>
         </p:spPr>
@@ -6107,17 +6329,10 @@
           <a:lstStyle/>
           <a:p>
             <a:r>
-              <a:rPr lang="zh-CN" altLang="en-US" dirty="0"/>
-              <a:t>计算机编程的</a:t>
-            </a:r>
-            <a:r>
               <a:rPr lang="zh-CN" altLang="en-US" dirty="0" smtClean="0"/>
-              <a:t>基本</a:t>
-            </a:r>
-            <a:r>
-              <a:rPr lang="zh-CN" altLang="en-US" dirty="0"/>
-              <a:t>方法</a:t>
-            </a:r>
+              <a:t>计算机编程的基本原则</a:t>
+            </a:r>
+            <a:endParaRPr lang="zh-CN" altLang="en-US" dirty="0"/>
           </a:p>
         </p:txBody>
       </p:sp>
@@ -6125,7 +6340,7 @@
         <p:nvSpPr>
           <p:cNvPr id="2" name="内容占位符 1"/>
           <p:cNvSpPr>
-            <a:spLocks noGrp="1"/>
+            <a:spLocks noGrp="true"/>
           </p:cNvSpPr>
           <p:nvPr>
             <p:ph idx="1"/>
@@ -6133,14 +6348,12 @@
         </p:nvSpPr>
         <p:spPr>
           <a:xfrm>
-            <a:off x="683568" y="1916832"/>
-            <a:ext cx="7680960" cy="3931920"/>
+            <a:off x="539552" y="1988840"/>
+            <a:ext cx="8229600" cy="3771062"/>
           </a:xfrm>
         </p:spPr>
         <p:txBody>
-          <a:bodyPr>
-            <a:noAutofit/>
-          </a:bodyPr>
+          <a:bodyPr/>
           <a:lstStyle/>
           <a:p>
             <a:pPr>
@@ -6150,24 +6363,7 @@
             </a:pPr>
             <a:r>
               <a:rPr lang="zh-CN" altLang="en-US" sz="2400" dirty="0" smtClean="0"/>
-              <a:t>输入</a:t>
-            </a:r>
-            <a:r>
-              <a:rPr lang="en-US" altLang="zh-CN" sz="2400" dirty="0"/>
-              <a:t>I </a:t>
-            </a:r>
-            <a:endParaRPr lang="en-US" altLang="zh-CN" sz="2400" dirty="0" smtClean="0"/>
-          </a:p>
-          <a:p>
-            <a:pPr marL="109855" indent="0">
-              <a:lnSpc>
-                <a:spcPct val="150000"/>
-              </a:lnSpc>
-              <a:buNone/>
-            </a:pPr>
-            <a:r>
-              <a:rPr lang="zh-CN" altLang="en-US" sz="2400" dirty="0" smtClean="0"/>
-              <a:t>文件，网络，交互，控制台</a:t>
+              <a:t>精确无歧义</a:t>
             </a:r>
             <a:endParaRPr lang="en-US" altLang="zh-CN" sz="2400" dirty="0" smtClean="0"/>
           </a:p>
@@ -6179,25 +6375,13 @@
             </a:pPr>
             <a:r>
               <a:rPr lang="zh-CN" altLang="en-US" sz="2400" dirty="0" smtClean="0"/>
-              <a:t>处理</a:t>
-            </a:r>
-            <a:r>
-              <a:rPr lang="en-US" altLang="zh-CN" sz="2400" dirty="0" smtClean="0"/>
-              <a:t>P</a:t>
-            </a:r>
-          </a:p>
-          <a:p>
-            <a:pPr marL="109855" indent="0">
-              <a:lnSpc>
-                <a:spcPct val="150000"/>
-              </a:lnSpc>
-              <a:buNone/>
-            </a:pPr>
-            <a:r>
-              <a:rPr lang="zh-CN" altLang="en-US" sz="2400" dirty="0" smtClean="0"/>
-              <a:t>将输入数据进行计算并产生输出结果的过程</a:t>
-            </a:r>
-            <a:endParaRPr lang="en-US" altLang="zh-CN" sz="2400" dirty="0" smtClean="0"/>
+              <a:t>建立</a:t>
+            </a:r>
+            <a:r>
+              <a:rPr lang="zh-CN" altLang="en-US" sz="2400" dirty="0"/>
+              <a:t>在由机器执行的计算过程的能力和限制之上</a:t>
+            </a:r>
+            <a:endParaRPr lang="zh-CN" altLang="en-US" sz="2400" dirty="0"/>
           </a:p>
           <a:p>
             <a:pPr>
@@ -6206,35 +6390,78 @@
               </a:lnSpc>
             </a:pPr>
             <a:r>
-              <a:rPr lang="zh-CN" altLang="en-US" sz="2400" dirty="0" smtClean="0"/>
-              <a:t>输出</a:t>
-            </a:r>
-            <a:r>
-              <a:rPr lang="en-US" altLang="zh-CN" sz="2400" dirty="0" smtClean="0"/>
-              <a:t>O</a:t>
-            </a:r>
-          </a:p>
-          <a:p>
-            <a:pPr marL="109855" indent="0">
+              <a:rPr lang="zh-CN" altLang="en-US" sz="2400" dirty="0"/>
+              <a:t>了解计算机的能力，并充分利用</a:t>
+            </a:r>
+            <a:endParaRPr lang="zh-CN" altLang="en-US" sz="2400" dirty="0"/>
+          </a:p>
+          <a:p>
+            <a:pPr>
               <a:lnSpc>
                 <a:spcPct val="150000"/>
               </a:lnSpc>
-              <a:buNone/>
-            </a:pPr>
+            </a:pPr>
+            <a:r>
+              <a:rPr lang="zh-CN" altLang="en-US" sz="2400" dirty="0"/>
+              <a:t>计算机只能按照给定的指令一步步做，无跳跃</a:t>
+            </a:r>
+            <a:r>
+              <a:rPr lang="en-US" altLang="zh-CN" sz="2400" dirty="0"/>
+              <a:t>(</a:t>
+            </a:r>
+            <a:r>
+              <a:rPr lang="zh-CN" altLang="en-US" sz="2400" dirty="0"/>
+              <a:t>机械执行</a:t>
+            </a:r>
+            <a:r>
+              <a:rPr lang="en-US" altLang="zh-CN" sz="2400" dirty="0"/>
+              <a:t>)</a:t>
+            </a:r>
+            <a:endParaRPr lang="en-US" altLang="zh-CN" sz="2400" dirty="0"/>
+          </a:p>
+          <a:p>
+            <a:pPr>
+              <a:lnSpc>
+                <a:spcPct val="150000"/>
+              </a:lnSpc>
+            </a:pPr>
+            <a:r>
+              <a:rPr lang="zh-CN" altLang="en-US" sz="2400" dirty="0"/>
+              <a:t>按照计算机的特点去</a:t>
+            </a:r>
             <a:r>
               <a:rPr lang="zh-CN" altLang="en-US" sz="2400" dirty="0" smtClean="0"/>
-              <a:t>控制台，图形，文件，网络，操作系统内部变量输出</a:t>
+              <a:t>思考</a:t>
             </a:r>
             <a:endParaRPr lang="zh-CN" altLang="en-US" sz="2400" dirty="0"/>
           </a:p>
         </p:txBody>
       </p:sp>
+      <p:sp>
+        <p:nvSpPr>
+          <p:cNvPr id="4" name="灯片编号占位符 3"/>
+          <p:cNvSpPr>
+            <a:spLocks noGrp="true"/>
+          </p:cNvSpPr>
+          <p:nvPr>
+            <p:ph type="sldNum" sz="quarter" idx="12"/>
+          </p:nvPr>
+        </p:nvSpPr>
+        <p:spPr/>
+        <p:txBody>
+          <a:bodyPr/>
+          <a:p>
+            <a:pPr>
+              <a:defRPr/>
+            </a:pPr>
+            <a:fld id="{F70F104E-F0AE-4A8D-A6B9-2F4C2046D9BB}" type="slidenum">
+              <a:rPr lang="en-US" altLang="zh-CN" smtClean="0"/>
+            </a:fld>
+            <a:endParaRPr lang="en-US" altLang="zh-CN"/>
+          </a:p>
+        </p:txBody>
+      </p:sp>
     </p:spTree>
-    <p:extLst>
-      <p:ext uri="{BB962C8B-B14F-4D97-AF65-F5344CB8AC3E}">
-        <p14:creationId xmlns:p14="http://schemas.microsoft.com/office/powerpoint/2010/main" val="184461053"/>
-      </p:ext>
-    </p:extLst>
   </p:cSld>
   <p:clrMapOvr>
     <a:masterClrMapping/>
@@ -6270,471 +6497,205 @@
         <p:nvSpPr>
           <p:cNvPr id="3" name="标题 2"/>
           <p:cNvSpPr>
-            <a:spLocks noGrp="1"/>
+            <a:spLocks noGrp="true"/>
           </p:cNvSpPr>
           <p:nvPr>
             <p:ph type="title"/>
           </p:nvPr>
         </p:nvSpPr>
-        <p:spPr/>
+        <p:spPr>
+          <a:xfrm>
+            <a:off x="323528" y="404664"/>
+            <a:ext cx="7680960" cy="1371600"/>
+          </a:xfrm>
+        </p:spPr>
+        <p:txBody>
+          <a:bodyPr/>
+          <a:lstStyle/>
+          <a:p>
+            <a:r>
+              <a:rPr lang="zh-CN" altLang="en-US" dirty="0"/>
+              <a:t>计算机编程的</a:t>
+            </a:r>
+            <a:r>
+              <a:rPr lang="zh-CN" altLang="en-US" dirty="0" smtClean="0"/>
+              <a:t>基本</a:t>
+            </a:r>
+            <a:r>
+              <a:rPr lang="zh-CN" altLang="en-US" dirty="0"/>
+              <a:t>方法</a:t>
+            </a:r>
+            <a:endParaRPr lang="zh-CN" altLang="en-US" dirty="0"/>
+          </a:p>
+        </p:txBody>
+      </p:sp>
+      <p:sp>
+        <p:nvSpPr>
+          <p:cNvPr id="2" name="内容占位符 1"/>
+          <p:cNvSpPr>
+            <a:spLocks noGrp="true"/>
+          </p:cNvSpPr>
+          <p:nvPr>
+            <p:ph idx="1"/>
+          </p:nvPr>
+        </p:nvSpPr>
+        <p:spPr>
+          <a:xfrm>
+            <a:off x="683568" y="1916832"/>
+            <a:ext cx="7680960" cy="3931920"/>
+          </a:xfrm>
+        </p:spPr>
         <p:txBody>
           <a:bodyPr>
-            <a:normAutofit/>
+            <a:noAutofit/>
           </a:bodyPr>
           <a:lstStyle/>
           <a:p>
-            <a:r>
-              <a:rPr lang="en-US" altLang="zh-CN" dirty="0" smtClean="0"/>
-              <a:t>IPO</a:t>
-            </a:r>
-            <a:r>
-              <a:rPr lang="zh-CN" altLang="en-US" dirty="0" smtClean="0"/>
-              <a:t>示例</a:t>
-            </a:r>
-            <a:r>
-              <a:rPr lang="en-US" altLang="zh-CN" dirty="0" smtClean="0"/>
-              <a:t>:</a:t>
-            </a:r>
-            <a:r>
-              <a:rPr lang="zh-CN" altLang="en-US" sz="4400" dirty="0"/>
-              <a:t>体质指数</a:t>
-            </a:r>
-            <a:endParaRPr lang="zh-CN" altLang="en-US" dirty="0"/>
-          </a:p>
-        </p:txBody>
-      </p:sp>
-      <p:sp>
-        <p:nvSpPr>
-          <p:cNvPr id="2" name="内容占位符 1"/>
-          <p:cNvSpPr>
-            <a:spLocks noGrp="1"/>
-          </p:cNvSpPr>
-          <p:nvPr>
-            <p:ph idx="1"/>
-          </p:nvPr>
-        </p:nvSpPr>
-        <p:spPr>
-          <a:xfrm>
-            <a:off x="457200" y="1481329"/>
-            <a:ext cx="8229600" cy="1011567"/>
-          </a:xfrm>
-        </p:spPr>
-        <p:txBody>
-          <a:bodyPr>
-            <a:normAutofit/>
-          </a:bodyPr>
-          <a:lstStyle/>
+            <a:pPr>
+              <a:lnSpc>
+                <a:spcPct val="150000"/>
+              </a:lnSpc>
+            </a:pPr>
+            <a:r>
+              <a:rPr lang="zh-CN" altLang="en-US" sz="2400" dirty="0" smtClean="0"/>
+              <a:t>输入</a:t>
+            </a:r>
+            <a:r>
+              <a:rPr lang="zh-CN" altLang="en-US" sz="2400" dirty="0"/>
+              <a:t>（</a:t>
+            </a:r>
+            <a:r>
+              <a:rPr lang="en-US" altLang="zh-CN" sz="2400" dirty="0">
+                <a:latin typeface="微软雅黑" panose="020B0503020204020204" charset="-122"/>
+                <a:ea typeface="微软雅黑" panose="020B0503020204020204" charset="-122"/>
+              </a:rPr>
+              <a:t>I</a:t>
+            </a:r>
+            <a:r>
+              <a:rPr lang="en-US" altLang="zh-CN" sz="2400" dirty="0">
+                <a:latin typeface="微软雅黑" panose="020B0503020204020204" charset="-122"/>
+                <a:ea typeface="微软雅黑" panose="020B0503020204020204" charset="-122"/>
+              </a:rPr>
+              <a:t>nput</a:t>
+            </a:r>
+            <a:r>
+              <a:rPr lang="zh-CN" altLang="en-US" sz="2400" dirty="0"/>
+              <a:t>）</a:t>
+            </a:r>
+            <a:endParaRPr lang="en-US" altLang="zh-CN" sz="2400" dirty="0" smtClean="0"/>
+          </a:p>
           <a:p>
             <a:pPr marL="109855" indent="0">
+              <a:lnSpc>
+                <a:spcPct val="150000"/>
+              </a:lnSpc>
               <a:buNone/>
             </a:pPr>
+            <a:r>
+              <a:rPr lang="zh-CN" altLang="en-US" sz="2400" dirty="0" smtClean="0"/>
+              <a:t>文件，网络，交互，控制台</a:t>
+            </a:r>
             <a:endParaRPr lang="en-US" altLang="zh-CN" sz="2400" dirty="0" smtClean="0"/>
           </a:p>
           <a:p>
+            <a:pPr>
+              <a:lnSpc>
+                <a:spcPct val="150000"/>
+              </a:lnSpc>
+            </a:pPr>
+            <a:r>
+              <a:rPr lang="zh-CN" altLang="en-US" sz="2400" dirty="0" smtClean="0"/>
+              <a:t>处理（</a:t>
+            </a:r>
+            <a:r>
+              <a:rPr lang="en-US" altLang="zh-CN" sz="2400" dirty="0" smtClean="0">
+                <a:latin typeface="微软雅黑" panose="020B0503020204020204" charset="-122"/>
+                <a:ea typeface="微软雅黑" panose="020B0503020204020204" charset="-122"/>
+              </a:rPr>
+              <a:t>Processing</a:t>
+            </a:r>
+            <a:r>
+              <a:rPr lang="zh-CN" altLang="en-US" sz="2400" dirty="0" smtClean="0"/>
+              <a:t>）</a:t>
+            </a:r>
+            <a:endParaRPr lang="en-US" altLang="zh-CN" sz="2400" dirty="0" smtClean="0"/>
+          </a:p>
+          <a:p>
             <a:pPr marL="109855" indent="0">
+              <a:lnSpc>
+                <a:spcPct val="150000"/>
+              </a:lnSpc>
               <a:buNone/>
             </a:pPr>
             <a:r>
               <a:rPr lang="zh-CN" altLang="en-US" sz="2400" dirty="0" smtClean="0"/>
-              <a:t>体质指数</a:t>
-            </a:r>
-            <a:r>
-              <a:rPr lang="en-US" altLang="zh-CN" sz="2400" dirty="0" smtClean="0"/>
-              <a:t>=</a:t>
-            </a:r>
-            <a:r>
-              <a:rPr lang="zh-CN" altLang="en-US" sz="2400" dirty="0"/>
-              <a:t>体重</a:t>
-            </a:r>
-            <a:r>
-              <a:rPr lang="en-US" altLang="zh-CN" sz="2400" dirty="0"/>
-              <a:t>(kg)/</a:t>
-            </a:r>
-            <a:r>
-              <a:rPr lang="zh-CN" altLang="en-US" sz="2400" dirty="0"/>
-              <a:t>身高 </a:t>
-            </a:r>
-            <a:r>
-              <a:rPr lang="en-US" altLang="zh-CN" sz="2400" dirty="0"/>
-              <a:t>(</a:t>
-            </a:r>
-            <a:r>
-              <a:rPr lang="en-US" altLang="zh-CN" sz="2400" dirty="0" smtClean="0"/>
-              <a:t>m)</a:t>
-            </a:r>
-            <a:r>
-              <a:rPr lang="en-US" altLang="zh-CN" sz="2400" baseline="30000" dirty="0" smtClean="0"/>
-              <a:t>2</a:t>
-            </a:r>
-            <a:endParaRPr lang="zh-CN" altLang="en-US" sz="2400" baseline="30000" dirty="0"/>
-          </a:p>
-        </p:txBody>
-      </p:sp>
-      <p:sp>
-        <p:nvSpPr>
-          <p:cNvPr id="4" name="文本框 3"/>
-          <p:cNvSpPr txBox="1"/>
-          <p:nvPr/>
-        </p:nvSpPr>
-        <p:spPr>
-          <a:xfrm>
-            <a:off x="683568" y="3291368"/>
-            <a:ext cx="3672408" cy="2575064"/>
-          </a:xfrm>
-          <a:prstGeom prst="rect">
-            <a:avLst/>
-          </a:prstGeom>
-          <a:noFill/>
-        </p:spPr>
-        <p:txBody>
-          <a:bodyPr wrap="square" numCol="1" rtlCol="0">
-            <a:spAutoFit/>
-          </a:bodyPr>
-          <a:lstStyle/>
-          <a:p>
-            <a:pPr algn="ctr"/>
-            <a:r>
-              <a:rPr lang="zh-CN" altLang="en-US" sz="2000" dirty="0" smtClean="0">
-                <a:latin typeface="+mn-ea"/>
-                <a:ea typeface="+mn-ea"/>
+              <a:t>将输入数据进行计算并产生输出结果的过程</a:t>
+            </a:r>
+            <a:endParaRPr lang="en-US" altLang="zh-CN" sz="2400" dirty="0" smtClean="0"/>
+          </a:p>
+          <a:p>
+            <a:pPr>
+              <a:lnSpc>
+                <a:spcPct val="150000"/>
+              </a:lnSpc>
+            </a:pPr>
+            <a:r>
+              <a:rPr lang="zh-CN" altLang="en-US" sz="2400" dirty="0" smtClean="0"/>
+              <a:t>输出（</a:t>
+            </a:r>
+            <a:r>
+              <a:rPr lang="en-US" altLang="zh-CN" sz="2400" dirty="0" smtClean="0">
+                <a:latin typeface="微软雅黑" panose="020B0503020204020204" charset="-122"/>
+                <a:ea typeface="微软雅黑" panose="020B0503020204020204" charset="-122"/>
               </a:rPr>
-              <a:t>电脑</a:t>
-            </a:r>
-            <a:endParaRPr lang="en-US" altLang="zh-CN" sz="2000" dirty="0" smtClean="0">
-              <a:latin typeface="+mn-ea"/>
-              <a:ea typeface="+mn-ea"/>
-            </a:endParaRPr>
-          </a:p>
-          <a:p>
-            <a:endParaRPr lang="en-US" altLang="zh-CN" sz="2000" dirty="0" smtClean="0">
-              <a:latin typeface="+mn-ea"/>
-              <a:ea typeface="+mn-ea"/>
-            </a:endParaRPr>
-          </a:p>
-          <a:p>
-            <a:r>
-              <a:rPr lang="en-US" altLang="zh-CN" sz="2000" dirty="0" smtClean="0">
-                <a:latin typeface="+mn-ea"/>
-                <a:ea typeface="+mn-ea"/>
-              </a:rPr>
-              <a:t>1:</a:t>
-            </a:r>
-            <a:r>
-              <a:rPr lang="zh-CN" altLang="en-US" sz="2000" dirty="0" smtClean="0">
-                <a:latin typeface="+mn-ea"/>
-                <a:ea typeface="+mn-ea"/>
-              </a:rPr>
-              <a:t>获取数据</a:t>
-            </a:r>
-            <a:r>
-              <a:rPr lang="en-US" altLang="zh-CN" sz="2000" dirty="0" smtClean="0">
-                <a:latin typeface="+mn-ea"/>
-                <a:ea typeface="+mn-ea"/>
-              </a:rPr>
-              <a:t>:</a:t>
-            </a:r>
-            <a:r>
-              <a:rPr lang="zh-CN" altLang="en-US" sz="2000" dirty="0" smtClean="0">
-                <a:latin typeface="+mn-ea"/>
-                <a:ea typeface="+mn-ea"/>
-              </a:rPr>
-              <a:t>身高，体重</a:t>
-            </a:r>
-            <a:endParaRPr lang="en-US" altLang="zh-CN" sz="2000" dirty="0" smtClean="0">
-              <a:latin typeface="+mn-ea"/>
-              <a:ea typeface="+mn-ea"/>
-            </a:endParaRPr>
-          </a:p>
-          <a:p>
-            <a:endParaRPr lang="en-US" altLang="zh-CN" sz="2000" dirty="0" smtClean="0">
-              <a:latin typeface="+mn-ea"/>
-              <a:ea typeface="+mn-ea"/>
-            </a:endParaRPr>
-          </a:p>
-          <a:p>
-            <a:r>
-              <a:rPr lang="en-US" altLang="zh-CN" sz="2000" dirty="0" smtClean="0">
-                <a:latin typeface="+mn-ea"/>
-                <a:ea typeface="+mn-ea"/>
-              </a:rPr>
-              <a:t>2:</a:t>
-            </a:r>
-            <a:r>
-              <a:rPr lang="zh-CN" altLang="en-US" sz="2000" dirty="0">
-                <a:latin typeface="+mn-ea"/>
-                <a:ea typeface="+mn-ea"/>
-              </a:rPr>
-              <a:t>计算</a:t>
-            </a:r>
-            <a:r>
-              <a:rPr lang="zh-CN" altLang="en-US" sz="2000" dirty="0" smtClean="0">
-                <a:latin typeface="+mn-ea"/>
-                <a:ea typeface="+mn-ea"/>
-              </a:rPr>
-              <a:t>：体重</a:t>
-            </a:r>
-            <a:r>
-              <a:rPr lang="en-US" altLang="zh-CN" sz="2000" dirty="0">
-                <a:latin typeface="+mn-ea"/>
-                <a:ea typeface="+mn-ea"/>
-              </a:rPr>
-              <a:t>(kg)/</a:t>
-            </a:r>
-            <a:r>
-              <a:rPr lang="zh-CN" altLang="en-US" sz="2000" dirty="0">
-                <a:latin typeface="+mn-ea"/>
-                <a:ea typeface="+mn-ea"/>
-              </a:rPr>
-              <a:t>身高 </a:t>
-            </a:r>
-            <a:r>
-              <a:rPr lang="en-US" altLang="zh-CN" sz="2000" dirty="0">
-                <a:latin typeface="+mn-ea"/>
-                <a:ea typeface="+mn-ea"/>
-              </a:rPr>
-              <a:t>(</a:t>
-            </a:r>
-            <a:r>
-              <a:rPr lang="en-US" altLang="zh-CN" sz="2000" dirty="0" smtClean="0">
-                <a:latin typeface="+mn-ea"/>
-                <a:ea typeface="+mn-ea"/>
-              </a:rPr>
-              <a:t>m)</a:t>
-            </a:r>
-            <a:r>
-              <a:rPr lang="en-US" altLang="zh-CN" sz="2000" baseline="30000" dirty="0" smtClean="0">
-                <a:latin typeface="+mn-ea"/>
-                <a:ea typeface="+mn-ea"/>
-              </a:rPr>
-              <a:t>2</a:t>
-            </a:r>
-          </a:p>
-          <a:p>
-            <a:endParaRPr lang="en-US" altLang="zh-CN" sz="2000" baseline="30000" dirty="0">
-              <a:latin typeface="+mn-ea"/>
-              <a:ea typeface="+mn-ea"/>
-            </a:endParaRPr>
-          </a:p>
-          <a:p>
-            <a:r>
-              <a:rPr lang="en-US" altLang="zh-CN" sz="2000" dirty="0">
-                <a:latin typeface="+mn-ea"/>
-                <a:ea typeface="+mn-ea"/>
-              </a:rPr>
-              <a:t>3:</a:t>
-            </a:r>
-            <a:r>
-              <a:rPr lang="zh-CN" altLang="en-US" sz="2000" dirty="0">
-                <a:latin typeface="+mn-ea"/>
-                <a:ea typeface="+mn-ea"/>
-              </a:rPr>
-              <a:t>输出：体质指数的值</a:t>
-            </a:r>
-          </a:p>
-          <a:p>
-            <a:endParaRPr lang="en-US" altLang="zh-CN" sz="2400" baseline="30000" dirty="0"/>
-          </a:p>
-          <a:p>
-            <a:endParaRPr lang="en-US" altLang="zh-CN" baseline="30000" dirty="0"/>
-          </a:p>
-        </p:txBody>
-      </p:sp>
-      <p:sp>
-        <p:nvSpPr>
-          <p:cNvPr id="5" name="矩形 4"/>
-          <p:cNvSpPr/>
-          <p:nvPr/>
-        </p:nvSpPr>
-        <p:spPr>
-          <a:xfrm>
-            <a:off x="4726360" y="3412544"/>
-            <a:ext cx="3518048" cy="1733808"/>
-          </a:xfrm>
-          <a:prstGeom prst="rect">
-            <a:avLst/>
-          </a:prstGeom>
-        </p:spPr>
-        <p:txBody>
-          <a:bodyPr wrap="square">
-            <a:spAutoFit/>
-          </a:bodyPr>
-          <a:lstStyle/>
-          <a:p>
-            <a:pPr lvl="0" algn="ctr"/>
-            <a:r>
-              <a:rPr lang="zh-CN" altLang="en-US" sz="3200" baseline="30000" dirty="0" smtClean="0">
-                <a:solidFill>
-                  <a:prstClr val="black"/>
-                </a:solidFill>
-                <a:latin typeface="+mn-ea"/>
-                <a:ea typeface="+mn-ea"/>
-              </a:rPr>
-              <a:t>用户</a:t>
-            </a:r>
-            <a:endParaRPr lang="en-US" altLang="zh-CN" sz="3200" baseline="30000" dirty="0" smtClean="0">
-              <a:solidFill>
-                <a:prstClr val="black"/>
-              </a:solidFill>
-              <a:latin typeface="+mn-ea"/>
-              <a:ea typeface="+mn-ea"/>
-            </a:endParaRPr>
-          </a:p>
-          <a:p>
-            <a:pPr lvl="0" algn="ctr"/>
-            <a:endParaRPr lang="en-US" altLang="zh-CN" sz="3200" baseline="30000" dirty="0">
-              <a:solidFill>
-                <a:prstClr val="black"/>
-              </a:solidFill>
-              <a:latin typeface="+mn-ea"/>
-              <a:ea typeface="+mn-ea"/>
-            </a:endParaRPr>
-          </a:p>
-          <a:p>
-            <a:pPr lvl="0"/>
-            <a:r>
-              <a:rPr lang="en-US" altLang="zh-CN" sz="3200" baseline="30000" dirty="0" smtClean="0">
-                <a:solidFill>
-                  <a:prstClr val="black"/>
-                </a:solidFill>
-                <a:latin typeface="+mn-ea"/>
-                <a:ea typeface="+mn-ea"/>
-              </a:rPr>
-              <a:t>1:</a:t>
-            </a:r>
-            <a:r>
-              <a:rPr lang="zh-CN" altLang="en-US" sz="3200" baseline="30000" dirty="0" smtClean="0">
-                <a:solidFill>
-                  <a:prstClr val="black"/>
-                </a:solidFill>
-                <a:latin typeface="+mn-ea"/>
-                <a:ea typeface="+mn-ea"/>
-              </a:rPr>
-              <a:t>输入</a:t>
-            </a:r>
-            <a:r>
-              <a:rPr lang="zh-CN" altLang="en-US" sz="3200" baseline="30000" dirty="0">
-                <a:solidFill>
-                  <a:prstClr val="black"/>
-                </a:solidFill>
-                <a:latin typeface="+mn-ea"/>
-                <a:ea typeface="+mn-ea"/>
-              </a:rPr>
-              <a:t>身高，</a:t>
-            </a:r>
-            <a:r>
-              <a:rPr lang="zh-CN" altLang="en-US" sz="3200" baseline="30000" dirty="0" smtClean="0">
-                <a:solidFill>
-                  <a:prstClr val="black"/>
-                </a:solidFill>
-                <a:latin typeface="+mn-ea"/>
-                <a:ea typeface="+mn-ea"/>
-              </a:rPr>
-              <a:t>体重</a:t>
-            </a:r>
-            <a:endParaRPr lang="en-US" altLang="zh-CN" sz="3200" baseline="30000" dirty="0" smtClean="0">
-              <a:solidFill>
-                <a:prstClr val="black"/>
-              </a:solidFill>
-              <a:latin typeface="+mn-ea"/>
-              <a:ea typeface="+mn-ea"/>
-            </a:endParaRPr>
-          </a:p>
-          <a:p>
-            <a:pPr lvl="0"/>
-            <a:endParaRPr lang="en-US" altLang="zh-CN" sz="3200" baseline="30000" dirty="0">
-              <a:solidFill>
-                <a:prstClr val="black"/>
-              </a:solidFill>
-              <a:latin typeface="+mn-ea"/>
-              <a:ea typeface="+mn-ea"/>
-            </a:endParaRPr>
-          </a:p>
-          <a:p>
-            <a:pPr lvl="0"/>
-            <a:r>
-              <a:rPr lang="en-US" altLang="zh-CN" sz="3200" baseline="30000" dirty="0">
-                <a:solidFill>
-                  <a:prstClr val="black"/>
-                </a:solidFill>
-                <a:latin typeface="+mn-ea"/>
-                <a:ea typeface="+mn-ea"/>
-              </a:rPr>
-              <a:t>2:</a:t>
-            </a:r>
-            <a:r>
-              <a:rPr lang="zh-CN" altLang="en-US" sz="3200" baseline="30000" dirty="0">
-                <a:solidFill>
-                  <a:prstClr val="black"/>
-                </a:solidFill>
-                <a:latin typeface="+mn-ea"/>
-                <a:ea typeface="+mn-ea"/>
-              </a:rPr>
-              <a:t>查看结果</a:t>
-            </a:r>
-            <a:endParaRPr lang="en-US" altLang="zh-CN" sz="3200" baseline="30000" dirty="0">
-              <a:solidFill>
-                <a:prstClr val="black"/>
-              </a:solidFill>
-              <a:latin typeface="+mn-ea"/>
-              <a:ea typeface="+mn-ea"/>
-            </a:endParaRPr>
-          </a:p>
-        </p:txBody>
-      </p:sp>
-      <p:pic>
-        <p:nvPicPr>
-          <p:cNvPr id="6" name="图片 5"/>
-          <p:cNvPicPr>
-            <a:picLocks noChangeAspect="1"/>
-          </p:cNvPicPr>
-          <p:nvPr/>
-        </p:nvPicPr>
-        <p:blipFill>
-          <a:blip r:embed="rId2"/>
-          <a:stretch>
-            <a:fillRect/>
-          </a:stretch>
-        </p:blipFill>
-        <p:spPr>
-          <a:xfrm>
-            <a:off x="1331640" y="3050567"/>
-            <a:ext cx="541784" cy="594457"/>
-          </a:xfrm>
-          <a:prstGeom prst="rect">
-            <a:avLst/>
-          </a:prstGeom>
-        </p:spPr>
-      </p:pic>
-      <p:pic>
-        <p:nvPicPr>
-          <p:cNvPr id="7" name="图片 6"/>
-          <p:cNvPicPr>
-            <a:picLocks noChangeAspect="1"/>
-          </p:cNvPicPr>
-          <p:nvPr/>
-        </p:nvPicPr>
-        <p:blipFill>
-          <a:blip r:embed="rId3"/>
-          <a:stretch>
-            <a:fillRect/>
-          </a:stretch>
-        </p:blipFill>
-        <p:spPr>
-          <a:xfrm>
-            <a:off x="5292080" y="3067808"/>
-            <a:ext cx="576064" cy="577216"/>
-          </a:xfrm>
-          <a:prstGeom prst="rect">
-            <a:avLst/>
-          </a:prstGeom>
-        </p:spPr>
-      </p:pic>
+              <a:t>Output</a:t>
+            </a:r>
+            <a:r>
+              <a:rPr lang="zh-CN" altLang="en-US" sz="2400" dirty="0" smtClean="0"/>
+              <a:t>）</a:t>
+            </a:r>
+            <a:endParaRPr lang="en-US" altLang="zh-CN" sz="2400" dirty="0" smtClean="0"/>
+          </a:p>
+          <a:p>
+            <a:pPr marL="109855" indent="0">
+              <a:lnSpc>
+                <a:spcPct val="150000"/>
+              </a:lnSpc>
+              <a:buNone/>
+            </a:pPr>
+            <a:r>
+              <a:rPr lang="zh-CN" altLang="en-US" sz="2400" dirty="0" smtClean="0"/>
+              <a:t>控制台，图形，文件，网络，操作系统内部变量输出</a:t>
+            </a:r>
+            <a:endParaRPr lang="zh-CN" altLang="en-US" sz="2400" dirty="0"/>
+          </a:p>
+        </p:txBody>
+      </p:sp>
+      <p:sp>
+        <p:nvSpPr>
+          <p:cNvPr id="4" name="灯片编号占位符 3"/>
+          <p:cNvSpPr>
+            <a:spLocks noGrp="true"/>
+          </p:cNvSpPr>
+          <p:nvPr>
+            <p:ph type="sldNum" sz="quarter" idx="12"/>
+          </p:nvPr>
+        </p:nvSpPr>
+        <p:spPr/>
+        <p:txBody>
+          <a:bodyPr/>
+          <a:p>
+            <a:pPr>
+              <a:defRPr/>
+            </a:pPr>
+            <a:fld id="{F70F104E-F0AE-4A8D-A6B9-2F4C2046D9BB}" type="slidenum">
+              <a:rPr lang="en-US" altLang="zh-CN" smtClean="0"/>
+            </a:fld>
+            <a:endParaRPr lang="en-US" altLang="zh-CN"/>
+          </a:p>
+        </p:txBody>
+      </p:sp>
     </p:spTree>
-    <p:extLst>
-      <p:ext uri="{BB962C8B-B14F-4D97-AF65-F5344CB8AC3E}">
-        <p14:creationId xmlns:p14="http://schemas.microsoft.com/office/powerpoint/2010/main" val="1935158314"/>
-      </p:ext>
-    </p:extLst>
   </p:cSld>
   <p:clrMapOvr>
     <a:masterClrMapping/>
@@ -6770,7 +6731,7 @@
         <p:nvSpPr>
           <p:cNvPr id="3" name="标题 2"/>
           <p:cNvSpPr>
-            <a:spLocks noGrp="1"/>
+            <a:spLocks noGrp="true"/>
           </p:cNvSpPr>
           <p:nvPr>
             <p:ph type="title"/>
@@ -6778,16 +6739,22 @@
         </p:nvSpPr>
         <p:spPr/>
         <p:txBody>
-          <a:bodyPr/>
+          <a:bodyPr>
+            <a:normAutofit/>
+          </a:bodyPr>
           <a:lstStyle/>
           <a:p>
             <a:r>
+              <a:rPr lang="en-US" altLang="zh-CN" dirty="0" smtClean="0"/>
+              <a:t>IPO</a:t>
+            </a:r>
+            <a:r>
               <a:rPr lang="zh-CN" altLang="en-US" dirty="0" smtClean="0"/>
-              <a:t>为什么选择</a:t>
-            </a:r>
-            <a:r>
-              <a:rPr lang="en-US" altLang="zh-CN" dirty="0" smtClean="0"/>
-              <a:t>Python</a:t>
+              <a:t>示例：</a:t>
+            </a:r>
+            <a:r>
+              <a:rPr lang="zh-CN" altLang="en-US" sz="4400" dirty="0"/>
+              <a:t>体质指数</a:t>
             </a:r>
             <a:endParaRPr lang="zh-CN" altLang="en-US" dirty="0"/>
           </a:p>
@@ -6797,7 +6764,7 @@
         <p:nvSpPr>
           <p:cNvPr id="2" name="内容占位符 1"/>
           <p:cNvSpPr>
-            <a:spLocks noGrp="1"/>
+            <a:spLocks noGrp="true"/>
           </p:cNvSpPr>
           <p:nvPr>
             <p:ph idx="1"/>
@@ -6805,139 +6772,461 @@
         </p:nvSpPr>
         <p:spPr>
           <a:xfrm>
-            <a:off x="731520" y="1916832"/>
-            <a:ext cx="8088952" cy="4392488"/>
+            <a:off x="457200" y="1481329"/>
+            <a:ext cx="8229600" cy="1011567"/>
           </a:xfrm>
         </p:spPr>
         <p:txBody>
           <a:bodyPr>
-            <a:noAutofit/>
+            <a:normAutofit/>
           </a:bodyPr>
           <a:lstStyle/>
           <a:p>
+            <a:pPr marL="109855" indent="0">
+              <a:buNone/>
+            </a:pPr>
+            <a:endParaRPr lang="en-US" altLang="zh-CN" sz="2400" dirty="0" smtClean="0"/>
+          </a:p>
+          <a:p>
+            <a:pPr marL="109855" indent="0">
+              <a:buNone/>
+            </a:pPr>
+            <a:r>
+              <a:rPr lang="zh-CN" altLang="en-US" sz="2400" dirty="0" smtClean="0"/>
+              <a:t>体质指数</a:t>
+            </a:r>
+            <a:r>
+              <a:rPr lang="en-US" altLang="zh-CN" sz="2400" dirty="0" smtClean="0"/>
+              <a:t> = </a:t>
+            </a:r>
+            <a:r>
+              <a:rPr lang="zh-CN" altLang="en-US" sz="2400" dirty="0"/>
+              <a:t>体重（</a:t>
+            </a:r>
+            <a:r>
+              <a:rPr lang="en-US" altLang="zh-CN" sz="2400" dirty="0"/>
+              <a:t>kg</a:t>
+            </a:r>
+            <a:r>
+              <a:rPr lang="zh-CN" altLang="en-US" sz="2400" dirty="0"/>
+              <a:t>）</a:t>
+            </a:r>
+            <a:r>
+              <a:rPr lang="en-US" altLang="zh-CN" sz="2400" dirty="0"/>
+              <a:t>/</a:t>
+            </a:r>
+            <a:r>
+              <a:rPr lang="zh-CN" altLang="en-US" sz="2400" dirty="0"/>
+              <a:t>身高 （</a:t>
+            </a:r>
+            <a:r>
+              <a:rPr lang="en-US" altLang="zh-CN" sz="2400" dirty="0"/>
+              <a:t>m</a:t>
+            </a:r>
+            <a:r>
+              <a:rPr lang="zh-CN" altLang="en-US" sz="2400" dirty="0" smtClean="0"/>
+              <a:t>）</a:t>
+            </a:r>
+            <a:r>
+              <a:rPr lang="en-US" altLang="zh-CN" sz="2400" baseline="30000" dirty="0" smtClean="0"/>
+              <a:t>2</a:t>
+            </a:r>
+            <a:endParaRPr lang="zh-CN" altLang="en-US" sz="2400" baseline="30000" dirty="0"/>
+          </a:p>
+        </p:txBody>
+      </p:sp>
+      <p:sp>
+        <p:nvSpPr>
+          <p:cNvPr id="4" name="文本框 3"/>
+          <p:cNvSpPr txBox="true"/>
+          <p:nvPr/>
+        </p:nvSpPr>
+        <p:spPr>
+          <a:xfrm>
+            <a:off x="683568" y="3291368"/>
+            <a:ext cx="3672408" cy="2575064"/>
+          </a:xfrm>
+          <a:prstGeom prst="rect">
+            <a:avLst/>
+          </a:prstGeom>
+          <a:noFill/>
+        </p:spPr>
+        <p:txBody>
+          <a:bodyPr wrap="square" numCol="1" rtlCol="0">
+            <a:spAutoFit/>
+          </a:bodyPr>
+          <a:lstStyle/>
+          <a:p>
+            <a:pPr algn="ctr"/>
+            <a:r>
+              <a:rPr lang="zh-CN" altLang="en-US" sz="2000" dirty="0" smtClean="0">
+                <a:latin typeface="+mn-ea"/>
+                <a:ea typeface="+mn-ea"/>
+              </a:rPr>
+              <a:t>电脑</a:t>
+            </a:r>
+            <a:endParaRPr lang="en-US" altLang="zh-CN" sz="2000" dirty="0" smtClean="0">
+              <a:latin typeface="+mn-ea"/>
+              <a:ea typeface="+mn-ea"/>
+            </a:endParaRPr>
+          </a:p>
+          <a:p>
+            <a:endParaRPr lang="en-US" altLang="zh-CN" sz="2000" dirty="0" smtClean="0">
+              <a:latin typeface="+mn-ea"/>
+              <a:ea typeface="+mn-ea"/>
+            </a:endParaRPr>
+          </a:p>
+          <a:p>
+            <a:r>
+              <a:rPr lang="en-US" altLang="zh-CN" sz="2000" dirty="0" smtClean="0">
+                <a:latin typeface="+mn-ea"/>
+                <a:ea typeface="+mn-ea"/>
+              </a:rPr>
+              <a:t>1:</a:t>
+            </a:r>
+            <a:r>
+              <a:rPr lang="zh-CN" altLang="en-US" sz="2000" dirty="0" smtClean="0">
+                <a:latin typeface="+mn-ea"/>
+                <a:ea typeface="+mn-ea"/>
+              </a:rPr>
+              <a:t>获取数据</a:t>
+            </a:r>
+            <a:r>
+              <a:rPr lang="en-US" altLang="zh-CN" sz="2000" dirty="0" smtClean="0">
+                <a:latin typeface="+mn-ea"/>
+                <a:ea typeface="+mn-ea"/>
+              </a:rPr>
+              <a:t>:</a:t>
+            </a:r>
+            <a:r>
+              <a:rPr lang="zh-CN" altLang="en-US" sz="2000" dirty="0" smtClean="0">
+                <a:latin typeface="+mn-ea"/>
+                <a:ea typeface="+mn-ea"/>
+              </a:rPr>
+              <a:t>身高，体重</a:t>
+            </a:r>
+            <a:endParaRPr lang="en-US" altLang="zh-CN" sz="2000" dirty="0" smtClean="0">
+              <a:latin typeface="+mn-ea"/>
+              <a:ea typeface="+mn-ea"/>
+            </a:endParaRPr>
+          </a:p>
+          <a:p>
+            <a:endParaRPr lang="en-US" altLang="zh-CN" sz="2000" dirty="0" smtClean="0">
+              <a:latin typeface="+mn-ea"/>
+              <a:ea typeface="+mn-ea"/>
+            </a:endParaRPr>
+          </a:p>
+          <a:p>
+            <a:r>
+              <a:rPr lang="en-US" altLang="zh-CN" sz="2000" dirty="0" smtClean="0">
+                <a:latin typeface="+mn-ea"/>
+                <a:ea typeface="+mn-ea"/>
+              </a:rPr>
+              <a:t>2:</a:t>
+            </a:r>
+            <a:r>
+              <a:rPr lang="zh-CN" altLang="en-US" sz="2000" dirty="0">
+                <a:latin typeface="+mn-ea"/>
+                <a:ea typeface="+mn-ea"/>
+              </a:rPr>
+              <a:t>计算</a:t>
+            </a:r>
+            <a:r>
+              <a:rPr lang="zh-CN" altLang="en-US" sz="2000" dirty="0" smtClean="0">
+                <a:latin typeface="+mn-ea"/>
+                <a:ea typeface="+mn-ea"/>
+              </a:rPr>
+              <a:t>：体重</a:t>
+            </a:r>
+            <a:r>
+              <a:rPr lang="en-US" altLang="zh-CN" sz="2000" dirty="0">
+                <a:latin typeface="+mn-ea"/>
+                <a:ea typeface="+mn-ea"/>
+              </a:rPr>
+              <a:t>(kg)/</a:t>
+            </a:r>
+            <a:r>
+              <a:rPr lang="zh-CN" altLang="en-US" sz="2000" dirty="0">
+                <a:latin typeface="+mn-ea"/>
+                <a:ea typeface="+mn-ea"/>
+              </a:rPr>
+              <a:t>身高 </a:t>
+            </a:r>
+            <a:r>
+              <a:rPr lang="en-US" altLang="zh-CN" sz="2000" dirty="0">
+                <a:latin typeface="+mn-ea"/>
+                <a:ea typeface="+mn-ea"/>
+              </a:rPr>
+              <a:t>(</a:t>
+            </a:r>
+            <a:r>
+              <a:rPr lang="en-US" altLang="zh-CN" sz="2000" dirty="0" smtClean="0">
+                <a:latin typeface="+mn-ea"/>
+                <a:ea typeface="+mn-ea"/>
+              </a:rPr>
+              <a:t>m)</a:t>
+            </a:r>
+            <a:r>
+              <a:rPr lang="en-US" altLang="zh-CN" sz="2000" baseline="30000" dirty="0" smtClean="0">
+                <a:latin typeface="+mn-ea"/>
+                <a:ea typeface="+mn-ea"/>
+              </a:rPr>
+              <a:t>2</a:t>
+            </a:r>
+            <a:endParaRPr lang="en-US" altLang="zh-CN" sz="2000" baseline="30000" dirty="0" smtClean="0">
+              <a:latin typeface="+mn-ea"/>
+              <a:ea typeface="+mn-ea"/>
+            </a:endParaRPr>
+          </a:p>
+          <a:p>
+            <a:endParaRPr lang="en-US" altLang="zh-CN" sz="2000" baseline="30000" dirty="0">
+              <a:latin typeface="+mn-ea"/>
+              <a:ea typeface="+mn-ea"/>
+            </a:endParaRPr>
+          </a:p>
+          <a:p>
+            <a:r>
+              <a:rPr lang="en-US" altLang="zh-CN" sz="2000" dirty="0">
+                <a:latin typeface="+mn-ea"/>
+                <a:ea typeface="+mn-ea"/>
+              </a:rPr>
+              <a:t>3:</a:t>
+            </a:r>
+            <a:r>
+              <a:rPr lang="zh-CN" altLang="en-US" sz="2000" dirty="0">
+                <a:latin typeface="+mn-ea"/>
+                <a:ea typeface="+mn-ea"/>
+              </a:rPr>
+              <a:t>输出：体质指数的值</a:t>
+            </a:r>
+            <a:endParaRPr lang="zh-CN" altLang="en-US" sz="2000" dirty="0">
+              <a:latin typeface="+mn-ea"/>
+              <a:ea typeface="+mn-ea"/>
+            </a:endParaRPr>
+          </a:p>
+          <a:p>
+            <a:endParaRPr lang="en-US" altLang="zh-CN" sz="2400" baseline="30000" dirty="0"/>
+          </a:p>
+          <a:p>
+            <a:endParaRPr lang="en-US" altLang="zh-CN" baseline="30000" dirty="0"/>
+          </a:p>
+        </p:txBody>
+      </p:sp>
+      <p:sp>
+        <p:nvSpPr>
+          <p:cNvPr id="5" name="矩形 4"/>
+          <p:cNvSpPr/>
+          <p:nvPr/>
+        </p:nvSpPr>
+        <p:spPr>
+          <a:xfrm>
+            <a:off x="4726360" y="3412544"/>
+            <a:ext cx="3518048" cy="1733808"/>
+          </a:xfrm>
+          <a:prstGeom prst="rect">
+            <a:avLst/>
+          </a:prstGeom>
+        </p:spPr>
+        <p:txBody>
+          <a:bodyPr wrap="square">
+            <a:spAutoFit/>
+          </a:bodyPr>
+          <a:lstStyle/>
+          <a:p>
+            <a:pPr lvl="0" algn="ctr"/>
+            <a:r>
+              <a:rPr lang="zh-CN" altLang="en-US" sz="3200" baseline="30000" dirty="0" smtClean="0">
+                <a:solidFill>
+                  <a:prstClr val="black"/>
+                </a:solidFill>
+                <a:latin typeface="+mn-ea"/>
+                <a:ea typeface="+mn-ea"/>
+              </a:rPr>
+              <a:t>用户</a:t>
+            </a:r>
+            <a:endParaRPr lang="en-US" altLang="zh-CN" sz="3200" baseline="30000" dirty="0" smtClean="0">
+              <a:solidFill>
+                <a:prstClr val="black"/>
+              </a:solidFill>
+              <a:latin typeface="+mn-ea"/>
+              <a:ea typeface="+mn-ea"/>
+            </a:endParaRPr>
+          </a:p>
+          <a:p>
+            <a:pPr lvl="0" algn="ctr"/>
+            <a:endParaRPr lang="en-US" altLang="zh-CN" sz="3200" baseline="30000" dirty="0">
+              <a:solidFill>
+                <a:prstClr val="black"/>
+              </a:solidFill>
+              <a:latin typeface="+mn-ea"/>
+              <a:ea typeface="+mn-ea"/>
+            </a:endParaRPr>
+          </a:p>
+          <a:p>
+            <a:pPr lvl="0"/>
+            <a:r>
+              <a:rPr lang="en-US" altLang="zh-CN" sz="3200" baseline="30000" dirty="0" smtClean="0">
+                <a:solidFill>
+                  <a:prstClr val="black"/>
+                </a:solidFill>
+                <a:latin typeface="+mn-ea"/>
+                <a:ea typeface="+mn-ea"/>
+              </a:rPr>
+              <a:t>1:</a:t>
+            </a:r>
+            <a:r>
+              <a:rPr lang="zh-CN" altLang="en-US" sz="3200" baseline="30000" dirty="0" smtClean="0">
+                <a:solidFill>
+                  <a:prstClr val="black"/>
+                </a:solidFill>
+                <a:latin typeface="+mn-ea"/>
+                <a:ea typeface="+mn-ea"/>
+              </a:rPr>
+              <a:t>输入</a:t>
+            </a:r>
+            <a:r>
+              <a:rPr lang="zh-CN" altLang="en-US" sz="3200" baseline="30000" dirty="0">
+                <a:solidFill>
+                  <a:prstClr val="black"/>
+                </a:solidFill>
+                <a:latin typeface="+mn-ea"/>
+                <a:ea typeface="+mn-ea"/>
+              </a:rPr>
+              <a:t>身高，</a:t>
+            </a:r>
+            <a:r>
+              <a:rPr lang="zh-CN" altLang="en-US" sz="3200" baseline="30000" dirty="0" smtClean="0">
+                <a:solidFill>
+                  <a:prstClr val="black"/>
+                </a:solidFill>
+                <a:latin typeface="+mn-ea"/>
+                <a:ea typeface="+mn-ea"/>
+              </a:rPr>
+              <a:t>体重</a:t>
+            </a:r>
+            <a:endParaRPr lang="en-US" altLang="zh-CN" sz="3200" baseline="30000" dirty="0" smtClean="0">
+              <a:solidFill>
+                <a:prstClr val="black"/>
+              </a:solidFill>
+              <a:latin typeface="+mn-ea"/>
+              <a:ea typeface="+mn-ea"/>
+            </a:endParaRPr>
+          </a:p>
+          <a:p>
+            <a:pPr lvl="0"/>
+            <a:endParaRPr lang="en-US" altLang="zh-CN" sz="3200" baseline="30000" dirty="0">
+              <a:solidFill>
+                <a:prstClr val="black"/>
+              </a:solidFill>
+              <a:latin typeface="+mn-ea"/>
+              <a:ea typeface="+mn-ea"/>
+            </a:endParaRPr>
+          </a:p>
+          <a:p>
+            <a:pPr lvl="0"/>
+            <a:r>
+              <a:rPr lang="en-US" altLang="zh-CN" sz="3200" baseline="30000" dirty="0">
+                <a:solidFill>
+                  <a:prstClr val="black"/>
+                </a:solidFill>
+                <a:latin typeface="+mn-ea"/>
+                <a:ea typeface="+mn-ea"/>
+              </a:rPr>
+              <a:t>2:</a:t>
+            </a:r>
+            <a:r>
+              <a:rPr lang="zh-CN" altLang="en-US" sz="3200" baseline="30000" dirty="0">
+                <a:solidFill>
+                  <a:prstClr val="black"/>
+                </a:solidFill>
+                <a:latin typeface="+mn-ea"/>
+                <a:ea typeface="+mn-ea"/>
+              </a:rPr>
+              <a:t>查看结果</a:t>
+            </a:r>
+            <a:endParaRPr lang="en-US" altLang="zh-CN" sz="3200" baseline="30000" dirty="0">
+              <a:solidFill>
+                <a:prstClr val="black"/>
+              </a:solidFill>
+              <a:latin typeface="+mn-ea"/>
+              <a:ea typeface="+mn-ea"/>
+            </a:endParaRPr>
+          </a:p>
+        </p:txBody>
+      </p:sp>
+      <p:pic>
+        <p:nvPicPr>
+          <p:cNvPr id="6" name="图片 5"/>
+          <p:cNvPicPr>
+            <a:picLocks noChangeAspect="true"/>
+          </p:cNvPicPr>
+          <p:nvPr/>
+        </p:nvPicPr>
+        <p:blipFill>
+          <a:blip r:embed="rId1"/>
+          <a:stretch>
+            <a:fillRect/>
+          </a:stretch>
+        </p:blipFill>
+        <p:spPr>
+          <a:xfrm>
+            <a:off x="1331640" y="3050567"/>
+            <a:ext cx="541784" cy="594457"/>
+          </a:xfrm>
+          <a:prstGeom prst="rect">
+            <a:avLst/>
+          </a:prstGeom>
+        </p:spPr>
+      </p:pic>
+      <p:pic>
+        <p:nvPicPr>
+          <p:cNvPr id="7" name="图片 6"/>
+          <p:cNvPicPr>
+            <a:picLocks noChangeAspect="true"/>
+          </p:cNvPicPr>
+          <p:nvPr/>
+        </p:nvPicPr>
+        <p:blipFill>
+          <a:blip r:embed="rId2"/>
+          <a:stretch>
+            <a:fillRect/>
+          </a:stretch>
+        </p:blipFill>
+        <p:spPr>
+          <a:xfrm>
+            <a:off x="5292080" y="3067808"/>
+            <a:ext cx="576064" cy="577216"/>
+          </a:xfrm>
+          <a:prstGeom prst="rect">
+            <a:avLst/>
+          </a:prstGeom>
+        </p:spPr>
+      </p:pic>
+      <p:sp>
+        <p:nvSpPr>
+          <p:cNvPr id="8" name="灯片编号占位符 7"/>
+          <p:cNvSpPr>
+            <a:spLocks noGrp="true"/>
+          </p:cNvSpPr>
+          <p:nvPr>
+            <p:ph type="sldNum" sz="quarter" idx="12"/>
+          </p:nvPr>
+        </p:nvSpPr>
+        <p:spPr/>
+        <p:txBody>
+          <a:bodyPr/>
+          <a:p>
             <a:pPr>
-              <a:lnSpc>
-                <a:spcPts val="3500"/>
-              </a:lnSpc>
-            </a:pPr>
-            <a:r>
-              <a:rPr lang="zh-CN" altLang="en-US" sz="2800" dirty="0" smtClean="0"/>
-              <a:t>可移植性强</a:t>
-            </a:r>
-            <a:endParaRPr lang="en-US" altLang="zh-CN" sz="2800" dirty="0" smtClean="0"/>
-          </a:p>
-          <a:p>
-            <a:pPr lvl="1">
-              <a:lnSpc>
-                <a:spcPts val="3500"/>
-              </a:lnSpc>
-            </a:pPr>
-            <a:r>
-              <a:rPr lang="zh-CN" altLang="en-US" sz="2000" dirty="0"/>
-              <a:t>开源本质，</a:t>
-            </a:r>
-            <a:r>
-              <a:rPr lang="en-US" altLang="zh-CN" sz="2000" dirty="0"/>
-              <a:t>Python</a:t>
-            </a:r>
-            <a:r>
-              <a:rPr lang="zh-CN" altLang="en-US" sz="2000" dirty="0"/>
-              <a:t>已经被移植在许多平台</a:t>
-            </a:r>
-            <a:endParaRPr lang="en-US" altLang="zh-CN" sz="2000" dirty="0" smtClean="0"/>
-          </a:p>
-          <a:p>
-            <a:pPr>
-              <a:lnSpc>
-                <a:spcPts val="3500"/>
-              </a:lnSpc>
-            </a:pPr>
-            <a:r>
-              <a:rPr lang="zh-CN" altLang="en-US" sz="2800" dirty="0" smtClean="0"/>
-              <a:t>庞大的标准库与丰富的第三方生态库</a:t>
-            </a:r>
-            <a:endParaRPr lang="en-US" altLang="zh-CN" sz="2800" dirty="0"/>
-          </a:p>
-          <a:p>
-            <a:pPr lvl="1">
-              <a:lnSpc>
-                <a:spcPts val="3500"/>
-              </a:lnSpc>
-            </a:pPr>
-            <a:r>
-              <a:rPr lang="zh-CN" altLang="en-US" sz="2000" dirty="0" smtClean="0"/>
-              <a:t>编程语言</a:t>
-            </a:r>
-            <a:r>
-              <a:rPr lang="zh-CN" altLang="en-US" sz="2000" dirty="0"/>
-              <a:t>生态链的顶级</a:t>
-            </a:r>
-            <a:r>
-              <a:rPr lang="zh-CN" altLang="en-US" sz="2000" dirty="0" smtClean="0"/>
-              <a:t>位置</a:t>
-            </a:r>
-            <a:endParaRPr lang="en-US" altLang="zh-CN" sz="2000" dirty="0" smtClean="0"/>
-          </a:p>
-          <a:p>
-            <a:pPr lvl="1">
-              <a:lnSpc>
-                <a:spcPts val="3500"/>
-              </a:lnSpc>
-            </a:pPr>
-            <a:r>
-              <a:rPr lang="zh-CN" altLang="en-US" sz="2000" dirty="0"/>
-              <a:t>包含网站</a:t>
-            </a:r>
-            <a:r>
-              <a:rPr lang="en-US" altLang="zh-CN" sz="2000" dirty="0"/>
-              <a:t>Web</a:t>
-            </a:r>
-            <a:r>
-              <a:rPr lang="zh-CN" altLang="en-US" sz="2000" dirty="0"/>
-              <a:t>、搜索引擎、云计算、大数据、人工智能、科学计算</a:t>
-            </a:r>
-            <a:endParaRPr lang="en-US" altLang="zh-CN" sz="2000" dirty="0"/>
-          </a:p>
-          <a:p>
-            <a:pPr>
-              <a:lnSpc>
-                <a:spcPts val="3500"/>
-              </a:lnSpc>
-            </a:pPr>
-            <a:r>
-              <a:rPr lang="zh-CN" altLang="en-US" sz="2800" dirty="0" smtClean="0"/>
-              <a:t>简洁</a:t>
-            </a:r>
-            <a:r>
-              <a:rPr lang="zh-CN" altLang="en-US" sz="2800" dirty="0"/>
-              <a:t>高效</a:t>
-            </a:r>
-            <a:endParaRPr lang="en-US" altLang="zh-CN" sz="2800" dirty="0"/>
-          </a:p>
-          <a:p>
-            <a:pPr lvl="1">
-              <a:lnSpc>
-                <a:spcPts val="3500"/>
-              </a:lnSpc>
-            </a:pPr>
-            <a:r>
-              <a:rPr lang="zh-CN" altLang="en-US" sz="2000" dirty="0"/>
-              <a:t>代码量小，开发调试效率</a:t>
-            </a:r>
-            <a:r>
-              <a:rPr lang="zh-CN" altLang="en-US" sz="2000" dirty="0" smtClean="0"/>
-              <a:t>高</a:t>
-            </a:r>
-            <a:endParaRPr lang="zh-CN" altLang="en-US" sz="2000" dirty="0"/>
+              <a:defRPr/>
+            </a:pPr>
+            <a:fld id="{F70F104E-F0AE-4A8D-A6B9-2F4C2046D9BB}" type="slidenum">
+              <a:rPr lang="en-US" altLang="zh-CN" smtClean="0"/>
+            </a:fld>
+            <a:endParaRPr lang="en-US" altLang="zh-CN"/>
           </a:p>
         </p:txBody>
       </p:sp>
     </p:spTree>
-    <p:extLst>
-      <p:ext uri="{BB962C8B-B14F-4D97-AF65-F5344CB8AC3E}">
-        <p14:creationId xmlns:p14="http://schemas.microsoft.com/office/powerpoint/2010/main" val="1764053286"/>
-      </p:ext>
-    </p:extLst>
   </p:cSld>
   <p:clrMapOvr>
     <a:masterClrMapping/>
@@ -6995,7 +7284,7 @@
     </a:clrScheme>
     <a:fontScheme name="Savon">
       <a:majorFont>
-        <a:latin typeface="Century Gothic" panose="020B0502020202020204"/>
+        <a:latin typeface="Century Gothic"/>
         <a:ea typeface=""/>
         <a:cs typeface=""/>
         <a:font script="Jpan" typeface="ＭＳ ゴシック"/>
@@ -7030,7 +7319,7 @@
         <a:font script="Geor" typeface="Sylfaen"/>
       </a:majorFont>
       <a:minorFont>
-        <a:latin typeface="Century Gothic" panose="020B0502020202020204"/>
+        <a:latin typeface="Century Gothic"/>
         <a:ea typeface=""/>
         <a:cs typeface=""/>
         <a:font script="Jpan" typeface="ＭＳ ゴシック"/>
@@ -7070,7 +7359,7 @@
         <a:solidFill>
           <a:schemeClr val="phClr"/>
         </a:solidFill>
-        <a:gradFill rotWithShape="1">
+        <a:gradFill rotWithShape="true">
           <a:gsLst>
             <a:gs pos="0">
               <a:schemeClr val="phClr">
@@ -7094,9 +7383,9 @@
               </a:schemeClr>
             </a:gs>
           </a:gsLst>
-          <a:lin ang="5400000" scaled="0"/>
+          <a:lin ang="5400000" scaled="false"/>
         </a:gradFill>
-        <a:gradFill rotWithShape="1">
+        <a:gradFill rotWithShape="true">
           <a:gsLst>
             <a:gs pos="0">
               <a:schemeClr val="phClr">
@@ -7119,7 +7408,7 @@
               </a:schemeClr>
             </a:gs>
           </a:gsLst>
-          <a:lin ang="5400000" scaled="0"/>
+          <a:lin ang="5400000" scaled="false"/>
         </a:gradFill>
       </a:fillStyleLst>
       <a:lnStyleLst>
@@ -7180,7 +7469,7 @@
         <a:solidFill>
           <a:schemeClr val="phClr"/>
         </a:solidFill>
-        <a:gradFill rotWithShape="1">
+        <a:gradFill rotWithShape="true">
           <a:gsLst>
             <a:gs pos="0">
               <a:schemeClr val="phClr">
@@ -7204,9 +7493,9 @@
               </a:schemeClr>
             </a:gs>
           </a:gsLst>
-          <a:lin ang="5400000" scaled="0"/>
+          <a:lin ang="5400000" scaled="false"/>
         </a:gradFill>
-        <a:blipFill rotWithShape="1">
+        <a:blipFill rotWithShape="true">
           <a:blip xmlns:r="http://schemas.openxmlformats.org/officeDocument/2006/relationships" r:embed="rId1">
             <a:duotone>
               <a:schemeClr val="phClr">
@@ -7223,11 +7512,9 @@
       </a:bgFillStyleLst>
     </a:fmtScheme>
   </a:themeElements>
-  <a:objectDefaults/>
-  <a:extraClrSchemeLst/>
   <a:extLst>
     <a:ext uri="{05A4C25C-085E-4340-85A3-A5531E510DB2}">
-      <thm15:themeFamily xmlns:thm15="http://schemas.microsoft.com/office/thememl/2012/main" name="Savon" id="{1306E473-ED32-493B-A2D0-240A757EDD34}" vid="{C20BADFE-D095-436F-9677-9264042809F0}"/>
+      <thm15:themeFamily xmlns:thm15="http://schemas.microsoft.com/office/thememl/2012/main" name="Office Theme" id="{62F939B6-93AF-4DB8-9C6B-D6C7DFDC589F}" vid="{4A3C46E8-61CC-4603-A589-7422A47A8E4A}"/>
     </a:ext>
   </a:extLst>
 </a:theme>
@@ -7351,7 +7638,7 @@
         <a:solidFill>
           <a:schemeClr val="phClr"/>
         </a:solidFill>
-        <a:gradFill rotWithShape="1">
+        <a:gradFill rotWithShape="true">
           <a:gsLst>
             <a:gs pos="0">
               <a:schemeClr val="phClr">
@@ -7372,9 +7659,9 @@
               </a:schemeClr>
             </a:gs>
           </a:gsLst>
-          <a:lin ang="16200000" scaled="1"/>
+          <a:lin ang="16200000" scaled="true"/>
         </a:gradFill>
-        <a:gradFill rotWithShape="1">
+        <a:gradFill rotWithShape="true">
           <a:gsLst>
             <a:gs pos="0">
               <a:schemeClr val="phClr">
@@ -7395,7 +7682,7 @@
               </a:schemeClr>
             </a:gs>
           </a:gsLst>
-          <a:lin ang="16200000" scaled="0"/>
+          <a:lin ang="16200000" scaled="false"/>
         </a:gradFill>
       </a:fillStyleLst>
       <a:lnStyleLst>
@@ -7465,7 +7752,7 @@
         <a:solidFill>
           <a:schemeClr val="phClr"/>
         </a:solidFill>
-        <a:gradFill rotWithShape="1">
+        <a:gradFill rotWithShape="true">
           <a:gsLst>
             <a:gs pos="0">
               <a:schemeClr val="phClr">
@@ -7491,7 +7778,7 @@
             <a:fillToRect l="50000" t="-80000" r="50000" b="180000"/>
           </a:path>
         </a:gradFill>
-        <a:gradFill rotWithShape="1">
+        <a:gradFill rotWithShape="true">
           <a:gsLst>
             <a:gs pos="0">
               <a:schemeClr val="phClr">
@@ -7513,8 +7800,6 @@
       </a:bgFillStyleLst>
     </a:fmtScheme>
   </a:themeElements>
-  <a:objectDefaults/>
-  <a:extraClrSchemeLst/>
   <a:extLst>
     <a:ext uri="{05A4C25C-085E-4340-85A3-A5531E510DB2}">
       <thm15:themeFamily xmlns:thm15="http://schemas.microsoft.com/office/thememl/2012/main" name="Office Theme" id="{62F939B6-93AF-4DB8-9C6B-D6C7DFDC589F}" vid="{4A3C46E8-61CC-4603-A589-7422A47A8E4A}"/>
